--- a/TeamOctopus/phase6/team_Octopus_Presentation.pptx
+++ b/TeamOctopus/phase6/team_Octopus_Presentation.pptx
@@ -5,7 +5,7 @@
     <p:sldMasterId id="2147483648" r:id="rId1"/>
   </p:sldMasterIdLst>
   <p:notesMasterIdLst>
-    <p:notesMasterId r:id="rId7"/>
+    <p:notesMasterId r:id="rId16"/>
   </p:notesMasterIdLst>
   <p:sldIdLst>
     <p:sldId id="256" r:id="rId2"/>
@@ -13,6 +13,15 @@
     <p:sldId id="258" r:id="rId4"/>
     <p:sldId id="259" r:id="rId5"/>
     <p:sldId id="260" r:id="rId6"/>
+    <p:sldId id="264" r:id="rId7"/>
+    <p:sldId id="265" r:id="rId8"/>
+    <p:sldId id="266" r:id="rId9"/>
+    <p:sldId id="267" r:id="rId10"/>
+    <p:sldId id="268" r:id="rId11"/>
+    <p:sldId id="269" r:id="rId12"/>
+    <p:sldId id="261" r:id="rId13"/>
+    <p:sldId id="262" r:id="rId14"/>
+    <p:sldId id="263" r:id="rId15"/>
   </p:sldIdLst>
   <p:sldSz cx="12192000" cy="6858000"/>
   <p:notesSz cx="6858000" cy="9144000"/>
@@ -111,6 +120,11 @@
       </a:defRPr>
     </a:lvl9pPr>
   </p:defaultTextStyle>
+  <p:extLst>
+    <p:ext uri="{EFAFB233-063F-42B5-8137-9DF3F51BA10A}">
+      <p15:sldGuideLst xmlns:p15="http://schemas.microsoft.com/office/powerpoint/2012/main"/>
+    </p:ext>
+  </p:extLst>
 </p:presentation>
 </file>
 
@@ -196,7 +210,7 @@
           <a:p>
             <a:fld id="{75AA5801-58E2-1A47-AB77-D5E8F4F0FF0A}" type="datetimeFigureOut">
               <a:rPr lang="en-US" smtClean="0"/>
-              <a:t>11/29/15</a:t>
+              <a:t>11/30/2015</a:t>
             </a:fld>
             <a:endParaRPr lang="en-US"/>
           </a:p>
@@ -679,7 +693,7 @@
           <a:p>
             <a:fld id="{5EA88037-1F7C-7846-8515-279FA3F1A194}" type="datetimeFigureOut">
               <a:rPr lang="en-US" smtClean="0"/>
-              <a:t>11/29/15</a:t>
+              <a:t>11/30/2015</a:t>
             </a:fld>
             <a:endParaRPr lang="en-US"/>
           </a:p>
@@ -849,7 +863,7 @@
           <a:p>
             <a:fld id="{5EA88037-1F7C-7846-8515-279FA3F1A194}" type="datetimeFigureOut">
               <a:rPr lang="en-US" smtClean="0"/>
-              <a:t>11/29/15</a:t>
+              <a:t>11/30/2015</a:t>
             </a:fld>
             <a:endParaRPr lang="en-US"/>
           </a:p>
@@ -1029,7 +1043,7 @@
           <a:p>
             <a:fld id="{5EA88037-1F7C-7846-8515-279FA3F1A194}" type="datetimeFigureOut">
               <a:rPr lang="en-US" smtClean="0"/>
-              <a:t>11/29/15</a:t>
+              <a:t>11/30/2015</a:t>
             </a:fld>
             <a:endParaRPr lang="en-US"/>
           </a:p>
@@ -1199,7 +1213,7 @@
           <a:p>
             <a:fld id="{5EA88037-1F7C-7846-8515-279FA3F1A194}" type="datetimeFigureOut">
               <a:rPr lang="en-US" smtClean="0"/>
-              <a:t>11/29/15</a:t>
+              <a:t>11/30/2015</a:t>
             </a:fld>
             <a:endParaRPr lang="en-US"/>
           </a:p>
@@ -1445,7 +1459,7 @@
           <a:p>
             <a:fld id="{5EA88037-1F7C-7846-8515-279FA3F1A194}" type="datetimeFigureOut">
               <a:rPr lang="en-US" smtClean="0"/>
-              <a:t>11/29/15</a:t>
+              <a:t>11/30/2015</a:t>
             </a:fld>
             <a:endParaRPr lang="en-US"/>
           </a:p>
@@ -1677,7 +1691,7 @@
           <a:p>
             <a:fld id="{5EA88037-1F7C-7846-8515-279FA3F1A194}" type="datetimeFigureOut">
               <a:rPr lang="en-US" smtClean="0"/>
-              <a:t>11/29/15</a:t>
+              <a:t>11/30/2015</a:t>
             </a:fld>
             <a:endParaRPr lang="en-US"/>
           </a:p>
@@ -2044,7 +2058,7 @@
           <a:p>
             <a:fld id="{5EA88037-1F7C-7846-8515-279FA3F1A194}" type="datetimeFigureOut">
               <a:rPr lang="en-US" smtClean="0"/>
-              <a:t>11/29/15</a:t>
+              <a:t>11/30/2015</a:t>
             </a:fld>
             <a:endParaRPr lang="en-US"/>
           </a:p>
@@ -2162,7 +2176,7 @@
           <a:p>
             <a:fld id="{5EA88037-1F7C-7846-8515-279FA3F1A194}" type="datetimeFigureOut">
               <a:rPr lang="en-US" smtClean="0"/>
-              <a:t>11/29/15</a:t>
+              <a:t>11/30/2015</a:t>
             </a:fld>
             <a:endParaRPr lang="en-US"/>
           </a:p>
@@ -2257,7 +2271,7 @@
           <a:p>
             <a:fld id="{5EA88037-1F7C-7846-8515-279FA3F1A194}" type="datetimeFigureOut">
               <a:rPr lang="en-US" smtClean="0"/>
-              <a:t>11/29/15</a:t>
+              <a:t>11/30/2015</a:t>
             </a:fld>
             <a:endParaRPr lang="en-US"/>
           </a:p>
@@ -2534,7 +2548,7 @@
           <a:p>
             <a:fld id="{5EA88037-1F7C-7846-8515-279FA3F1A194}" type="datetimeFigureOut">
               <a:rPr lang="en-US" smtClean="0"/>
-              <a:t>11/29/15</a:t>
+              <a:t>11/30/2015</a:t>
             </a:fld>
             <a:endParaRPr lang="en-US"/>
           </a:p>
@@ -2787,7 +2801,7 @@
           <a:p>
             <a:fld id="{5EA88037-1F7C-7846-8515-279FA3F1A194}" type="datetimeFigureOut">
               <a:rPr lang="en-US" smtClean="0"/>
-              <a:t>11/29/15</a:t>
+              <a:t>11/30/2015</a:t>
             </a:fld>
             <a:endParaRPr lang="en-US"/>
           </a:p>
@@ -3029,7 +3043,7 @@
           <a:p>
             <a:fld id="{5EA88037-1F7C-7846-8515-279FA3F1A194}" type="datetimeFigureOut">
               <a:rPr lang="en-US" smtClean="0"/>
-              <a:t>11/29/15</a:t>
+              <a:t>11/30/2015</a:t>
             </a:fld>
             <a:endParaRPr lang="en-US"/>
           </a:p>
@@ -3546,6 +3560,1188 @@
 </p:sld>
 </file>
 
+<file path=ppt/slides/slide10.xml><?xml version="1.0" encoding="utf-8"?>
+<p:sld xmlns:a="http://schemas.openxmlformats.org/drawingml/2006/main" xmlns:r="http://schemas.openxmlformats.org/officeDocument/2006/relationships" xmlns:p="http://schemas.openxmlformats.org/presentationml/2006/main">
+  <p:cSld>
+    <p:spTree>
+      <p:nvGrpSpPr>
+        <p:cNvPr id="1" name=""/>
+        <p:cNvGrpSpPr/>
+        <p:nvPr/>
+      </p:nvGrpSpPr>
+      <p:grpSpPr>
+        <a:xfrm>
+          <a:off x="0" y="0"/>
+          <a:ext cx="0" cy="0"/>
+          <a:chOff x="0" y="0"/>
+          <a:chExt cx="0" cy="0"/>
+        </a:xfrm>
+      </p:grpSpPr>
+      <p:sp>
+        <p:nvSpPr>
+          <p:cNvPr id="2" name="Title 1"/>
+          <p:cNvSpPr>
+            <a:spLocks noGrp="1"/>
+          </p:cNvSpPr>
+          <p:nvPr>
+            <p:ph type="title"/>
+          </p:nvPr>
+        </p:nvSpPr>
+        <p:spPr/>
+        <p:txBody>
+          <a:bodyPr/>
+          <a:lstStyle/>
+          <a:p>
+            <a:pPr algn="ctr"/>
+            <a:r>
+              <a:rPr lang="en-US" dirty="0" smtClean="0"/>
+              <a:t>Artifact Model</a:t>
+            </a:r>
+            <a:endParaRPr lang="en-US" dirty="0"/>
+          </a:p>
+        </p:txBody>
+      </p:sp>
+      <p:sp>
+        <p:nvSpPr>
+          <p:cNvPr id="3" name="Content Placeholder 2"/>
+          <p:cNvSpPr>
+            <a:spLocks noGrp="1"/>
+          </p:cNvSpPr>
+          <p:nvPr>
+            <p:ph idx="1"/>
+          </p:nvPr>
+        </p:nvSpPr>
+        <p:spPr/>
+        <p:txBody>
+          <a:bodyPr/>
+          <a:lstStyle/>
+          <a:p>
+            <a:endParaRPr lang="en-US" dirty="0"/>
+          </a:p>
+        </p:txBody>
+      </p:sp>
+      <p:sp>
+        <p:nvSpPr>
+          <p:cNvPr id="4" name="TextBox 3"/>
+          <p:cNvSpPr txBox="1"/>
+          <p:nvPr/>
+        </p:nvSpPr>
+        <p:spPr>
+          <a:xfrm>
+            <a:off x="838200" y="6363222"/>
+            <a:ext cx="1591358" cy="369332"/>
+          </a:xfrm>
+          <a:prstGeom prst="rect">
+            <a:avLst/>
+          </a:prstGeom>
+          <a:noFill/>
+        </p:spPr>
+        <p:txBody>
+          <a:bodyPr wrap="square" rtlCol="0">
+            <a:spAutoFit/>
+          </a:bodyPr>
+          <a:lstStyle/>
+          <a:p>
+            <a:r>
+              <a:rPr lang="en-US" dirty="0" smtClean="0"/>
+              <a:t>Team Octopus</a:t>
+            </a:r>
+            <a:endParaRPr lang="en-US" dirty="0"/>
+          </a:p>
+        </p:txBody>
+      </p:sp>
+      <p:sp>
+        <p:nvSpPr>
+          <p:cNvPr id="5" name="TextBox 4"/>
+          <p:cNvSpPr txBox="1"/>
+          <p:nvPr/>
+        </p:nvSpPr>
+        <p:spPr>
+          <a:xfrm>
+            <a:off x="4385181" y="6363222"/>
+            <a:ext cx="3421637" cy="369332"/>
+          </a:xfrm>
+          <a:prstGeom prst="rect">
+            <a:avLst/>
+          </a:prstGeom>
+          <a:noFill/>
+        </p:spPr>
+        <p:txBody>
+          <a:bodyPr wrap="square" rtlCol="0">
+            <a:spAutoFit/>
+          </a:bodyPr>
+          <a:lstStyle/>
+          <a:p>
+            <a:r>
+              <a:rPr lang="en-US" dirty="0" smtClean="0"/>
+              <a:t>Work Models &amp; Affinity Diagram</a:t>
+            </a:r>
+            <a:endParaRPr lang="en-US" dirty="0"/>
+          </a:p>
+        </p:txBody>
+      </p:sp>
+      <p:sp>
+        <p:nvSpPr>
+          <p:cNvPr id="6" name="TextBox 5"/>
+          <p:cNvSpPr txBox="1"/>
+          <p:nvPr/>
+        </p:nvSpPr>
+        <p:spPr>
+          <a:xfrm>
+            <a:off x="8415555" y="6363222"/>
+            <a:ext cx="3062341" cy="369332"/>
+          </a:xfrm>
+          <a:prstGeom prst="rect">
+            <a:avLst/>
+          </a:prstGeom>
+          <a:noFill/>
+        </p:spPr>
+        <p:txBody>
+          <a:bodyPr wrap="square" rtlCol="0">
+            <a:spAutoFit/>
+          </a:bodyPr>
+          <a:lstStyle/>
+          <a:p>
+            <a:r>
+              <a:rPr lang="en-US" dirty="0" smtClean="0"/>
+              <a:t>Team Member: </a:t>
+            </a:r>
+            <a:r>
+              <a:rPr lang="en-US" dirty="0" smtClean="0"/>
+              <a:t>Jack Flowers</a:t>
+            </a:r>
+            <a:endParaRPr lang="en-US" dirty="0"/>
+          </a:p>
+        </p:txBody>
+      </p:sp>
+    </p:spTree>
+    <p:extLst>
+      <p:ext uri="{BB962C8B-B14F-4D97-AF65-F5344CB8AC3E}">
+        <p14:creationId xmlns:p14="http://schemas.microsoft.com/office/powerpoint/2010/main" val="1473682982"/>
+      </p:ext>
+    </p:extLst>
+  </p:cSld>
+  <p:clrMapOvr>
+    <a:masterClrMapping/>
+  </p:clrMapOvr>
+</p:sld>
+</file>
+
+<file path=ppt/slides/slide11.xml><?xml version="1.0" encoding="utf-8"?>
+<p:sld xmlns:a="http://schemas.openxmlformats.org/drawingml/2006/main" xmlns:r="http://schemas.openxmlformats.org/officeDocument/2006/relationships" xmlns:p="http://schemas.openxmlformats.org/presentationml/2006/main">
+  <p:cSld>
+    <p:spTree>
+      <p:nvGrpSpPr>
+        <p:cNvPr id="1" name=""/>
+        <p:cNvGrpSpPr/>
+        <p:nvPr/>
+      </p:nvGrpSpPr>
+      <p:grpSpPr>
+        <a:xfrm>
+          <a:off x="0" y="0"/>
+          <a:ext cx="0" cy="0"/>
+          <a:chOff x="0" y="0"/>
+          <a:chExt cx="0" cy="0"/>
+        </a:xfrm>
+      </p:grpSpPr>
+      <p:sp>
+        <p:nvSpPr>
+          <p:cNvPr id="2" name="Title 1"/>
+          <p:cNvSpPr>
+            <a:spLocks noGrp="1"/>
+          </p:cNvSpPr>
+          <p:nvPr>
+            <p:ph type="title"/>
+          </p:nvPr>
+        </p:nvSpPr>
+        <p:spPr/>
+        <p:txBody>
+          <a:bodyPr/>
+          <a:lstStyle/>
+          <a:p>
+            <a:pPr algn="ctr"/>
+            <a:r>
+              <a:rPr lang="en-US" dirty="0" smtClean="0"/>
+              <a:t>Physical Model</a:t>
+            </a:r>
+            <a:endParaRPr lang="en-US" dirty="0"/>
+          </a:p>
+        </p:txBody>
+      </p:sp>
+      <p:sp>
+        <p:nvSpPr>
+          <p:cNvPr id="3" name="Content Placeholder 2"/>
+          <p:cNvSpPr>
+            <a:spLocks noGrp="1"/>
+          </p:cNvSpPr>
+          <p:nvPr>
+            <p:ph idx="1"/>
+          </p:nvPr>
+        </p:nvSpPr>
+        <p:spPr/>
+        <p:txBody>
+          <a:bodyPr/>
+          <a:lstStyle/>
+          <a:p>
+            <a:endParaRPr lang="en-US"/>
+          </a:p>
+        </p:txBody>
+      </p:sp>
+      <p:sp>
+        <p:nvSpPr>
+          <p:cNvPr id="4" name="TextBox 3"/>
+          <p:cNvSpPr txBox="1"/>
+          <p:nvPr/>
+        </p:nvSpPr>
+        <p:spPr>
+          <a:xfrm>
+            <a:off x="838200" y="6363222"/>
+            <a:ext cx="1591358" cy="369332"/>
+          </a:xfrm>
+          <a:prstGeom prst="rect">
+            <a:avLst/>
+          </a:prstGeom>
+          <a:noFill/>
+        </p:spPr>
+        <p:txBody>
+          <a:bodyPr wrap="square" rtlCol="0">
+            <a:spAutoFit/>
+          </a:bodyPr>
+          <a:lstStyle/>
+          <a:p>
+            <a:r>
+              <a:rPr lang="en-US" dirty="0" smtClean="0"/>
+              <a:t>Team Octopus</a:t>
+            </a:r>
+            <a:endParaRPr lang="en-US" dirty="0"/>
+          </a:p>
+        </p:txBody>
+      </p:sp>
+      <p:sp>
+        <p:nvSpPr>
+          <p:cNvPr id="5" name="TextBox 4"/>
+          <p:cNvSpPr txBox="1"/>
+          <p:nvPr/>
+        </p:nvSpPr>
+        <p:spPr>
+          <a:xfrm>
+            <a:off x="4385181" y="6363222"/>
+            <a:ext cx="3421637" cy="369332"/>
+          </a:xfrm>
+          <a:prstGeom prst="rect">
+            <a:avLst/>
+          </a:prstGeom>
+          <a:noFill/>
+        </p:spPr>
+        <p:txBody>
+          <a:bodyPr wrap="square" rtlCol="0">
+            <a:spAutoFit/>
+          </a:bodyPr>
+          <a:lstStyle/>
+          <a:p>
+            <a:r>
+              <a:rPr lang="en-US" dirty="0" smtClean="0"/>
+              <a:t>Work Models &amp; Affinity Diagram</a:t>
+            </a:r>
+            <a:endParaRPr lang="en-US" dirty="0"/>
+          </a:p>
+        </p:txBody>
+      </p:sp>
+      <p:sp>
+        <p:nvSpPr>
+          <p:cNvPr id="6" name="TextBox 5"/>
+          <p:cNvSpPr txBox="1"/>
+          <p:nvPr/>
+        </p:nvSpPr>
+        <p:spPr>
+          <a:xfrm>
+            <a:off x="8415555" y="6363222"/>
+            <a:ext cx="3062341" cy="369332"/>
+          </a:xfrm>
+          <a:prstGeom prst="rect">
+            <a:avLst/>
+          </a:prstGeom>
+          <a:noFill/>
+        </p:spPr>
+        <p:txBody>
+          <a:bodyPr wrap="square" rtlCol="0">
+            <a:spAutoFit/>
+          </a:bodyPr>
+          <a:lstStyle/>
+          <a:p>
+            <a:r>
+              <a:rPr lang="en-US" dirty="0" smtClean="0"/>
+              <a:t>Team Member: </a:t>
+            </a:r>
+            <a:r>
+              <a:rPr lang="en-US" dirty="0" smtClean="0"/>
+              <a:t>Jack Flowers</a:t>
+            </a:r>
+            <a:endParaRPr lang="en-US" dirty="0"/>
+          </a:p>
+        </p:txBody>
+      </p:sp>
+    </p:spTree>
+    <p:extLst>
+      <p:ext uri="{BB962C8B-B14F-4D97-AF65-F5344CB8AC3E}">
+        <p14:creationId xmlns:p14="http://schemas.microsoft.com/office/powerpoint/2010/main" val="2362297389"/>
+      </p:ext>
+    </p:extLst>
+  </p:cSld>
+  <p:clrMapOvr>
+    <a:masterClrMapping/>
+  </p:clrMapOvr>
+</p:sld>
+</file>
+
+<file path=ppt/slides/slide12.xml><?xml version="1.0" encoding="utf-8"?>
+<p:sld xmlns:a="http://schemas.openxmlformats.org/drawingml/2006/main" xmlns:r="http://schemas.openxmlformats.org/officeDocument/2006/relationships" xmlns:p="http://schemas.openxmlformats.org/presentationml/2006/main">
+  <p:cSld>
+    <p:spTree>
+      <p:nvGrpSpPr>
+        <p:cNvPr id="1" name=""/>
+        <p:cNvGrpSpPr/>
+        <p:nvPr/>
+      </p:nvGrpSpPr>
+      <p:grpSpPr>
+        <a:xfrm>
+          <a:off x="0" y="0"/>
+          <a:ext cx="0" cy="0"/>
+          <a:chOff x="0" y="0"/>
+          <a:chExt cx="0" cy="0"/>
+        </a:xfrm>
+      </p:grpSpPr>
+      <p:sp>
+        <p:nvSpPr>
+          <p:cNvPr id="2" name="Title 1"/>
+          <p:cNvSpPr>
+            <a:spLocks noGrp="1"/>
+          </p:cNvSpPr>
+          <p:nvPr>
+            <p:ph type="title"/>
+          </p:nvPr>
+        </p:nvSpPr>
+        <p:spPr/>
+        <p:txBody>
+          <a:bodyPr/>
+          <a:lstStyle/>
+          <a:p>
+            <a:pPr algn="ctr"/>
+            <a:r>
+              <a:rPr lang="en-US" dirty="0" smtClean="0"/>
+              <a:t>Questions</a:t>
+            </a:r>
+            <a:endParaRPr lang="en-US" dirty="0"/>
+          </a:p>
+        </p:txBody>
+      </p:sp>
+      <p:pic>
+        <p:nvPicPr>
+          <p:cNvPr id="4" name="Content Placeholder 3"/>
+          <p:cNvPicPr>
+            <a:picLocks noGrp="1" noChangeAspect="1"/>
+          </p:cNvPicPr>
+          <p:nvPr>
+            <p:ph idx="1"/>
+          </p:nvPr>
+        </p:nvPicPr>
+        <p:blipFill>
+          <a:blip r:embed="rId2">
+            <a:extLst>
+              <a:ext uri="{28A0092B-C50C-407E-A947-70E740481C1C}">
+                <a14:useLocalDpi xmlns:a14="http://schemas.microsoft.com/office/drawing/2010/main" val="0"/>
+              </a:ext>
+            </a:extLst>
+          </a:blip>
+          <a:stretch>
+            <a:fillRect/>
+          </a:stretch>
+        </p:blipFill>
+        <p:spPr>
+          <a:xfrm>
+            <a:off x="838200" y="1690688"/>
+            <a:ext cx="6353284" cy="4351338"/>
+          </a:xfrm>
+        </p:spPr>
+      </p:pic>
+      <p:sp>
+        <p:nvSpPr>
+          <p:cNvPr id="5" name="TextBox 4"/>
+          <p:cNvSpPr txBox="1"/>
+          <p:nvPr/>
+        </p:nvSpPr>
+        <p:spPr>
+          <a:xfrm>
+            <a:off x="8177349" y="1690688"/>
+            <a:ext cx="3176451" cy="4524315"/>
+          </a:xfrm>
+          <a:prstGeom prst="rect">
+            <a:avLst/>
+          </a:prstGeom>
+          <a:noFill/>
+        </p:spPr>
+        <p:txBody>
+          <a:bodyPr wrap="square" rtlCol="0">
+            <a:spAutoFit/>
+          </a:bodyPr>
+          <a:lstStyle/>
+          <a:p>
+            <a:pPr marL="285750" indent="-285750">
+              <a:buFont typeface="Arial" panose="020B0604020202020204" pitchFamily="34" charset="0"/>
+              <a:buChar char="•"/>
+            </a:pPr>
+            <a:r>
+              <a:rPr lang="en-US" dirty="0" smtClean="0"/>
+              <a:t>Tasks</a:t>
+            </a:r>
+          </a:p>
+          <a:p>
+            <a:pPr marL="742950" lvl="1" indent="-285750">
+              <a:buFont typeface="Arial" panose="020B0604020202020204" pitchFamily="34" charset="0"/>
+              <a:buChar char="•"/>
+            </a:pPr>
+            <a:r>
+              <a:rPr lang="en-US" dirty="0" smtClean="0"/>
+              <a:t>Logging in</a:t>
+            </a:r>
+          </a:p>
+          <a:p>
+            <a:pPr marL="742950" lvl="1" indent="-285750">
+              <a:buFont typeface="Arial" panose="020B0604020202020204" pitchFamily="34" charset="0"/>
+              <a:buChar char="•"/>
+            </a:pPr>
+            <a:r>
+              <a:rPr lang="en-US" dirty="0" smtClean="0"/>
+              <a:t>Searching</a:t>
+            </a:r>
+          </a:p>
+          <a:p>
+            <a:pPr marL="742950" lvl="1" indent="-285750">
+              <a:buFont typeface="Arial" panose="020B0604020202020204" pitchFamily="34" charset="0"/>
+              <a:buChar char="•"/>
+            </a:pPr>
+            <a:r>
+              <a:rPr lang="en-US" dirty="0" smtClean="0"/>
+              <a:t>Look up trending items</a:t>
+            </a:r>
+          </a:p>
+          <a:p>
+            <a:pPr marL="742950" lvl="1" indent="-285750">
+              <a:buFont typeface="Arial" panose="020B0604020202020204" pitchFamily="34" charset="0"/>
+              <a:buChar char="•"/>
+            </a:pPr>
+            <a:r>
+              <a:rPr lang="en-US" dirty="0" smtClean="0"/>
+              <a:t>View favorites</a:t>
+            </a:r>
+          </a:p>
+          <a:p>
+            <a:pPr marL="742950" lvl="1" indent="-285750">
+              <a:buFont typeface="Arial" panose="020B0604020202020204" pitchFamily="34" charset="0"/>
+              <a:buChar char="•"/>
+            </a:pPr>
+            <a:r>
+              <a:rPr lang="en-US" dirty="0" smtClean="0"/>
+              <a:t>Look up a sports team</a:t>
+            </a:r>
+          </a:p>
+          <a:p>
+            <a:pPr marL="742950" lvl="1" indent="-285750">
+              <a:buFont typeface="Arial" panose="020B0604020202020204" pitchFamily="34" charset="0"/>
+              <a:buChar char="•"/>
+            </a:pPr>
+            <a:r>
+              <a:rPr lang="en-US" dirty="0" smtClean="0"/>
+              <a:t>See theater show times</a:t>
+            </a:r>
+          </a:p>
+          <a:p>
+            <a:pPr lvl="1"/>
+            <a:endParaRPr lang="en-US" dirty="0" smtClean="0"/>
+          </a:p>
+          <a:p>
+            <a:pPr marL="285750" indent="-285750">
+              <a:buFont typeface="Arial" panose="020B0604020202020204" pitchFamily="34" charset="0"/>
+              <a:buChar char="•"/>
+            </a:pPr>
+            <a:r>
+              <a:rPr lang="en-US" dirty="0" smtClean="0"/>
+              <a:t>Questions</a:t>
+            </a:r>
+          </a:p>
+          <a:p>
+            <a:pPr marL="742950" lvl="1" indent="-285750">
+              <a:buFont typeface="Arial" panose="020B0604020202020204" pitchFamily="34" charset="0"/>
+              <a:buChar char="•"/>
+            </a:pPr>
+            <a:r>
+              <a:rPr lang="en-US" dirty="0" smtClean="0"/>
+              <a:t>Task follow-ups</a:t>
+            </a:r>
+          </a:p>
+          <a:p>
+            <a:pPr marL="742950" lvl="1" indent="-285750">
+              <a:buFont typeface="Arial" panose="020B0604020202020204" pitchFamily="34" charset="0"/>
+              <a:buChar char="•"/>
+            </a:pPr>
+            <a:r>
+              <a:rPr lang="en-US" dirty="0" smtClean="0"/>
+              <a:t>Colors</a:t>
+            </a:r>
+          </a:p>
+          <a:p>
+            <a:pPr marL="742950" lvl="1" indent="-285750">
+              <a:buFont typeface="Arial" panose="020B0604020202020204" pitchFamily="34" charset="0"/>
+              <a:buChar char="•"/>
+            </a:pPr>
+            <a:r>
+              <a:rPr lang="en-US" dirty="0" smtClean="0"/>
+              <a:t>Layout</a:t>
+            </a:r>
+          </a:p>
+          <a:p>
+            <a:pPr lvl="1"/>
+            <a:endParaRPr lang="en-US" dirty="0" smtClean="0"/>
+          </a:p>
+          <a:p>
+            <a:pPr marL="285750" indent="-285750">
+              <a:buFont typeface="Arial" panose="020B0604020202020204" pitchFamily="34" charset="0"/>
+              <a:buChar char="•"/>
+            </a:pPr>
+            <a:r>
+              <a:rPr lang="en-US" dirty="0" smtClean="0"/>
+              <a:t>Easy to navigate</a:t>
+            </a:r>
+          </a:p>
+          <a:p>
+            <a:pPr marL="742950" lvl="1" indent="-285750">
+              <a:buFont typeface="Arial" panose="020B0604020202020204" pitchFamily="34" charset="0"/>
+              <a:buChar char="•"/>
+            </a:pPr>
+            <a:endParaRPr lang="en-US" dirty="0" smtClean="0"/>
+          </a:p>
+          <a:p>
+            <a:pPr marL="285750" indent="-285750">
+              <a:buFont typeface="Arial" panose="020B0604020202020204" pitchFamily="34" charset="0"/>
+              <a:buChar char="•"/>
+            </a:pPr>
+            <a:endParaRPr lang="en-US" dirty="0"/>
+          </a:p>
+        </p:txBody>
+      </p:sp>
+      <p:sp>
+        <p:nvSpPr>
+          <p:cNvPr id="6" name="TextBox 5"/>
+          <p:cNvSpPr txBox="1"/>
+          <p:nvPr/>
+        </p:nvSpPr>
+        <p:spPr>
+          <a:xfrm>
+            <a:off x="838200" y="6363222"/>
+            <a:ext cx="1591358" cy="369332"/>
+          </a:xfrm>
+          <a:prstGeom prst="rect">
+            <a:avLst/>
+          </a:prstGeom>
+          <a:noFill/>
+        </p:spPr>
+        <p:txBody>
+          <a:bodyPr wrap="square" rtlCol="0">
+            <a:spAutoFit/>
+          </a:bodyPr>
+          <a:lstStyle/>
+          <a:p>
+            <a:r>
+              <a:rPr lang="en-US" dirty="0" smtClean="0"/>
+              <a:t>Team Octopus</a:t>
+            </a:r>
+            <a:endParaRPr lang="en-US" dirty="0"/>
+          </a:p>
+        </p:txBody>
+      </p:sp>
+      <p:sp>
+        <p:nvSpPr>
+          <p:cNvPr id="7" name="TextBox 6"/>
+          <p:cNvSpPr txBox="1"/>
+          <p:nvPr/>
+        </p:nvSpPr>
+        <p:spPr>
+          <a:xfrm>
+            <a:off x="4729586" y="6363222"/>
+            <a:ext cx="2732827" cy="369332"/>
+          </a:xfrm>
+          <a:prstGeom prst="rect">
+            <a:avLst/>
+          </a:prstGeom>
+          <a:noFill/>
+        </p:spPr>
+        <p:txBody>
+          <a:bodyPr wrap="square" rtlCol="0">
+            <a:spAutoFit/>
+          </a:bodyPr>
+          <a:lstStyle/>
+          <a:p>
+            <a:r>
+              <a:rPr lang="en-US" dirty="0" smtClean="0"/>
+              <a:t>High</a:t>
+            </a:r>
+            <a:r>
+              <a:rPr lang="en-US" dirty="0" smtClean="0"/>
+              <a:t>-Fidelity </a:t>
+            </a:r>
+            <a:r>
+              <a:rPr lang="en-US" dirty="0" smtClean="0"/>
+              <a:t>Prototype</a:t>
+            </a:r>
+            <a:endParaRPr lang="en-US" dirty="0"/>
+          </a:p>
+        </p:txBody>
+      </p:sp>
+      <p:sp>
+        <p:nvSpPr>
+          <p:cNvPr id="8" name="TextBox 7"/>
+          <p:cNvSpPr txBox="1"/>
+          <p:nvPr/>
+        </p:nvSpPr>
+        <p:spPr>
+          <a:xfrm>
+            <a:off x="8415555" y="6363222"/>
+            <a:ext cx="3062341" cy="369332"/>
+          </a:xfrm>
+          <a:prstGeom prst="rect">
+            <a:avLst/>
+          </a:prstGeom>
+          <a:noFill/>
+        </p:spPr>
+        <p:txBody>
+          <a:bodyPr wrap="square" rtlCol="0">
+            <a:spAutoFit/>
+          </a:bodyPr>
+          <a:lstStyle/>
+          <a:p>
+            <a:r>
+              <a:rPr lang="en-US" dirty="0" smtClean="0"/>
+              <a:t>Team Member: </a:t>
+            </a:r>
+            <a:r>
+              <a:rPr lang="en-US" dirty="0" smtClean="0"/>
+              <a:t>Jack Flowers</a:t>
+            </a:r>
+            <a:endParaRPr lang="en-US" dirty="0"/>
+          </a:p>
+        </p:txBody>
+      </p:sp>
+    </p:spTree>
+    <p:extLst>
+      <p:ext uri="{BB962C8B-B14F-4D97-AF65-F5344CB8AC3E}">
+        <p14:creationId xmlns:p14="http://schemas.microsoft.com/office/powerpoint/2010/main" val="287851209"/>
+      </p:ext>
+    </p:extLst>
+  </p:cSld>
+  <p:clrMapOvr>
+    <a:masterClrMapping/>
+  </p:clrMapOvr>
+</p:sld>
+</file>
+
+<file path=ppt/slides/slide13.xml><?xml version="1.0" encoding="utf-8"?>
+<p:sld xmlns:a="http://schemas.openxmlformats.org/drawingml/2006/main" xmlns:r="http://schemas.openxmlformats.org/officeDocument/2006/relationships" xmlns:p="http://schemas.openxmlformats.org/presentationml/2006/main">
+  <p:cSld>
+    <p:spTree>
+      <p:nvGrpSpPr>
+        <p:cNvPr id="1" name=""/>
+        <p:cNvGrpSpPr/>
+        <p:nvPr/>
+      </p:nvGrpSpPr>
+      <p:grpSpPr>
+        <a:xfrm>
+          <a:off x="0" y="0"/>
+          <a:ext cx="0" cy="0"/>
+          <a:chOff x="0" y="0"/>
+          <a:chExt cx="0" cy="0"/>
+        </a:xfrm>
+      </p:grpSpPr>
+      <p:sp>
+        <p:nvSpPr>
+          <p:cNvPr id="2" name="Title 1"/>
+          <p:cNvSpPr>
+            <a:spLocks noGrp="1"/>
+          </p:cNvSpPr>
+          <p:nvPr>
+            <p:ph type="title"/>
+          </p:nvPr>
+        </p:nvSpPr>
+        <p:spPr/>
+        <p:txBody>
+          <a:bodyPr/>
+          <a:lstStyle/>
+          <a:p>
+            <a:pPr algn="ctr"/>
+            <a:r>
+              <a:rPr lang="en-US" dirty="0" smtClean="0"/>
+              <a:t>Improvements</a:t>
+            </a:r>
+            <a:endParaRPr lang="en-US" dirty="0"/>
+          </a:p>
+        </p:txBody>
+      </p:sp>
+      <p:sp>
+        <p:nvSpPr>
+          <p:cNvPr id="6" name="TextBox 5"/>
+          <p:cNvSpPr txBox="1"/>
+          <p:nvPr/>
+        </p:nvSpPr>
+        <p:spPr>
+          <a:xfrm>
+            <a:off x="8177349" y="1690688"/>
+            <a:ext cx="3176451" cy="3416320"/>
+          </a:xfrm>
+          <a:prstGeom prst="rect">
+            <a:avLst/>
+          </a:prstGeom>
+          <a:noFill/>
+        </p:spPr>
+        <p:txBody>
+          <a:bodyPr wrap="square" rtlCol="0">
+            <a:spAutoFit/>
+          </a:bodyPr>
+          <a:lstStyle/>
+          <a:p>
+            <a:pPr marL="285750" indent="-285750">
+              <a:buFont typeface="Arial" panose="020B0604020202020204" pitchFamily="34" charset="0"/>
+              <a:buChar char="•"/>
+            </a:pPr>
+            <a:r>
+              <a:rPr lang="en-US" dirty="0" smtClean="0"/>
+              <a:t>Improvements</a:t>
+            </a:r>
+          </a:p>
+          <a:p>
+            <a:endParaRPr lang="en-US" dirty="0"/>
+          </a:p>
+          <a:p>
+            <a:pPr marL="742950" lvl="1" indent="-285750">
+              <a:buFont typeface="Arial" panose="020B0604020202020204" pitchFamily="34" charset="0"/>
+              <a:buChar char="•"/>
+            </a:pPr>
+            <a:r>
+              <a:rPr lang="en-US" dirty="0"/>
+              <a:t>Color Scheme</a:t>
+            </a:r>
+          </a:p>
+          <a:p>
+            <a:pPr marL="1200150" lvl="2" indent="-285750">
+              <a:buFont typeface="Arial" panose="020B0604020202020204" pitchFamily="34" charset="0"/>
+              <a:buChar char="•"/>
+            </a:pPr>
+            <a:r>
+              <a:rPr lang="en-US" dirty="0"/>
+              <a:t>Background</a:t>
+            </a:r>
+          </a:p>
+          <a:p>
+            <a:pPr marL="1200150" lvl="2" indent="-285750">
+              <a:buFont typeface="Arial" panose="020B0604020202020204" pitchFamily="34" charset="0"/>
+              <a:buChar char="•"/>
+            </a:pPr>
+            <a:r>
+              <a:rPr lang="en-US" dirty="0" smtClean="0"/>
+              <a:t>Tables</a:t>
+            </a:r>
+          </a:p>
+          <a:p>
+            <a:pPr lvl="2"/>
+            <a:endParaRPr lang="en-US" dirty="0" smtClean="0"/>
+          </a:p>
+          <a:p>
+            <a:pPr marL="742950" lvl="1" indent="-285750">
+              <a:buFont typeface="Arial" panose="020B0604020202020204" pitchFamily="34" charset="0"/>
+              <a:buChar char="•"/>
+            </a:pPr>
+            <a:r>
+              <a:rPr lang="en-US" dirty="0" smtClean="0"/>
+              <a:t>Page layouts</a:t>
+            </a:r>
+          </a:p>
+          <a:p>
+            <a:pPr marL="1200150" lvl="2" indent="-285750">
+              <a:buFont typeface="Arial" panose="020B0604020202020204" pitchFamily="34" charset="0"/>
+              <a:buChar char="•"/>
+            </a:pPr>
+            <a:r>
+              <a:rPr lang="en-US" dirty="0" smtClean="0"/>
+              <a:t>Sports page</a:t>
+            </a:r>
+          </a:p>
+          <a:p>
+            <a:pPr marL="1200150" lvl="2" indent="-285750">
+              <a:buFont typeface="Arial" panose="020B0604020202020204" pitchFamily="34" charset="0"/>
+              <a:buChar char="•"/>
+            </a:pPr>
+            <a:r>
+              <a:rPr lang="en-US" dirty="0" smtClean="0"/>
+              <a:t>Home page</a:t>
+            </a:r>
+          </a:p>
+          <a:p>
+            <a:pPr marL="1200150" lvl="2" indent="-285750">
+              <a:buFont typeface="Arial" panose="020B0604020202020204" pitchFamily="34" charset="0"/>
+              <a:buChar char="•"/>
+            </a:pPr>
+            <a:r>
+              <a:rPr lang="en-US" dirty="0"/>
+              <a:t>Info </a:t>
+            </a:r>
+            <a:r>
+              <a:rPr lang="en-US" dirty="0" smtClean="0"/>
+              <a:t>page</a:t>
+            </a:r>
+          </a:p>
+          <a:p>
+            <a:pPr marL="742950" lvl="1" indent="-285750">
+              <a:buFont typeface="Arial" panose="020B0604020202020204" pitchFamily="34" charset="0"/>
+              <a:buChar char="•"/>
+            </a:pPr>
+            <a:endParaRPr lang="en-US" dirty="0" smtClean="0"/>
+          </a:p>
+          <a:p>
+            <a:pPr marL="285750" indent="-285750">
+              <a:buFont typeface="Arial" panose="020B0604020202020204" pitchFamily="34" charset="0"/>
+              <a:buChar char="•"/>
+            </a:pPr>
+            <a:endParaRPr lang="en-US" dirty="0"/>
+          </a:p>
+        </p:txBody>
+      </p:sp>
+      <p:pic>
+        <p:nvPicPr>
+          <p:cNvPr id="13" name="Content Placeholder 12"/>
+          <p:cNvPicPr>
+            <a:picLocks noGrp="1" noChangeAspect="1"/>
+          </p:cNvPicPr>
+          <p:nvPr>
+            <p:ph idx="1"/>
+          </p:nvPr>
+        </p:nvPicPr>
+        <p:blipFill>
+          <a:blip r:embed="rId2">
+            <a:extLst>
+              <a:ext uri="{28A0092B-C50C-407E-A947-70E740481C1C}">
+                <a14:useLocalDpi xmlns:a14="http://schemas.microsoft.com/office/drawing/2010/main" val="0"/>
+              </a:ext>
+            </a:extLst>
+          </a:blip>
+          <a:stretch>
+            <a:fillRect/>
+          </a:stretch>
+        </p:blipFill>
+        <p:spPr>
+          <a:xfrm>
+            <a:off x="838200" y="1690688"/>
+            <a:ext cx="6093777" cy="4351338"/>
+          </a:xfrm>
+        </p:spPr>
+      </p:pic>
+      <p:sp>
+        <p:nvSpPr>
+          <p:cNvPr id="14" name="TextBox 13"/>
+          <p:cNvSpPr txBox="1"/>
+          <p:nvPr/>
+        </p:nvSpPr>
+        <p:spPr>
+          <a:xfrm>
+            <a:off x="838200" y="6363222"/>
+            <a:ext cx="1591358" cy="369332"/>
+          </a:xfrm>
+          <a:prstGeom prst="rect">
+            <a:avLst/>
+          </a:prstGeom>
+          <a:noFill/>
+        </p:spPr>
+        <p:txBody>
+          <a:bodyPr wrap="square" rtlCol="0">
+            <a:spAutoFit/>
+          </a:bodyPr>
+          <a:lstStyle/>
+          <a:p>
+            <a:r>
+              <a:rPr lang="en-US" dirty="0" smtClean="0"/>
+              <a:t>Team Octopus</a:t>
+            </a:r>
+            <a:endParaRPr lang="en-US" dirty="0"/>
+          </a:p>
+        </p:txBody>
+      </p:sp>
+      <p:sp>
+        <p:nvSpPr>
+          <p:cNvPr id="16" name="TextBox 15"/>
+          <p:cNvSpPr txBox="1"/>
+          <p:nvPr/>
+        </p:nvSpPr>
+        <p:spPr>
+          <a:xfrm>
+            <a:off x="4729586" y="6363222"/>
+            <a:ext cx="2732827" cy="369332"/>
+          </a:xfrm>
+          <a:prstGeom prst="rect">
+            <a:avLst/>
+          </a:prstGeom>
+          <a:noFill/>
+        </p:spPr>
+        <p:txBody>
+          <a:bodyPr wrap="square" rtlCol="0">
+            <a:spAutoFit/>
+          </a:bodyPr>
+          <a:lstStyle/>
+          <a:p>
+            <a:r>
+              <a:rPr lang="en-US" dirty="0" smtClean="0"/>
+              <a:t>High</a:t>
+            </a:r>
+            <a:r>
+              <a:rPr lang="en-US" dirty="0" smtClean="0"/>
+              <a:t>-Fidelity </a:t>
+            </a:r>
+            <a:r>
+              <a:rPr lang="en-US" dirty="0" smtClean="0"/>
+              <a:t>Prototype</a:t>
+            </a:r>
+            <a:endParaRPr lang="en-US" dirty="0"/>
+          </a:p>
+        </p:txBody>
+      </p:sp>
+      <p:sp>
+        <p:nvSpPr>
+          <p:cNvPr id="17" name="TextBox 16"/>
+          <p:cNvSpPr txBox="1"/>
+          <p:nvPr/>
+        </p:nvSpPr>
+        <p:spPr>
+          <a:xfrm>
+            <a:off x="8415555" y="6363222"/>
+            <a:ext cx="3062341" cy="369332"/>
+          </a:xfrm>
+          <a:prstGeom prst="rect">
+            <a:avLst/>
+          </a:prstGeom>
+          <a:noFill/>
+        </p:spPr>
+        <p:txBody>
+          <a:bodyPr wrap="square" rtlCol="0">
+            <a:spAutoFit/>
+          </a:bodyPr>
+          <a:lstStyle/>
+          <a:p>
+            <a:r>
+              <a:rPr lang="en-US" dirty="0" smtClean="0"/>
+              <a:t>Team Member: </a:t>
+            </a:r>
+            <a:r>
+              <a:rPr lang="en-US" dirty="0" smtClean="0"/>
+              <a:t>Jack Flowers</a:t>
+            </a:r>
+            <a:endParaRPr lang="en-US" dirty="0"/>
+          </a:p>
+        </p:txBody>
+      </p:sp>
+    </p:spTree>
+    <p:extLst>
+      <p:ext uri="{BB962C8B-B14F-4D97-AF65-F5344CB8AC3E}">
+        <p14:creationId xmlns:p14="http://schemas.microsoft.com/office/powerpoint/2010/main" val="2559821288"/>
+      </p:ext>
+    </p:extLst>
+  </p:cSld>
+  <p:clrMapOvr>
+    <a:masterClrMapping/>
+  </p:clrMapOvr>
+</p:sld>
+</file>
+
+<file path=ppt/slides/slide14.xml><?xml version="1.0" encoding="utf-8"?>
+<p:sld xmlns:a="http://schemas.openxmlformats.org/drawingml/2006/main" xmlns:r="http://schemas.openxmlformats.org/officeDocument/2006/relationships" xmlns:p="http://schemas.openxmlformats.org/presentationml/2006/main">
+  <p:cSld>
+    <p:spTree>
+      <p:nvGrpSpPr>
+        <p:cNvPr id="1" name=""/>
+        <p:cNvGrpSpPr/>
+        <p:nvPr/>
+      </p:nvGrpSpPr>
+      <p:grpSpPr>
+        <a:xfrm>
+          <a:off x="0" y="0"/>
+          <a:ext cx="0" cy="0"/>
+          <a:chOff x="0" y="0"/>
+          <a:chExt cx="0" cy="0"/>
+        </a:xfrm>
+      </p:grpSpPr>
+      <p:sp>
+        <p:nvSpPr>
+          <p:cNvPr id="2" name="Title 1"/>
+          <p:cNvSpPr>
+            <a:spLocks noGrp="1"/>
+          </p:cNvSpPr>
+          <p:nvPr>
+            <p:ph type="title"/>
+          </p:nvPr>
+        </p:nvSpPr>
+        <p:spPr/>
+        <p:txBody>
+          <a:bodyPr/>
+          <a:lstStyle/>
+          <a:p>
+            <a:pPr algn="ctr"/>
+            <a:r>
+              <a:rPr lang="en-US" dirty="0" smtClean="0"/>
+              <a:t>Info Page</a:t>
+            </a:r>
+            <a:endParaRPr lang="en-US" dirty="0"/>
+          </a:p>
+        </p:txBody>
+      </p:sp>
+      <p:pic>
+        <p:nvPicPr>
+          <p:cNvPr id="4" name="Content Placeholder 3"/>
+          <p:cNvPicPr>
+            <a:picLocks noGrp="1" noChangeAspect="1"/>
+          </p:cNvPicPr>
+          <p:nvPr>
+            <p:ph idx="1"/>
+          </p:nvPr>
+        </p:nvPicPr>
+        <p:blipFill>
+          <a:blip r:embed="rId2">
+            <a:extLst>
+              <a:ext uri="{28A0092B-C50C-407E-A947-70E740481C1C}">
+                <a14:useLocalDpi xmlns:a14="http://schemas.microsoft.com/office/drawing/2010/main" val="0"/>
+              </a:ext>
+            </a:extLst>
+          </a:blip>
+          <a:stretch>
+            <a:fillRect/>
+          </a:stretch>
+        </p:blipFill>
+        <p:spPr>
+          <a:xfrm>
+            <a:off x="2717074" y="1825625"/>
+            <a:ext cx="6130836" cy="4351338"/>
+          </a:xfrm>
+        </p:spPr>
+      </p:pic>
+      <p:sp>
+        <p:nvSpPr>
+          <p:cNvPr id="5" name="TextBox 4"/>
+          <p:cNvSpPr txBox="1"/>
+          <p:nvPr/>
+        </p:nvSpPr>
+        <p:spPr>
+          <a:xfrm>
+            <a:off x="838200" y="6363222"/>
+            <a:ext cx="1591358" cy="369332"/>
+          </a:xfrm>
+          <a:prstGeom prst="rect">
+            <a:avLst/>
+          </a:prstGeom>
+          <a:noFill/>
+        </p:spPr>
+        <p:txBody>
+          <a:bodyPr wrap="square" rtlCol="0">
+            <a:spAutoFit/>
+          </a:bodyPr>
+          <a:lstStyle/>
+          <a:p>
+            <a:r>
+              <a:rPr lang="en-US" dirty="0" smtClean="0"/>
+              <a:t>Team Octopus</a:t>
+            </a:r>
+            <a:endParaRPr lang="en-US" dirty="0"/>
+          </a:p>
+        </p:txBody>
+      </p:sp>
+      <p:sp>
+        <p:nvSpPr>
+          <p:cNvPr id="6" name="TextBox 5"/>
+          <p:cNvSpPr txBox="1"/>
+          <p:nvPr/>
+        </p:nvSpPr>
+        <p:spPr>
+          <a:xfrm>
+            <a:off x="4729586" y="6363222"/>
+            <a:ext cx="2732827" cy="369332"/>
+          </a:xfrm>
+          <a:prstGeom prst="rect">
+            <a:avLst/>
+          </a:prstGeom>
+          <a:noFill/>
+        </p:spPr>
+        <p:txBody>
+          <a:bodyPr wrap="square" rtlCol="0">
+            <a:spAutoFit/>
+          </a:bodyPr>
+          <a:lstStyle/>
+          <a:p>
+            <a:r>
+              <a:rPr lang="en-US" dirty="0" smtClean="0"/>
+              <a:t>High</a:t>
+            </a:r>
+            <a:r>
+              <a:rPr lang="en-US" dirty="0" smtClean="0"/>
+              <a:t>-Fidelity </a:t>
+            </a:r>
+            <a:r>
+              <a:rPr lang="en-US" dirty="0" smtClean="0"/>
+              <a:t>Prototype</a:t>
+            </a:r>
+            <a:endParaRPr lang="en-US" dirty="0"/>
+          </a:p>
+        </p:txBody>
+      </p:sp>
+      <p:sp>
+        <p:nvSpPr>
+          <p:cNvPr id="7" name="TextBox 6"/>
+          <p:cNvSpPr txBox="1"/>
+          <p:nvPr/>
+        </p:nvSpPr>
+        <p:spPr>
+          <a:xfrm>
+            <a:off x="8415555" y="6363222"/>
+            <a:ext cx="3062341" cy="369332"/>
+          </a:xfrm>
+          <a:prstGeom prst="rect">
+            <a:avLst/>
+          </a:prstGeom>
+          <a:noFill/>
+        </p:spPr>
+        <p:txBody>
+          <a:bodyPr wrap="square" rtlCol="0">
+            <a:spAutoFit/>
+          </a:bodyPr>
+          <a:lstStyle/>
+          <a:p>
+            <a:r>
+              <a:rPr lang="en-US" dirty="0" smtClean="0"/>
+              <a:t>Team Member: </a:t>
+            </a:r>
+            <a:r>
+              <a:rPr lang="en-US" dirty="0" smtClean="0"/>
+              <a:t>Jack Flowers</a:t>
+            </a:r>
+            <a:endParaRPr lang="en-US" dirty="0"/>
+          </a:p>
+        </p:txBody>
+      </p:sp>
+    </p:spTree>
+    <p:extLst>
+      <p:ext uri="{BB962C8B-B14F-4D97-AF65-F5344CB8AC3E}">
+        <p14:creationId xmlns:p14="http://schemas.microsoft.com/office/powerpoint/2010/main" val="532445137"/>
+      </p:ext>
+    </p:extLst>
+  </p:cSld>
+  <p:clrMapOvr>
+    <a:masterClrMapping/>
+  </p:clrMapOvr>
+</p:sld>
+</file>
+
 <file path=ppt/slides/slide2.xml><?xml version="1.0" encoding="utf-8"?>
 <p:sld xmlns:a="http://schemas.openxmlformats.org/drawingml/2006/main" xmlns:r="http://schemas.openxmlformats.org/officeDocument/2006/relationships" xmlns:p="http://schemas.openxmlformats.org/presentationml/2006/main">
   <p:cSld>
@@ -4164,7 +5360,7 @@
           <a:lstStyle/>
           <a:p>
             <a:r>
-              <a:rPr lang="en-US" smtClean="0"/>
+              <a:rPr lang="en-US" dirty="0" smtClean="0"/>
               <a:t>Low-Fidelity Prototype</a:t>
             </a:r>
             <a:endParaRPr lang="en-US" dirty="0"/>
@@ -4194,10 +5390,10 @@
           <a:lstStyle/>
           <a:p>
             <a:r>
-              <a:rPr lang="en-US" smtClean="0"/>
+              <a:rPr lang="en-US" dirty="0" smtClean="0"/>
               <a:t>Team Member: Alex Will</a:t>
             </a:r>
-            <a:endParaRPr lang="en-US"/>
+            <a:endParaRPr lang="en-US" dirty="0"/>
           </a:p>
         </p:txBody>
       </p:sp>
@@ -4205,6 +5401,674 @@
     <p:extLst>
       <p:ext uri="{BB962C8B-B14F-4D97-AF65-F5344CB8AC3E}">
         <p14:creationId xmlns:p14="http://schemas.microsoft.com/office/powerpoint/2010/main" val="209706283"/>
+      </p:ext>
+    </p:extLst>
+  </p:cSld>
+  <p:clrMapOvr>
+    <a:masterClrMapping/>
+  </p:clrMapOvr>
+</p:sld>
+</file>
+
+<file path=ppt/slides/slide6.xml><?xml version="1.0" encoding="utf-8"?>
+<p:sld xmlns:a="http://schemas.openxmlformats.org/drawingml/2006/main" xmlns:r="http://schemas.openxmlformats.org/officeDocument/2006/relationships" xmlns:p="http://schemas.openxmlformats.org/presentationml/2006/main">
+  <p:cSld>
+    <p:spTree>
+      <p:nvGrpSpPr>
+        <p:cNvPr id="1" name=""/>
+        <p:cNvGrpSpPr/>
+        <p:nvPr/>
+      </p:nvGrpSpPr>
+      <p:grpSpPr>
+        <a:xfrm>
+          <a:off x="0" y="0"/>
+          <a:ext cx="0" cy="0"/>
+          <a:chOff x="0" y="0"/>
+          <a:chExt cx="0" cy="0"/>
+        </a:xfrm>
+      </p:grpSpPr>
+      <p:sp>
+        <p:nvSpPr>
+          <p:cNvPr id="2" name="Title 1"/>
+          <p:cNvSpPr>
+            <a:spLocks noGrp="1"/>
+          </p:cNvSpPr>
+          <p:nvPr>
+            <p:ph type="title"/>
+          </p:nvPr>
+        </p:nvSpPr>
+        <p:spPr/>
+        <p:txBody>
+          <a:bodyPr/>
+          <a:lstStyle/>
+          <a:p>
+            <a:pPr algn="ctr"/>
+            <a:r>
+              <a:rPr lang="en-US" dirty="0" smtClean="0"/>
+              <a:t>Affinity Diagram</a:t>
+            </a:r>
+            <a:endParaRPr lang="en-US" dirty="0"/>
+          </a:p>
+        </p:txBody>
+      </p:sp>
+      <p:sp>
+        <p:nvSpPr>
+          <p:cNvPr id="3" name="Content Placeholder 2"/>
+          <p:cNvSpPr>
+            <a:spLocks noGrp="1"/>
+          </p:cNvSpPr>
+          <p:nvPr>
+            <p:ph idx="1"/>
+          </p:nvPr>
+        </p:nvSpPr>
+        <p:spPr/>
+        <p:txBody>
+          <a:bodyPr/>
+          <a:lstStyle/>
+          <a:p>
+            <a:endParaRPr lang="en-US" dirty="0"/>
+          </a:p>
+        </p:txBody>
+      </p:sp>
+      <p:sp>
+        <p:nvSpPr>
+          <p:cNvPr id="4" name="TextBox 3"/>
+          <p:cNvSpPr txBox="1"/>
+          <p:nvPr/>
+        </p:nvSpPr>
+        <p:spPr>
+          <a:xfrm>
+            <a:off x="838200" y="6363222"/>
+            <a:ext cx="1591358" cy="369332"/>
+          </a:xfrm>
+          <a:prstGeom prst="rect">
+            <a:avLst/>
+          </a:prstGeom>
+          <a:noFill/>
+        </p:spPr>
+        <p:txBody>
+          <a:bodyPr wrap="square" rtlCol="0">
+            <a:spAutoFit/>
+          </a:bodyPr>
+          <a:lstStyle/>
+          <a:p>
+            <a:r>
+              <a:rPr lang="en-US" dirty="0" smtClean="0"/>
+              <a:t>Team Octopus</a:t>
+            </a:r>
+            <a:endParaRPr lang="en-US" dirty="0"/>
+          </a:p>
+        </p:txBody>
+      </p:sp>
+      <p:sp>
+        <p:nvSpPr>
+          <p:cNvPr id="5" name="TextBox 4"/>
+          <p:cNvSpPr txBox="1"/>
+          <p:nvPr/>
+        </p:nvSpPr>
+        <p:spPr>
+          <a:xfrm>
+            <a:off x="4385181" y="6363222"/>
+            <a:ext cx="3421637" cy="369332"/>
+          </a:xfrm>
+          <a:prstGeom prst="rect">
+            <a:avLst/>
+          </a:prstGeom>
+          <a:noFill/>
+        </p:spPr>
+        <p:txBody>
+          <a:bodyPr wrap="square" rtlCol="0">
+            <a:spAutoFit/>
+          </a:bodyPr>
+          <a:lstStyle/>
+          <a:p>
+            <a:r>
+              <a:rPr lang="en-US" dirty="0" smtClean="0"/>
+              <a:t>Work Models &amp; Affinity Diagram</a:t>
+            </a:r>
+            <a:endParaRPr lang="en-US" dirty="0"/>
+          </a:p>
+        </p:txBody>
+      </p:sp>
+      <p:sp>
+        <p:nvSpPr>
+          <p:cNvPr id="6" name="TextBox 5"/>
+          <p:cNvSpPr txBox="1"/>
+          <p:nvPr/>
+        </p:nvSpPr>
+        <p:spPr>
+          <a:xfrm>
+            <a:off x="8415555" y="6363222"/>
+            <a:ext cx="3062341" cy="369332"/>
+          </a:xfrm>
+          <a:prstGeom prst="rect">
+            <a:avLst/>
+          </a:prstGeom>
+          <a:noFill/>
+        </p:spPr>
+        <p:txBody>
+          <a:bodyPr wrap="square" rtlCol="0">
+            <a:spAutoFit/>
+          </a:bodyPr>
+          <a:lstStyle/>
+          <a:p>
+            <a:r>
+              <a:rPr lang="en-US" dirty="0" smtClean="0"/>
+              <a:t>Team Member: </a:t>
+            </a:r>
+            <a:r>
+              <a:rPr lang="en-US" dirty="0" smtClean="0"/>
+              <a:t>Jack Flowers</a:t>
+            </a:r>
+            <a:endParaRPr lang="en-US" dirty="0"/>
+          </a:p>
+        </p:txBody>
+      </p:sp>
+    </p:spTree>
+    <p:extLst>
+      <p:ext uri="{BB962C8B-B14F-4D97-AF65-F5344CB8AC3E}">
+        <p14:creationId xmlns:p14="http://schemas.microsoft.com/office/powerpoint/2010/main" val="3477196545"/>
+      </p:ext>
+    </p:extLst>
+  </p:cSld>
+  <p:clrMapOvr>
+    <a:masterClrMapping/>
+  </p:clrMapOvr>
+</p:sld>
+</file>
+
+<file path=ppt/slides/slide7.xml><?xml version="1.0" encoding="utf-8"?>
+<p:sld xmlns:a="http://schemas.openxmlformats.org/drawingml/2006/main" xmlns:r="http://schemas.openxmlformats.org/officeDocument/2006/relationships" xmlns:p="http://schemas.openxmlformats.org/presentationml/2006/main">
+  <p:cSld>
+    <p:spTree>
+      <p:nvGrpSpPr>
+        <p:cNvPr id="1" name=""/>
+        <p:cNvGrpSpPr/>
+        <p:nvPr/>
+      </p:nvGrpSpPr>
+      <p:grpSpPr>
+        <a:xfrm>
+          <a:off x="0" y="0"/>
+          <a:ext cx="0" cy="0"/>
+          <a:chOff x="0" y="0"/>
+          <a:chExt cx="0" cy="0"/>
+        </a:xfrm>
+      </p:grpSpPr>
+      <p:sp>
+        <p:nvSpPr>
+          <p:cNvPr id="2" name="Title 1"/>
+          <p:cNvSpPr>
+            <a:spLocks noGrp="1"/>
+          </p:cNvSpPr>
+          <p:nvPr>
+            <p:ph type="title"/>
+          </p:nvPr>
+        </p:nvSpPr>
+        <p:spPr/>
+        <p:txBody>
+          <a:bodyPr/>
+          <a:lstStyle/>
+          <a:p>
+            <a:pPr algn="ctr"/>
+            <a:r>
+              <a:rPr lang="en-US" dirty="0" smtClean="0"/>
+              <a:t>Flow Model</a:t>
+            </a:r>
+            <a:endParaRPr lang="en-US" dirty="0"/>
+          </a:p>
+        </p:txBody>
+      </p:sp>
+      <p:sp>
+        <p:nvSpPr>
+          <p:cNvPr id="3" name="Content Placeholder 2"/>
+          <p:cNvSpPr>
+            <a:spLocks noGrp="1"/>
+          </p:cNvSpPr>
+          <p:nvPr>
+            <p:ph idx="1"/>
+          </p:nvPr>
+        </p:nvSpPr>
+        <p:spPr/>
+        <p:txBody>
+          <a:bodyPr/>
+          <a:lstStyle/>
+          <a:p>
+            <a:endParaRPr lang="en-US" dirty="0"/>
+          </a:p>
+        </p:txBody>
+      </p:sp>
+      <p:sp>
+        <p:nvSpPr>
+          <p:cNvPr id="4" name="TextBox 3"/>
+          <p:cNvSpPr txBox="1"/>
+          <p:nvPr/>
+        </p:nvSpPr>
+        <p:spPr>
+          <a:xfrm>
+            <a:off x="838200" y="6363222"/>
+            <a:ext cx="1591358" cy="369332"/>
+          </a:xfrm>
+          <a:prstGeom prst="rect">
+            <a:avLst/>
+          </a:prstGeom>
+          <a:noFill/>
+        </p:spPr>
+        <p:txBody>
+          <a:bodyPr wrap="square" rtlCol="0">
+            <a:spAutoFit/>
+          </a:bodyPr>
+          <a:lstStyle/>
+          <a:p>
+            <a:r>
+              <a:rPr lang="en-US" dirty="0" smtClean="0"/>
+              <a:t>Team Octopus</a:t>
+            </a:r>
+            <a:endParaRPr lang="en-US" dirty="0"/>
+          </a:p>
+        </p:txBody>
+      </p:sp>
+      <p:sp>
+        <p:nvSpPr>
+          <p:cNvPr id="5" name="TextBox 4"/>
+          <p:cNvSpPr txBox="1"/>
+          <p:nvPr/>
+        </p:nvSpPr>
+        <p:spPr>
+          <a:xfrm>
+            <a:off x="4385181" y="6363222"/>
+            <a:ext cx="3421637" cy="369332"/>
+          </a:xfrm>
+          <a:prstGeom prst="rect">
+            <a:avLst/>
+          </a:prstGeom>
+          <a:noFill/>
+        </p:spPr>
+        <p:txBody>
+          <a:bodyPr wrap="square" rtlCol="0">
+            <a:spAutoFit/>
+          </a:bodyPr>
+          <a:lstStyle/>
+          <a:p>
+            <a:r>
+              <a:rPr lang="en-US" dirty="0" smtClean="0"/>
+              <a:t>Work Models &amp; Affinity Diagram</a:t>
+            </a:r>
+            <a:endParaRPr lang="en-US" dirty="0"/>
+          </a:p>
+        </p:txBody>
+      </p:sp>
+      <p:sp>
+        <p:nvSpPr>
+          <p:cNvPr id="6" name="TextBox 5"/>
+          <p:cNvSpPr txBox="1"/>
+          <p:nvPr/>
+        </p:nvSpPr>
+        <p:spPr>
+          <a:xfrm>
+            <a:off x="8415555" y="6363222"/>
+            <a:ext cx="3062341" cy="369332"/>
+          </a:xfrm>
+          <a:prstGeom prst="rect">
+            <a:avLst/>
+          </a:prstGeom>
+          <a:noFill/>
+        </p:spPr>
+        <p:txBody>
+          <a:bodyPr wrap="square" rtlCol="0">
+            <a:spAutoFit/>
+          </a:bodyPr>
+          <a:lstStyle/>
+          <a:p>
+            <a:r>
+              <a:rPr lang="en-US" dirty="0" smtClean="0"/>
+              <a:t>Team Member: </a:t>
+            </a:r>
+            <a:r>
+              <a:rPr lang="en-US" dirty="0" smtClean="0"/>
+              <a:t>Jack Flowers</a:t>
+            </a:r>
+            <a:endParaRPr lang="en-US" dirty="0"/>
+          </a:p>
+        </p:txBody>
+      </p:sp>
+    </p:spTree>
+    <p:extLst>
+      <p:ext uri="{BB962C8B-B14F-4D97-AF65-F5344CB8AC3E}">
+        <p14:creationId xmlns:p14="http://schemas.microsoft.com/office/powerpoint/2010/main" val="2873540795"/>
+      </p:ext>
+    </p:extLst>
+  </p:cSld>
+  <p:clrMapOvr>
+    <a:masterClrMapping/>
+  </p:clrMapOvr>
+</p:sld>
+</file>
+
+<file path=ppt/slides/slide8.xml><?xml version="1.0" encoding="utf-8"?>
+<p:sld xmlns:a="http://schemas.openxmlformats.org/drawingml/2006/main" xmlns:r="http://schemas.openxmlformats.org/officeDocument/2006/relationships" xmlns:p="http://schemas.openxmlformats.org/presentationml/2006/main">
+  <p:cSld>
+    <p:spTree>
+      <p:nvGrpSpPr>
+        <p:cNvPr id="1" name=""/>
+        <p:cNvGrpSpPr/>
+        <p:nvPr/>
+      </p:nvGrpSpPr>
+      <p:grpSpPr>
+        <a:xfrm>
+          <a:off x="0" y="0"/>
+          <a:ext cx="0" cy="0"/>
+          <a:chOff x="0" y="0"/>
+          <a:chExt cx="0" cy="0"/>
+        </a:xfrm>
+      </p:grpSpPr>
+      <p:sp>
+        <p:nvSpPr>
+          <p:cNvPr id="2" name="Title 1"/>
+          <p:cNvSpPr>
+            <a:spLocks noGrp="1"/>
+          </p:cNvSpPr>
+          <p:nvPr>
+            <p:ph type="title"/>
+          </p:nvPr>
+        </p:nvSpPr>
+        <p:spPr/>
+        <p:txBody>
+          <a:bodyPr/>
+          <a:lstStyle/>
+          <a:p>
+            <a:pPr algn="ctr"/>
+            <a:r>
+              <a:rPr lang="en-US" dirty="0" smtClean="0"/>
+              <a:t>Cultural Model</a:t>
+            </a:r>
+            <a:endParaRPr lang="en-US" dirty="0"/>
+          </a:p>
+        </p:txBody>
+      </p:sp>
+      <p:sp>
+        <p:nvSpPr>
+          <p:cNvPr id="3" name="Content Placeholder 2"/>
+          <p:cNvSpPr>
+            <a:spLocks noGrp="1"/>
+          </p:cNvSpPr>
+          <p:nvPr>
+            <p:ph idx="1"/>
+          </p:nvPr>
+        </p:nvSpPr>
+        <p:spPr/>
+        <p:txBody>
+          <a:bodyPr/>
+          <a:lstStyle/>
+          <a:p>
+            <a:endParaRPr lang="en-US" dirty="0"/>
+          </a:p>
+        </p:txBody>
+      </p:sp>
+      <p:sp>
+        <p:nvSpPr>
+          <p:cNvPr id="4" name="TextBox 3"/>
+          <p:cNvSpPr txBox="1"/>
+          <p:nvPr/>
+        </p:nvSpPr>
+        <p:spPr>
+          <a:xfrm>
+            <a:off x="838200" y="6363222"/>
+            <a:ext cx="1591358" cy="369332"/>
+          </a:xfrm>
+          <a:prstGeom prst="rect">
+            <a:avLst/>
+          </a:prstGeom>
+          <a:noFill/>
+        </p:spPr>
+        <p:txBody>
+          <a:bodyPr wrap="square" rtlCol="0">
+            <a:spAutoFit/>
+          </a:bodyPr>
+          <a:lstStyle/>
+          <a:p>
+            <a:r>
+              <a:rPr lang="en-US" dirty="0" smtClean="0"/>
+              <a:t>Team Octopus</a:t>
+            </a:r>
+            <a:endParaRPr lang="en-US" dirty="0"/>
+          </a:p>
+        </p:txBody>
+      </p:sp>
+      <p:sp>
+        <p:nvSpPr>
+          <p:cNvPr id="5" name="TextBox 4"/>
+          <p:cNvSpPr txBox="1"/>
+          <p:nvPr/>
+        </p:nvSpPr>
+        <p:spPr>
+          <a:xfrm>
+            <a:off x="4385181" y="6363222"/>
+            <a:ext cx="3421637" cy="369332"/>
+          </a:xfrm>
+          <a:prstGeom prst="rect">
+            <a:avLst/>
+          </a:prstGeom>
+          <a:noFill/>
+        </p:spPr>
+        <p:txBody>
+          <a:bodyPr wrap="square" rtlCol="0">
+            <a:spAutoFit/>
+          </a:bodyPr>
+          <a:lstStyle/>
+          <a:p>
+            <a:r>
+              <a:rPr lang="en-US" dirty="0" smtClean="0"/>
+              <a:t>Work Models &amp; Affinity Diagram</a:t>
+            </a:r>
+            <a:endParaRPr lang="en-US" dirty="0"/>
+          </a:p>
+        </p:txBody>
+      </p:sp>
+      <p:sp>
+        <p:nvSpPr>
+          <p:cNvPr id="6" name="TextBox 5"/>
+          <p:cNvSpPr txBox="1"/>
+          <p:nvPr/>
+        </p:nvSpPr>
+        <p:spPr>
+          <a:xfrm>
+            <a:off x="8415555" y="6363222"/>
+            <a:ext cx="3062341" cy="369332"/>
+          </a:xfrm>
+          <a:prstGeom prst="rect">
+            <a:avLst/>
+          </a:prstGeom>
+          <a:noFill/>
+        </p:spPr>
+        <p:txBody>
+          <a:bodyPr wrap="square" rtlCol="0">
+            <a:spAutoFit/>
+          </a:bodyPr>
+          <a:lstStyle/>
+          <a:p>
+            <a:r>
+              <a:rPr lang="en-US" dirty="0" smtClean="0"/>
+              <a:t>Team Member: </a:t>
+            </a:r>
+            <a:r>
+              <a:rPr lang="en-US" dirty="0" smtClean="0"/>
+              <a:t>Jack Flowers</a:t>
+            </a:r>
+            <a:endParaRPr lang="en-US" dirty="0"/>
+          </a:p>
+        </p:txBody>
+      </p:sp>
+    </p:spTree>
+    <p:extLst>
+      <p:ext uri="{BB962C8B-B14F-4D97-AF65-F5344CB8AC3E}">
+        <p14:creationId xmlns:p14="http://schemas.microsoft.com/office/powerpoint/2010/main" val="413125061"/>
+      </p:ext>
+    </p:extLst>
+  </p:cSld>
+  <p:clrMapOvr>
+    <a:masterClrMapping/>
+  </p:clrMapOvr>
+</p:sld>
+</file>
+
+<file path=ppt/slides/slide9.xml><?xml version="1.0" encoding="utf-8"?>
+<p:sld xmlns:a="http://schemas.openxmlformats.org/drawingml/2006/main" xmlns:r="http://schemas.openxmlformats.org/officeDocument/2006/relationships" xmlns:p="http://schemas.openxmlformats.org/presentationml/2006/main">
+  <p:cSld>
+    <p:spTree>
+      <p:nvGrpSpPr>
+        <p:cNvPr id="1" name=""/>
+        <p:cNvGrpSpPr/>
+        <p:nvPr/>
+      </p:nvGrpSpPr>
+      <p:grpSpPr>
+        <a:xfrm>
+          <a:off x="0" y="0"/>
+          <a:ext cx="0" cy="0"/>
+          <a:chOff x="0" y="0"/>
+          <a:chExt cx="0" cy="0"/>
+        </a:xfrm>
+      </p:grpSpPr>
+      <p:sp>
+        <p:nvSpPr>
+          <p:cNvPr id="2" name="Title 1"/>
+          <p:cNvSpPr>
+            <a:spLocks noGrp="1"/>
+          </p:cNvSpPr>
+          <p:nvPr>
+            <p:ph type="title"/>
+          </p:nvPr>
+        </p:nvSpPr>
+        <p:spPr/>
+        <p:txBody>
+          <a:bodyPr/>
+          <a:lstStyle/>
+          <a:p>
+            <a:pPr algn="ctr"/>
+            <a:r>
+              <a:rPr lang="en-US" dirty="0" smtClean="0"/>
+              <a:t>Sequence Model</a:t>
+            </a:r>
+            <a:endParaRPr lang="en-US" dirty="0"/>
+          </a:p>
+        </p:txBody>
+      </p:sp>
+      <p:sp>
+        <p:nvSpPr>
+          <p:cNvPr id="3" name="Content Placeholder 2"/>
+          <p:cNvSpPr>
+            <a:spLocks noGrp="1"/>
+          </p:cNvSpPr>
+          <p:nvPr>
+            <p:ph idx="1"/>
+          </p:nvPr>
+        </p:nvSpPr>
+        <p:spPr/>
+        <p:txBody>
+          <a:bodyPr/>
+          <a:lstStyle/>
+          <a:p>
+            <a:endParaRPr lang="en-US" dirty="0"/>
+          </a:p>
+        </p:txBody>
+      </p:sp>
+      <p:sp>
+        <p:nvSpPr>
+          <p:cNvPr id="4" name="TextBox 3"/>
+          <p:cNvSpPr txBox="1"/>
+          <p:nvPr/>
+        </p:nvSpPr>
+        <p:spPr>
+          <a:xfrm>
+            <a:off x="838200" y="6363222"/>
+            <a:ext cx="1591358" cy="369332"/>
+          </a:xfrm>
+          <a:prstGeom prst="rect">
+            <a:avLst/>
+          </a:prstGeom>
+          <a:noFill/>
+        </p:spPr>
+        <p:txBody>
+          <a:bodyPr wrap="square" rtlCol="0">
+            <a:spAutoFit/>
+          </a:bodyPr>
+          <a:lstStyle/>
+          <a:p>
+            <a:r>
+              <a:rPr lang="en-US" dirty="0" smtClean="0"/>
+              <a:t>Team Octopus</a:t>
+            </a:r>
+            <a:endParaRPr lang="en-US" dirty="0"/>
+          </a:p>
+        </p:txBody>
+      </p:sp>
+      <p:sp>
+        <p:nvSpPr>
+          <p:cNvPr id="5" name="TextBox 4"/>
+          <p:cNvSpPr txBox="1"/>
+          <p:nvPr/>
+        </p:nvSpPr>
+        <p:spPr>
+          <a:xfrm>
+            <a:off x="4385181" y="6363222"/>
+            <a:ext cx="3421637" cy="369332"/>
+          </a:xfrm>
+          <a:prstGeom prst="rect">
+            <a:avLst/>
+          </a:prstGeom>
+          <a:noFill/>
+        </p:spPr>
+        <p:txBody>
+          <a:bodyPr wrap="square" rtlCol="0">
+            <a:spAutoFit/>
+          </a:bodyPr>
+          <a:lstStyle/>
+          <a:p>
+            <a:r>
+              <a:rPr lang="en-US" dirty="0" smtClean="0"/>
+              <a:t>Work Models &amp; Affinity Diagram</a:t>
+            </a:r>
+            <a:endParaRPr lang="en-US" dirty="0"/>
+          </a:p>
+        </p:txBody>
+      </p:sp>
+      <p:sp>
+        <p:nvSpPr>
+          <p:cNvPr id="6" name="TextBox 5"/>
+          <p:cNvSpPr txBox="1"/>
+          <p:nvPr/>
+        </p:nvSpPr>
+        <p:spPr>
+          <a:xfrm>
+            <a:off x="8415555" y="6363222"/>
+            <a:ext cx="3062341" cy="369332"/>
+          </a:xfrm>
+          <a:prstGeom prst="rect">
+            <a:avLst/>
+          </a:prstGeom>
+          <a:noFill/>
+        </p:spPr>
+        <p:txBody>
+          <a:bodyPr wrap="square" rtlCol="0">
+            <a:spAutoFit/>
+          </a:bodyPr>
+          <a:lstStyle/>
+          <a:p>
+            <a:r>
+              <a:rPr lang="en-US" dirty="0" smtClean="0"/>
+              <a:t>Team Member: </a:t>
+            </a:r>
+            <a:r>
+              <a:rPr lang="en-US" dirty="0" smtClean="0"/>
+              <a:t>Jack Flowers</a:t>
+            </a:r>
+            <a:endParaRPr lang="en-US" dirty="0"/>
+          </a:p>
+        </p:txBody>
+      </p:sp>
+    </p:spTree>
+    <p:extLst>
+      <p:ext uri="{BB962C8B-B14F-4D97-AF65-F5344CB8AC3E}">
+        <p14:creationId xmlns:p14="http://schemas.microsoft.com/office/powerpoint/2010/main" val="3858493607"/>
       </p:ext>
     </p:extLst>
   </p:cSld>

--- a/TeamOctopus/phase6/team_Octopus_Presentation.pptx
+++ b/TeamOctopus/phase6/team_Octopus_Presentation.pptx
@@ -5,23 +5,32 @@
     <p:sldMasterId id="2147483648" r:id="rId1"/>
   </p:sldMasterIdLst>
   <p:notesMasterIdLst>
-    <p:notesMasterId r:id="rId16"/>
+    <p:notesMasterId r:id="rId25"/>
   </p:notesMasterIdLst>
   <p:sldIdLst>
     <p:sldId id="256" r:id="rId2"/>
     <p:sldId id="257" r:id="rId3"/>
-    <p:sldId id="258" r:id="rId4"/>
-    <p:sldId id="259" r:id="rId5"/>
-    <p:sldId id="260" r:id="rId6"/>
-    <p:sldId id="264" r:id="rId7"/>
-    <p:sldId id="265" r:id="rId8"/>
-    <p:sldId id="266" r:id="rId9"/>
-    <p:sldId id="267" r:id="rId10"/>
-    <p:sldId id="268" r:id="rId11"/>
-    <p:sldId id="269" r:id="rId12"/>
-    <p:sldId id="261" r:id="rId13"/>
-    <p:sldId id="262" r:id="rId14"/>
-    <p:sldId id="263" r:id="rId15"/>
+    <p:sldId id="270" r:id="rId4"/>
+    <p:sldId id="271" r:id="rId5"/>
+    <p:sldId id="258" r:id="rId6"/>
+    <p:sldId id="259" r:id="rId7"/>
+    <p:sldId id="260" r:id="rId8"/>
+    <p:sldId id="264" r:id="rId9"/>
+    <p:sldId id="265" r:id="rId10"/>
+    <p:sldId id="266" r:id="rId11"/>
+    <p:sldId id="267" r:id="rId12"/>
+    <p:sldId id="268" r:id="rId13"/>
+    <p:sldId id="269" r:id="rId14"/>
+    <p:sldId id="261" r:id="rId15"/>
+    <p:sldId id="262" r:id="rId16"/>
+    <p:sldId id="263" r:id="rId17"/>
+    <p:sldId id="272" r:id="rId18"/>
+    <p:sldId id="273" r:id="rId19"/>
+    <p:sldId id="274" r:id="rId20"/>
+    <p:sldId id="275" r:id="rId21"/>
+    <p:sldId id="276" r:id="rId22"/>
+    <p:sldId id="277" r:id="rId23"/>
+    <p:sldId id="278" r:id="rId24"/>
   </p:sldIdLst>
   <p:sldSz cx="12192000" cy="6858000"/>
   <p:notesSz cx="6858000" cy="9144000"/>
@@ -3595,7 +3604,7 @@
             <a:pPr algn="ctr"/>
             <a:r>
               <a:rPr lang="en-US" dirty="0" smtClean="0"/>
-              <a:t>Artifact Model</a:t>
+              <a:t>Cultural Model</a:t>
             </a:r>
             <a:endParaRPr lang="en-US" dirty="0"/>
           </a:p>
@@ -3704,11 +3713,7 @@
           <a:p>
             <a:r>
               <a:rPr lang="en-US" dirty="0" smtClean="0"/>
-              <a:t>Team Member: </a:t>
-            </a:r>
-            <a:r>
-              <a:rPr lang="en-US" dirty="0" smtClean="0"/>
-              <a:t>Jack Flowers</a:t>
+              <a:t>Team Member: Jack Flowers</a:t>
             </a:r>
             <a:endParaRPr lang="en-US" dirty="0"/>
           </a:p>
@@ -3717,7 +3722,7 @@
     </p:spTree>
     <p:extLst>
       <p:ext uri="{BB962C8B-B14F-4D97-AF65-F5344CB8AC3E}">
-        <p14:creationId xmlns:p14="http://schemas.microsoft.com/office/powerpoint/2010/main" val="1473682982"/>
+        <p14:creationId xmlns:p14="http://schemas.microsoft.com/office/powerpoint/2010/main" val="413125061"/>
       </p:ext>
     </p:extLst>
   </p:cSld>
@@ -3762,7 +3767,7 @@
             <a:pPr algn="ctr"/>
             <a:r>
               <a:rPr lang="en-US" dirty="0" smtClean="0"/>
-              <a:t>Physical Model</a:t>
+              <a:t>Sequence Model</a:t>
             </a:r>
             <a:endParaRPr lang="en-US" dirty="0"/>
           </a:p>
@@ -3783,7 +3788,7 @@
           <a:bodyPr/>
           <a:lstStyle/>
           <a:p>
-            <a:endParaRPr lang="en-US"/>
+            <a:endParaRPr lang="en-US" dirty="0"/>
           </a:p>
         </p:txBody>
       </p:sp>
@@ -3871,11 +3876,7 @@
           <a:p>
             <a:r>
               <a:rPr lang="en-US" dirty="0" smtClean="0"/>
-              <a:t>Team Member: </a:t>
-            </a:r>
-            <a:r>
-              <a:rPr lang="en-US" dirty="0" smtClean="0"/>
-              <a:t>Jack Flowers</a:t>
+              <a:t>Team Member: Jack Flowers</a:t>
             </a:r>
             <a:endParaRPr lang="en-US" dirty="0"/>
           </a:p>
@@ -3884,7 +3885,7 @@
     </p:spTree>
     <p:extLst>
       <p:ext uri="{BB962C8B-B14F-4D97-AF65-F5344CB8AC3E}">
-        <p14:creationId xmlns:p14="http://schemas.microsoft.com/office/powerpoint/2010/main" val="2362297389"/>
+        <p14:creationId xmlns:p14="http://schemas.microsoft.com/office/powerpoint/2010/main" val="3858493607"/>
       </p:ext>
     </p:extLst>
   </p:cSld>
@@ -3929,41 +3930,61 @@
             <a:pPr algn="ctr"/>
             <a:r>
               <a:rPr lang="en-US" dirty="0" smtClean="0"/>
-              <a:t>Questions</a:t>
-            </a:r>
-            <a:endParaRPr lang="en-US" dirty="0"/>
-          </a:p>
-        </p:txBody>
-      </p:sp>
-      <p:pic>
-        <p:nvPicPr>
-          <p:cNvPr id="4" name="Content Placeholder 3"/>
-          <p:cNvPicPr>
-            <a:picLocks noGrp="1" noChangeAspect="1"/>
-          </p:cNvPicPr>
+              <a:t>Artifact Model</a:t>
+            </a:r>
+            <a:endParaRPr lang="en-US" dirty="0"/>
+          </a:p>
+        </p:txBody>
+      </p:sp>
+      <p:sp>
+        <p:nvSpPr>
+          <p:cNvPr id="3" name="Content Placeholder 2"/>
+          <p:cNvSpPr>
+            <a:spLocks noGrp="1"/>
+          </p:cNvSpPr>
           <p:nvPr>
             <p:ph idx="1"/>
           </p:nvPr>
-        </p:nvPicPr>
-        <p:blipFill>
-          <a:blip r:embed="rId2">
-            <a:extLst>
-              <a:ext uri="{28A0092B-C50C-407E-A947-70E740481C1C}">
-                <a14:useLocalDpi xmlns:a14="http://schemas.microsoft.com/office/drawing/2010/main" val="0"/>
-              </a:ext>
-            </a:extLst>
-          </a:blip>
-          <a:stretch>
-            <a:fillRect/>
-          </a:stretch>
-        </p:blipFill>
-        <p:spPr>
-          <a:xfrm>
-            <a:off x="838200" y="1690688"/>
-            <a:ext cx="6353284" cy="4351338"/>
-          </a:xfrm>
-        </p:spPr>
-      </p:pic>
+        </p:nvSpPr>
+        <p:spPr/>
+        <p:txBody>
+          <a:bodyPr/>
+          <a:lstStyle/>
+          <a:p>
+            <a:endParaRPr lang="en-US" dirty="0"/>
+          </a:p>
+        </p:txBody>
+      </p:sp>
+      <p:sp>
+        <p:nvSpPr>
+          <p:cNvPr id="4" name="TextBox 3"/>
+          <p:cNvSpPr txBox="1"/>
+          <p:nvPr/>
+        </p:nvSpPr>
+        <p:spPr>
+          <a:xfrm>
+            <a:off x="838200" y="6363222"/>
+            <a:ext cx="1591358" cy="369332"/>
+          </a:xfrm>
+          <a:prstGeom prst="rect">
+            <a:avLst/>
+          </a:prstGeom>
+          <a:noFill/>
+        </p:spPr>
+        <p:txBody>
+          <a:bodyPr wrap="square" rtlCol="0">
+            <a:spAutoFit/>
+          </a:bodyPr>
+          <a:lstStyle/>
+          <a:p>
+            <a:r>
+              <a:rPr lang="en-US" dirty="0" smtClean="0"/>
+              <a:t>Team Octopus</a:t>
+            </a:r>
+            <a:endParaRPr lang="en-US" dirty="0"/>
+          </a:p>
+        </p:txBody>
+      </p:sp>
       <p:sp>
         <p:nvSpPr>
           <p:cNvPr id="5" name="TextBox 4"/>
@@ -3972,8 +3993,8 @@
         </p:nvSpPr>
         <p:spPr>
           <a:xfrm>
-            <a:off x="8177349" y="1690688"/>
-            <a:ext cx="3176451" cy="4524315"/>
+            <a:off x="4385181" y="6363222"/>
+            <a:ext cx="3421637" cy="369332"/>
           </a:xfrm>
           <a:prstGeom prst="rect">
             <a:avLst/>
@@ -3986,145 +4007,10 @@
           </a:bodyPr>
           <a:lstStyle/>
           <a:p>
-            <a:pPr marL="285750" indent="-285750">
-              <a:buFont typeface="Arial" panose="020B0604020202020204" pitchFamily="34" charset="0"/>
-              <a:buChar char="•"/>
-            </a:pPr>
-            <a:r>
-              <a:rPr lang="en-US" dirty="0" smtClean="0"/>
-              <a:t>Tasks</a:t>
-            </a:r>
-          </a:p>
-          <a:p>
-            <a:pPr marL="742950" lvl="1" indent="-285750">
-              <a:buFont typeface="Arial" panose="020B0604020202020204" pitchFamily="34" charset="0"/>
-              <a:buChar char="•"/>
-            </a:pPr>
-            <a:r>
-              <a:rPr lang="en-US" dirty="0" smtClean="0"/>
-              <a:t>Logging in</a:t>
-            </a:r>
-          </a:p>
-          <a:p>
-            <a:pPr marL="742950" lvl="1" indent="-285750">
-              <a:buFont typeface="Arial" panose="020B0604020202020204" pitchFamily="34" charset="0"/>
-              <a:buChar char="•"/>
-            </a:pPr>
-            <a:r>
-              <a:rPr lang="en-US" dirty="0" smtClean="0"/>
-              <a:t>Searching</a:t>
-            </a:r>
-          </a:p>
-          <a:p>
-            <a:pPr marL="742950" lvl="1" indent="-285750">
-              <a:buFont typeface="Arial" panose="020B0604020202020204" pitchFamily="34" charset="0"/>
-              <a:buChar char="•"/>
-            </a:pPr>
-            <a:r>
-              <a:rPr lang="en-US" dirty="0" smtClean="0"/>
-              <a:t>Look up trending items</a:t>
-            </a:r>
-          </a:p>
-          <a:p>
-            <a:pPr marL="742950" lvl="1" indent="-285750">
-              <a:buFont typeface="Arial" panose="020B0604020202020204" pitchFamily="34" charset="0"/>
-              <a:buChar char="•"/>
-            </a:pPr>
-            <a:r>
-              <a:rPr lang="en-US" dirty="0" smtClean="0"/>
-              <a:t>View favorites</a:t>
-            </a:r>
-          </a:p>
-          <a:p>
-            <a:pPr marL="742950" lvl="1" indent="-285750">
-              <a:buFont typeface="Arial" panose="020B0604020202020204" pitchFamily="34" charset="0"/>
-              <a:buChar char="•"/>
-            </a:pPr>
-            <a:r>
-              <a:rPr lang="en-US" dirty="0" smtClean="0"/>
-              <a:t>Look up a sports team</a:t>
-            </a:r>
-          </a:p>
-          <a:p>
-            <a:pPr marL="742950" lvl="1" indent="-285750">
-              <a:buFont typeface="Arial" panose="020B0604020202020204" pitchFamily="34" charset="0"/>
-              <a:buChar char="•"/>
-            </a:pPr>
-            <a:r>
-              <a:rPr lang="en-US" dirty="0" smtClean="0"/>
-              <a:t>See theater show times</a:t>
-            </a:r>
-          </a:p>
-          <a:p>
-            <a:pPr lvl="1"/>
-            <a:endParaRPr lang="en-US" dirty="0" smtClean="0"/>
-          </a:p>
-          <a:p>
-            <a:pPr marL="285750" indent="-285750">
-              <a:buFont typeface="Arial" panose="020B0604020202020204" pitchFamily="34" charset="0"/>
-              <a:buChar char="•"/>
-            </a:pPr>
-            <a:r>
-              <a:rPr lang="en-US" dirty="0" smtClean="0"/>
-              <a:t>Questions</a:t>
-            </a:r>
-          </a:p>
-          <a:p>
-            <a:pPr marL="742950" lvl="1" indent="-285750">
-              <a:buFont typeface="Arial" panose="020B0604020202020204" pitchFamily="34" charset="0"/>
-              <a:buChar char="•"/>
-            </a:pPr>
-            <a:r>
-              <a:rPr lang="en-US" dirty="0" smtClean="0"/>
-              <a:t>Task follow-ups</a:t>
-            </a:r>
-          </a:p>
-          <a:p>
-            <a:pPr marL="742950" lvl="1" indent="-285750">
-              <a:buFont typeface="Arial" panose="020B0604020202020204" pitchFamily="34" charset="0"/>
-              <a:buChar char="•"/>
-            </a:pPr>
-            <a:r>
-              <a:rPr lang="en-US" dirty="0" smtClean="0"/>
-              <a:t>Colors</a:t>
-            </a:r>
-          </a:p>
-          <a:p>
-            <a:pPr marL="742950" lvl="1" indent="-285750">
-              <a:buFont typeface="Arial" panose="020B0604020202020204" pitchFamily="34" charset="0"/>
-              <a:buChar char="•"/>
-            </a:pPr>
-            <a:r>
-              <a:rPr lang="en-US" dirty="0" smtClean="0"/>
-              <a:t>Layout</a:t>
-            </a:r>
-          </a:p>
-          <a:p>
-            <a:pPr lvl="1"/>
-            <a:endParaRPr lang="en-US" dirty="0" smtClean="0"/>
-          </a:p>
-          <a:p>
-            <a:pPr marL="285750" indent="-285750">
-              <a:buFont typeface="Arial" panose="020B0604020202020204" pitchFamily="34" charset="0"/>
-              <a:buChar char="•"/>
-            </a:pPr>
-            <a:r>
-              <a:rPr lang="en-US" dirty="0" smtClean="0"/>
-              <a:t>Easy to navigate</a:t>
-            </a:r>
-          </a:p>
-          <a:p>
-            <a:pPr marL="742950" lvl="1" indent="-285750">
-              <a:buFont typeface="Arial" panose="020B0604020202020204" pitchFamily="34" charset="0"/>
-              <a:buChar char="•"/>
-            </a:pPr>
-            <a:endParaRPr lang="en-US" dirty="0" smtClean="0"/>
-          </a:p>
-          <a:p>
-            <a:pPr marL="285750" indent="-285750">
-              <a:buFont typeface="Arial" panose="020B0604020202020204" pitchFamily="34" charset="0"/>
-              <a:buChar char="•"/>
-            </a:pPr>
+            <a:r>
+              <a:rPr lang="en-US" dirty="0" smtClean="0"/>
+              <a:t>Work Models &amp; Affinity Diagram</a:t>
+            </a:r>
             <a:endParaRPr lang="en-US" dirty="0"/>
           </a:p>
         </p:txBody>
@@ -4137,8 +4023,8 @@
         </p:nvSpPr>
         <p:spPr>
           <a:xfrm>
-            <a:off x="838200" y="6363222"/>
-            <a:ext cx="1591358" cy="369332"/>
+            <a:off x="8415555" y="6363222"/>
+            <a:ext cx="3062341" cy="369332"/>
           </a:xfrm>
           <a:prstGeom prst="rect">
             <a:avLst/>
@@ -4153,79 +4039,7 @@
           <a:p>
             <a:r>
               <a:rPr lang="en-US" dirty="0" smtClean="0"/>
-              <a:t>Team Octopus</a:t>
-            </a:r>
-            <a:endParaRPr lang="en-US" dirty="0"/>
-          </a:p>
-        </p:txBody>
-      </p:sp>
-      <p:sp>
-        <p:nvSpPr>
-          <p:cNvPr id="7" name="TextBox 6"/>
-          <p:cNvSpPr txBox="1"/>
-          <p:nvPr/>
-        </p:nvSpPr>
-        <p:spPr>
-          <a:xfrm>
-            <a:off x="4729586" y="6363222"/>
-            <a:ext cx="2732827" cy="369332"/>
-          </a:xfrm>
-          <a:prstGeom prst="rect">
-            <a:avLst/>
-          </a:prstGeom>
-          <a:noFill/>
-        </p:spPr>
-        <p:txBody>
-          <a:bodyPr wrap="square" rtlCol="0">
-            <a:spAutoFit/>
-          </a:bodyPr>
-          <a:lstStyle/>
-          <a:p>
-            <a:r>
-              <a:rPr lang="en-US" dirty="0" smtClean="0"/>
-              <a:t>High</a:t>
-            </a:r>
-            <a:r>
-              <a:rPr lang="en-US" dirty="0" smtClean="0"/>
-              <a:t>-Fidelity </a:t>
-            </a:r>
-            <a:r>
-              <a:rPr lang="en-US" dirty="0" smtClean="0"/>
-              <a:t>Prototype</a:t>
-            </a:r>
-            <a:endParaRPr lang="en-US" dirty="0"/>
-          </a:p>
-        </p:txBody>
-      </p:sp>
-      <p:sp>
-        <p:nvSpPr>
-          <p:cNvPr id="8" name="TextBox 7"/>
-          <p:cNvSpPr txBox="1"/>
-          <p:nvPr/>
-        </p:nvSpPr>
-        <p:spPr>
-          <a:xfrm>
-            <a:off x="8415555" y="6363222"/>
-            <a:ext cx="3062341" cy="369332"/>
-          </a:xfrm>
-          <a:prstGeom prst="rect">
-            <a:avLst/>
-          </a:prstGeom>
-          <a:noFill/>
-        </p:spPr>
-        <p:txBody>
-          <a:bodyPr wrap="square" rtlCol="0">
-            <a:spAutoFit/>
-          </a:bodyPr>
-          <a:lstStyle/>
-          <a:p>
-            <a:r>
-              <a:rPr lang="en-US" dirty="0" smtClean="0"/>
-              <a:t>Team Member: </a:t>
-            </a:r>
-            <a:r>
-              <a:rPr lang="en-US" dirty="0" smtClean="0"/>
-              <a:t>Jack Flowers</a:t>
+              <a:t>Team Member: Jack Flowers</a:t>
             </a:r>
             <a:endParaRPr lang="en-US" dirty="0"/>
           </a:p>
@@ -4234,7 +4048,7 @@
     </p:spTree>
     <p:extLst>
       <p:ext uri="{BB962C8B-B14F-4D97-AF65-F5344CB8AC3E}">
-        <p14:creationId xmlns:p14="http://schemas.microsoft.com/office/powerpoint/2010/main" val="287851209"/>
+        <p14:creationId xmlns:p14="http://schemas.microsoft.com/office/powerpoint/2010/main" val="1473682982"/>
       </p:ext>
     </p:extLst>
   </p:cSld>
@@ -4279,7 +4093,86 @@
             <a:pPr algn="ctr"/>
             <a:r>
               <a:rPr lang="en-US" dirty="0" smtClean="0"/>
-              <a:t>Improvements</a:t>
+              <a:t>Physical Model</a:t>
+            </a:r>
+            <a:endParaRPr lang="en-US" dirty="0"/>
+          </a:p>
+        </p:txBody>
+      </p:sp>
+      <p:sp>
+        <p:nvSpPr>
+          <p:cNvPr id="3" name="Content Placeholder 2"/>
+          <p:cNvSpPr>
+            <a:spLocks noGrp="1"/>
+          </p:cNvSpPr>
+          <p:nvPr>
+            <p:ph idx="1"/>
+          </p:nvPr>
+        </p:nvSpPr>
+        <p:spPr/>
+        <p:txBody>
+          <a:bodyPr/>
+          <a:lstStyle/>
+          <a:p>
+            <a:endParaRPr lang="en-US"/>
+          </a:p>
+        </p:txBody>
+      </p:sp>
+      <p:sp>
+        <p:nvSpPr>
+          <p:cNvPr id="4" name="TextBox 3"/>
+          <p:cNvSpPr txBox="1"/>
+          <p:nvPr/>
+        </p:nvSpPr>
+        <p:spPr>
+          <a:xfrm>
+            <a:off x="838200" y="6363222"/>
+            <a:ext cx="1591358" cy="369332"/>
+          </a:xfrm>
+          <a:prstGeom prst="rect">
+            <a:avLst/>
+          </a:prstGeom>
+          <a:noFill/>
+        </p:spPr>
+        <p:txBody>
+          <a:bodyPr wrap="square" rtlCol="0">
+            <a:spAutoFit/>
+          </a:bodyPr>
+          <a:lstStyle/>
+          <a:p>
+            <a:r>
+              <a:rPr lang="en-US" dirty="0" smtClean="0"/>
+              <a:t>Team Octopus</a:t>
+            </a:r>
+            <a:endParaRPr lang="en-US" dirty="0"/>
+          </a:p>
+        </p:txBody>
+      </p:sp>
+      <p:sp>
+        <p:nvSpPr>
+          <p:cNvPr id="5" name="TextBox 4"/>
+          <p:cNvSpPr txBox="1"/>
+          <p:nvPr/>
+        </p:nvSpPr>
+        <p:spPr>
+          <a:xfrm>
+            <a:off x="4385181" y="6363222"/>
+            <a:ext cx="3421637" cy="369332"/>
+          </a:xfrm>
+          <a:prstGeom prst="rect">
+            <a:avLst/>
+          </a:prstGeom>
+          <a:noFill/>
+        </p:spPr>
+        <p:txBody>
+          <a:bodyPr wrap="square" rtlCol="0">
+            <a:spAutoFit/>
+          </a:bodyPr>
+          <a:lstStyle/>
+          <a:p>
+            <a:r>
+              <a:rPr lang="en-US" dirty="0" smtClean="0"/>
+              <a:t>Work Models &amp; Affinity Diagram</a:t>
             </a:r>
             <a:endParaRPr lang="en-US" dirty="0"/>
           </a:p>
@@ -4293,8 +4186,8 @@
         </p:nvSpPr>
         <p:spPr>
           <a:xfrm>
-            <a:off x="8177349" y="1690688"/>
-            <a:ext cx="3176451" cy="3416320"/>
+            <a:off x="8415555" y="6363222"/>
+            <a:ext cx="3062341" cy="369332"/>
           </a:xfrm>
           <a:prstGeom prst="rect">
             <a:avLst/>
@@ -4307,238 +4200,9 @@
           </a:bodyPr>
           <a:lstStyle/>
           <a:p>
-            <a:pPr marL="285750" indent="-285750">
-              <a:buFont typeface="Arial" panose="020B0604020202020204" pitchFamily="34" charset="0"/>
-              <a:buChar char="•"/>
-            </a:pPr>
-            <a:r>
-              <a:rPr lang="en-US" dirty="0" smtClean="0"/>
-              <a:t>Improvements</a:t>
-            </a:r>
-          </a:p>
-          <a:p>
-            <a:endParaRPr lang="en-US" dirty="0"/>
-          </a:p>
-          <a:p>
-            <a:pPr marL="742950" lvl="1" indent="-285750">
-              <a:buFont typeface="Arial" panose="020B0604020202020204" pitchFamily="34" charset="0"/>
-              <a:buChar char="•"/>
-            </a:pPr>
-            <a:r>
-              <a:rPr lang="en-US" dirty="0"/>
-              <a:t>Color Scheme</a:t>
-            </a:r>
-          </a:p>
-          <a:p>
-            <a:pPr marL="1200150" lvl="2" indent="-285750">
-              <a:buFont typeface="Arial" panose="020B0604020202020204" pitchFamily="34" charset="0"/>
-              <a:buChar char="•"/>
-            </a:pPr>
-            <a:r>
-              <a:rPr lang="en-US" dirty="0"/>
-              <a:t>Background</a:t>
-            </a:r>
-          </a:p>
-          <a:p>
-            <a:pPr marL="1200150" lvl="2" indent="-285750">
-              <a:buFont typeface="Arial" panose="020B0604020202020204" pitchFamily="34" charset="0"/>
-              <a:buChar char="•"/>
-            </a:pPr>
-            <a:r>
-              <a:rPr lang="en-US" dirty="0" smtClean="0"/>
-              <a:t>Tables</a:t>
-            </a:r>
-          </a:p>
-          <a:p>
-            <a:pPr lvl="2"/>
-            <a:endParaRPr lang="en-US" dirty="0" smtClean="0"/>
-          </a:p>
-          <a:p>
-            <a:pPr marL="742950" lvl="1" indent="-285750">
-              <a:buFont typeface="Arial" panose="020B0604020202020204" pitchFamily="34" charset="0"/>
-              <a:buChar char="•"/>
-            </a:pPr>
-            <a:r>
-              <a:rPr lang="en-US" dirty="0" smtClean="0"/>
-              <a:t>Page layouts</a:t>
-            </a:r>
-          </a:p>
-          <a:p>
-            <a:pPr marL="1200150" lvl="2" indent="-285750">
-              <a:buFont typeface="Arial" panose="020B0604020202020204" pitchFamily="34" charset="0"/>
-              <a:buChar char="•"/>
-            </a:pPr>
-            <a:r>
-              <a:rPr lang="en-US" dirty="0" smtClean="0"/>
-              <a:t>Sports page</a:t>
-            </a:r>
-          </a:p>
-          <a:p>
-            <a:pPr marL="1200150" lvl="2" indent="-285750">
-              <a:buFont typeface="Arial" panose="020B0604020202020204" pitchFamily="34" charset="0"/>
-              <a:buChar char="•"/>
-            </a:pPr>
-            <a:r>
-              <a:rPr lang="en-US" dirty="0" smtClean="0"/>
-              <a:t>Home page</a:t>
-            </a:r>
-          </a:p>
-          <a:p>
-            <a:pPr marL="1200150" lvl="2" indent="-285750">
-              <a:buFont typeface="Arial" panose="020B0604020202020204" pitchFamily="34" charset="0"/>
-              <a:buChar char="•"/>
-            </a:pPr>
-            <a:r>
-              <a:rPr lang="en-US" dirty="0"/>
-              <a:t>Info </a:t>
-            </a:r>
-            <a:r>
-              <a:rPr lang="en-US" dirty="0" smtClean="0"/>
-              <a:t>page</a:t>
-            </a:r>
-          </a:p>
-          <a:p>
-            <a:pPr marL="742950" lvl="1" indent="-285750">
-              <a:buFont typeface="Arial" panose="020B0604020202020204" pitchFamily="34" charset="0"/>
-              <a:buChar char="•"/>
-            </a:pPr>
-            <a:endParaRPr lang="en-US" dirty="0" smtClean="0"/>
-          </a:p>
-          <a:p>
-            <a:pPr marL="285750" indent="-285750">
-              <a:buFont typeface="Arial" panose="020B0604020202020204" pitchFamily="34" charset="0"/>
-              <a:buChar char="•"/>
-            </a:pPr>
-            <a:endParaRPr lang="en-US" dirty="0"/>
-          </a:p>
-        </p:txBody>
-      </p:sp>
-      <p:pic>
-        <p:nvPicPr>
-          <p:cNvPr id="13" name="Content Placeholder 12"/>
-          <p:cNvPicPr>
-            <a:picLocks noGrp="1" noChangeAspect="1"/>
-          </p:cNvPicPr>
-          <p:nvPr>
-            <p:ph idx="1"/>
-          </p:nvPr>
-        </p:nvPicPr>
-        <p:blipFill>
-          <a:blip r:embed="rId2">
-            <a:extLst>
-              <a:ext uri="{28A0092B-C50C-407E-A947-70E740481C1C}">
-                <a14:useLocalDpi xmlns:a14="http://schemas.microsoft.com/office/drawing/2010/main" val="0"/>
-              </a:ext>
-            </a:extLst>
-          </a:blip>
-          <a:stretch>
-            <a:fillRect/>
-          </a:stretch>
-        </p:blipFill>
-        <p:spPr>
-          <a:xfrm>
-            <a:off x="838200" y="1690688"/>
-            <a:ext cx="6093777" cy="4351338"/>
-          </a:xfrm>
-        </p:spPr>
-      </p:pic>
-      <p:sp>
-        <p:nvSpPr>
-          <p:cNvPr id="14" name="TextBox 13"/>
-          <p:cNvSpPr txBox="1"/>
-          <p:nvPr/>
-        </p:nvSpPr>
-        <p:spPr>
-          <a:xfrm>
-            <a:off x="838200" y="6363222"/>
-            <a:ext cx="1591358" cy="369332"/>
-          </a:xfrm>
-          <a:prstGeom prst="rect">
-            <a:avLst/>
-          </a:prstGeom>
-          <a:noFill/>
-        </p:spPr>
-        <p:txBody>
-          <a:bodyPr wrap="square" rtlCol="0">
-            <a:spAutoFit/>
-          </a:bodyPr>
-          <a:lstStyle/>
-          <a:p>
-            <a:r>
-              <a:rPr lang="en-US" dirty="0" smtClean="0"/>
-              <a:t>Team Octopus</a:t>
-            </a:r>
-            <a:endParaRPr lang="en-US" dirty="0"/>
-          </a:p>
-        </p:txBody>
-      </p:sp>
-      <p:sp>
-        <p:nvSpPr>
-          <p:cNvPr id="16" name="TextBox 15"/>
-          <p:cNvSpPr txBox="1"/>
-          <p:nvPr/>
-        </p:nvSpPr>
-        <p:spPr>
-          <a:xfrm>
-            <a:off x="4729586" y="6363222"/>
-            <a:ext cx="2732827" cy="369332"/>
-          </a:xfrm>
-          <a:prstGeom prst="rect">
-            <a:avLst/>
-          </a:prstGeom>
-          <a:noFill/>
-        </p:spPr>
-        <p:txBody>
-          <a:bodyPr wrap="square" rtlCol="0">
-            <a:spAutoFit/>
-          </a:bodyPr>
-          <a:lstStyle/>
-          <a:p>
-            <a:r>
-              <a:rPr lang="en-US" dirty="0" smtClean="0"/>
-              <a:t>High</a:t>
-            </a:r>
-            <a:r>
-              <a:rPr lang="en-US" dirty="0" smtClean="0"/>
-              <a:t>-Fidelity </a:t>
-            </a:r>
-            <a:r>
-              <a:rPr lang="en-US" dirty="0" smtClean="0"/>
-              <a:t>Prototype</a:t>
-            </a:r>
-            <a:endParaRPr lang="en-US" dirty="0"/>
-          </a:p>
-        </p:txBody>
-      </p:sp>
-      <p:sp>
-        <p:nvSpPr>
-          <p:cNvPr id="17" name="TextBox 16"/>
-          <p:cNvSpPr txBox="1"/>
-          <p:nvPr/>
-        </p:nvSpPr>
-        <p:spPr>
-          <a:xfrm>
-            <a:off x="8415555" y="6363222"/>
-            <a:ext cx="3062341" cy="369332"/>
-          </a:xfrm>
-          <a:prstGeom prst="rect">
-            <a:avLst/>
-          </a:prstGeom>
-          <a:noFill/>
-        </p:spPr>
-        <p:txBody>
-          <a:bodyPr wrap="square" rtlCol="0">
-            <a:spAutoFit/>
-          </a:bodyPr>
-          <a:lstStyle/>
-          <a:p>
-            <a:r>
-              <a:rPr lang="en-US" dirty="0" smtClean="0"/>
-              <a:t>Team Member: </a:t>
-            </a:r>
-            <a:r>
-              <a:rPr lang="en-US" dirty="0" smtClean="0"/>
-              <a:t>Jack Flowers</a:t>
+            <a:r>
+              <a:rPr lang="en-US" dirty="0" smtClean="0"/>
+              <a:t>Team Member: Jack Flowers</a:t>
             </a:r>
             <a:endParaRPr lang="en-US" dirty="0"/>
           </a:p>
@@ -4547,7 +4211,7 @@
     </p:spTree>
     <p:extLst>
       <p:ext uri="{BB962C8B-B14F-4D97-AF65-F5344CB8AC3E}">
-        <p14:creationId xmlns:p14="http://schemas.microsoft.com/office/powerpoint/2010/main" val="2559821288"/>
+        <p14:creationId xmlns:p14="http://schemas.microsoft.com/office/powerpoint/2010/main" val="2362297389"/>
       </p:ext>
     </p:extLst>
   </p:cSld>
@@ -4592,7 +4256,7 @@
             <a:pPr algn="ctr"/>
             <a:r>
               <a:rPr lang="en-US" dirty="0" smtClean="0"/>
-              <a:t>Info Page</a:t>
+              <a:t>Questions</a:t>
             </a:r>
             <a:endParaRPr lang="en-US" dirty="0"/>
           </a:p>
@@ -4622,8 +4286,8 @@
         </p:blipFill>
         <p:spPr>
           <a:xfrm>
-            <a:off x="2717074" y="1825625"/>
-            <a:ext cx="6130836" cy="4351338"/>
+            <a:off x="838200" y="1690688"/>
+            <a:ext cx="6353284" cy="4351338"/>
           </a:xfrm>
         </p:spPr>
       </p:pic>
@@ -4635,8 +4299,8 @@
         </p:nvSpPr>
         <p:spPr>
           <a:xfrm>
-            <a:off x="838200" y="6363222"/>
-            <a:ext cx="1591358" cy="369332"/>
+            <a:off x="8177349" y="1690688"/>
+            <a:ext cx="3176451" cy="4524315"/>
           </a:xfrm>
           <a:prstGeom prst="rect">
             <a:avLst/>
@@ -4649,10 +4313,145 @@
           </a:bodyPr>
           <a:lstStyle/>
           <a:p>
-            <a:r>
-              <a:rPr lang="en-US" dirty="0" smtClean="0"/>
-              <a:t>Team Octopus</a:t>
-            </a:r>
+            <a:pPr marL="285750" indent="-285750">
+              <a:buFont typeface="Arial" panose="020B0604020202020204" pitchFamily="34" charset="0"/>
+              <a:buChar char="•"/>
+            </a:pPr>
+            <a:r>
+              <a:rPr lang="en-US" dirty="0" smtClean="0"/>
+              <a:t>Tasks</a:t>
+            </a:r>
+          </a:p>
+          <a:p>
+            <a:pPr marL="742950" lvl="1" indent="-285750">
+              <a:buFont typeface="Arial" panose="020B0604020202020204" pitchFamily="34" charset="0"/>
+              <a:buChar char="•"/>
+            </a:pPr>
+            <a:r>
+              <a:rPr lang="en-US" dirty="0" smtClean="0"/>
+              <a:t>Logging in</a:t>
+            </a:r>
+          </a:p>
+          <a:p>
+            <a:pPr marL="742950" lvl="1" indent="-285750">
+              <a:buFont typeface="Arial" panose="020B0604020202020204" pitchFamily="34" charset="0"/>
+              <a:buChar char="•"/>
+            </a:pPr>
+            <a:r>
+              <a:rPr lang="en-US" dirty="0" smtClean="0"/>
+              <a:t>Searching</a:t>
+            </a:r>
+          </a:p>
+          <a:p>
+            <a:pPr marL="742950" lvl="1" indent="-285750">
+              <a:buFont typeface="Arial" panose="020B0604020202020204" pitchFamily="34" charset="0"/>
+              <a:buChar char="•"/>
+            </a:pPr>
+            <a:r>
+              <a:rPr lang="en-US" dirty="0" smtClean="0"/>
+              <a:t>Look up trending items</a:t>
+            </a:r>
+          </a:p>
+          <a:p>
+            <a:pPr marL="742950" lvl="1" indent="-285750">
+              <a:buFont typeface="Arial" panose="020B0604020202020204" pitchFamily="34" charset="0"/>
+              <a:buChar char="•"/>
+            </a:pPr>
+            <a:r>
+              <a:rPr lang="en-US" dirty="0" smtClean="0"/>
+              <a:t>View favorites</a:t>
+            </a:r>
+          </a:p>
+          <a:p>
+            <a:pPr marL="742950" lvl="1" indent="-285750">
+              <a:buFont typeface="Arial" panose="020B0604020202020204" pitchFamily="34" charset="0"/>
+              <a:buChar char="•"/>
+            </a:pPr>
+            <a:r>
+              <a:rPr lang="en-US" dirty="0" smtClean="0"/>
+              <a:t>Look up a sports team</a:t>
+            </a:r>
+          </a:p>
+          <a:p>
+            <a:pPr marL="742950" lvl="1" indent="-285750">
+              <a:buFont typeface="Arial" panose="020B0604020202020204" pitchFamily="34" charset="0"/>
+              <a:buChar char="•"/>
+            </a:pPr>
+            <a:r>
+              <a:rPr lang="en-US" dirty="0" smtClean="0"/>
+              <a:t>See theater show times</a:t>
+            </a:r>
+          </a:p>
+          <a:p>
+            <a:pPr lvl="1"/>
+            <a:endParaRPr lang="en-US" dirty="0" smtClean="0"/>
+          </a:p>
+          <a:p>
+            <a:pPr marL="285750" indent="-285750">
+              <a:buFont typeface="Arial" panose="020B0604020202020204" pitchFamily="34" charset="0"/>
+              <a:buChar char="•"/>
+            </a:pPr>
+            <a:r>
+              <a:rPr lang="en-US" dirty="0" smtClean="0"/>
+              <a:t>Questions</a:t>
+            </a:r>
+          </a:p>
+          <a:p>
+            <a:pPr marL="742950" lvl="1" indent="-285750">
+              <a:buFont typeface="Arial" panose="020B0604020202020204" pitchFamily="34" charset="0"/>
+              <a:buChar char="•"/>
+            </a:pPr>
+            <a:r>
+              <a:rPr lang="en-US" dirty="0" smtClean="0"/>
+              <a:t>Task follow-ups</a:t>
+            </a:r>
+          </a:p>
+          <a:p>
+            <a:pPr marL="742950" lvl="1" indent="-285750">
+              <a:buFont typeface="Arial" panose="020B0604020202020204" pitchFamily="34" charset="0"/>
+              <a:buChar char="•"/>
+            </a:pPr>
+            <a:r>
+              <a:rPr lang="en-US" dirty="0" smtClean="0"/>
+              <a:t>Colors</a:t>
+            </a:r>
+          </a:p>
+          <a:p>
+            <a:pPr marL="742950" lvl="1" indent="-285750">
+              <a:buFont typeface="Arial" panose="020B0604020202020204" pitchFamily="34" charset="0"/>
+              <a:buChar char="•"/>
+            </a:pPr>
+            <a:r>
+              <a:rPr lang="en-US" dirty="0" smtClean="0"/>
+              <a:t>Layout</a:t>
+            </a:r>
+          </a:p>
+          <a:p>
+            <a:pPr lvl="1"/>
+            <a:endParaRPr lang="en-US" dirty="0" smtClean="0"/>
+          </a:p>
+          <a:p>
+            <a:pPr marL="285750" indent="-285750">
+              <a:buFont typeface="Arial" panose="020B0604020202020204" pitchFamily="34" charset="0"/>
+              <a:buChar char="•"/>
+            </a:pPr>
+            <a:r>
+              <a:rPr lang="en-US" dirty="0" smtClean="0"/>
+              <a:t>Easy to navigate</a:t>
+            </a:r>
+          </a:p>
+          <a:p>
+            <a:pPr marL="742950" lvl="1" indent="-285750">
+              <a:buFont typeface="Arial" panose="020B0604020202020204" pitchFamily="34" charset="0"/>
+              <a:buChar char="•"/>
+            </a:pPr>
+            <a:endParaRPr lang="en-US" dirty="0" smtClean="0"/>
+          </a:p>
+          <a:p>
+            <a:pPr marL="285750" indent="-285750">
+              <a:buFont typeface="Arial" panose="020B0604020202020204" pitchFamily="34" charset="0"/>
+              <a:buChar char="•"/>
+            </a:pPr>
             <a:endParaRPr lang="en-US" dirty="0"/>
           </a:p>
         </p:txBody>
@@ -4665,8 +4464,8 @@
         </p:nvSpPr>
         <p:spPr>
           <a:xfrm>
-            <a:off x="4729586" y="6363222"/>
-            <a:ext cx="2732827" cy="369332"/>
+            <a:off x="838200" y="6363222"/>
+            <a:ext cx="1591358" cy="369332"/>
           </a:xfrm>
           <a:prstGeom prst="rect">
             <a:avLst/>
@@ -4681,15 +4480,7 @@
           <a:p>
             <a:r>
               <a:rPr lang="en-US" dirty="0" smtClean="0"/>
-              <a:t>High</a:t>
-            </a:r>
-            <a:r>
-              <a:rPr lang="en-US" dirty="0" smtClean="0"/>
-              <a:t>-Fidelity </a:t>
-            </a:r>
-            <a:r>
-              <a:rPr lang="en-US" dirty="0" smtClean="0"/>
-              <a:t>Prototype</a:t>
+              <a:t>Team Octopus</a:t>
             </a:r>
             <a:endParaRPr lang="en-US" dirty="0"/>
           </a:p>
@@ -4703,8 +4494,8 @@
         </p:nvSpPr>
         <p:spPr>
           <a:xfrm>
-            <a:off x="8415555" y="6363222"/>
-            <a:ext cx="3062341" cy="369332"/>
+            <a:off x="4729586" y="6363222"/>
+            <a:ext cx="2732827" cy="369332"/>
           </a:xfrm>
           <a:prstGeom prst="rect">
             <a:avLst/>
@@ -4719,11 +4510,511 @@
           <a:p>
             <a:r>
               <a:rPr lang="en-US" dirty="0" smtClean="0"/>
-              <a:t>Team Member: </a:t>
-            </a:r>
-            <a:r>
-              <a:rPr lang="en-US" dirty="0" smtClean="0"/>
-              <a:t>Jack Flowers</a:t>
+              <a:t>High-Fidelity Prototype</a:t>
+            </a:r>
+            <a:endParaRPr lang="en-US" dirty="0"/>
+          </a:p>
+        </p:txBody>
+      </p:sp>
+      <p:sp>
+        <p:nvSpPr>
+          <p:cNvPr id="8" name="TextBox 7"/>
+          <p:cNvSpPr txBox="1"/>
+          <p:nvPr/>
+        </p:nvSpPr>
+        <p:spPr>
+          <a:xfrm>
+            <a:off x="8415555" y="6363222"/>
+            <a:ext cx="3062341" cy="369332"/>
+          </a:xfrm>
+          <a:prstGeom prst="rect">
+            <a:avLst/>
+          </a:prstGeom>
+          <a:noFill/>
+        </p:spPr>
+        <p:txBody>
+          <a:bodyPr wrap="square" rtlCol="0">
+            <a:spAutoFit/>
+          </a:bodyPr>
+          <a:lstStyle/>
+          <a:p>
+            <a:r>
+              <a:rPr lang="en-US" dirty="0" smtClean="0"/>
+              <a:t>Team Member: Jack Flowers</a:t>
+            </a:r>
+            <a:endParaRPr lang="en-US" dirty="0"/>
+          </a:p>
+        </p:txBody>
+      </p:sp>
+    </p:spTree>
+    <p:extLst>
+      <p:ext uri="{BB962C8B-B14F-4D97-AF65-F5344CB8AC3E}">
+        <p14:creationId xmlns:p14="http://schemas.microsoft.com/office/powerpoint/2010/main" val="287851209"/>
+      </p:ext>
+    </p:extLst>
+  </p:cSld>
+  <p:clrMapOvr>
+    <a:masterClrMapping/>
+  </p:clrMapOvr>
+</p:sld>
+</file>
+
+<file path=ppt/slides/slide15.xml><?xml version="1.0" encoding="utf-8"?>
+<p:sld xmlns:a="http://schemas.openxmlformats.org/drawingml/2006/main" xmlns:r="http://schemas.openxmlformats.org/officeDocument/2006/relationships" xmlns:p="http://schemas.openxmlformats.org/presentationml/2006/main">
+  <p:cSld>
+    <p:spTree>
+      <p:nvGrpSpPr>
+        <p:cNvPr id="1" name=""/>
+        <p:cNvGrpSpPr/>
+        <p:nvPr/>
+      </p:nvGrpSpPr>
+      <p:grpSpPr>
+        <a:xfrm>
+          <a:off x="0" y="0"/>
+          <a:ext cx="0" cy="0"/>
+          <a:chOff x="0" y="0"/>
+          <a:chExt cx="0" cy="0"/>
+        </a:xfrm>
+      </p:grpSpPr>
+      <p:sp>
+        <p:nvSpPr>
+          <p:cNvPr id="2" name="Title 1"/>
+          <p:cNvSpPr>
+            <a:spLocks noGrp="1"/>
+          </p:cNvSpPr>
+          <p:nvPr>
+            <p:ph type="title"/>
+          </p:nvPr>
+        </p:nvSpPr>
+        <p:spPr/>
+        <p:txBody>
+          <a:bodyPr/>
+          <a:lstStyle/>
+          <a:p>
+            <a:pPr algn="ctr"/>
+            <a:r>
+              <a:rPr lang="en-US" dirty="0" smtClean="0"/>
+              <a:t>Improvements</a:t>
+            </a:r>
+            <a:endParaRPr lang="en-US" dirty="0"/>
+          </a:p>
+        </p:txBody>
+      </p:sp>
+      <p:sp>
+        <p:nvSpPr>
+          <p:cNvPr id="6" name="TextBox 5"/>
+          <p:cNvSpPr txBox="1"/>
+          <p:nvPr/>
+        </p:nvSpPr>
+        <p:spPr>
+          <a:xfrm>
+            <a:off x="8177349" y="1690688"/>
+            <a:ext cx="3176451" cy="3416320"/>
+          </a:xfrm>
+          <a:prstGeom prst="rect">
+            <a:avLst/>
+          </a:prstGeom>
+          <a:noFill/>
+        </p:spPr>
+        <p:txBody>
+          <a:bodyPr wrap="square" rtlCol="0">
+            <a:spAutoFit/>
+          </a:bodyPr>
+          <a:lstStyle/>
+          <a:p>
+            <a:pPr marL="285750" indent="-285750">
+              <a:buFont typeface="Arial" panose="020B0604020202020204" pitchFamily="34" charset="0"/>
+              <a:buChar char="•"/>
+            </a:pPr>
+            <a:r>
+              <a:rPr lang="en-US" dirty="0" smtClean="0"/>
+              <a:t>Improvements</a:t>
+            </a:r>
+          </a:p>
+          <a:p>
+            <a:endParaRPr lang="en-US" dirty="0"/>
+          </a:p>
+          <a:p>
+            <a:pPr marL="742950" lvl="1" indent="-285750">
+              <a:buFont typeface="Arial" panose="020B0604020202020204" pitchFamily="34" charset="0"/>
+              <a:buChar char="•"/>
+            </a:pPr>
+            <a:r>
+              <a:rPr lang="en-US" dirty="0"/>
+              <a:t>Color Scheme</a:t>
+            </a:r>
+          </a:p>
+          <a:p>
+            <a:pPr marL="1200150" lvl="2" indent="-285750">
+              <a:buFont typeface="Arial" panose="020B0604020202020204" pitchFamily="34" charset="0"/>
+              <a:buChar char="•"/>
+            </a:pPr>
+            <a:r>
+              <a:rPr lang="en-US" dirty="0"/>
+              <a:t>Background</a:t>
+            </a:r>
+          </a:p>
+          <a:p>
+            <a:pPr marL="1200150" lvl="2" indent="-285750">
+              <a:buFont typeface="Arial" panose="020B0604020202020204" pitchFamily="34" charset="0"/>
+              <a:buChar char="•"/>
+            </a:pPr>
+            <a:r>
+              <a:rPr lang="en-US" dirty="0" smtClean="0"/>
+              <a:t>Tables</a:t>
+            </a:r>
+          </a:p>
+          <a:p>
+            <a:pPr lvl="2"/>
+            <a:endParaRPr lang="en-US" dirty="0" smtClean="0"/>
+          </a:p>
+          <a:p>
+            <a:pPr marL="742950" lvl="1" indent="-285750">
+              <a:buFont typeface="Arial" panose="020B0604020202020204" pitchFamily="34" charset="0"/>
+              <a:buChar char="•"/>
+            </a:pPr>
+            <a:r>
+              <a:rPr lang="en-US" dirty="0" smtClean="0"/>
+              <a:t>Page layouts</a:t>
+            </a:r>
+          </a:p>
+          <a:p>
+            <a:pPr marL="1200150" lvl="2" indent="-285750">
+              <a:buFont typeface="Arial" panose="020B0604020202020204" pitchFamily="34" charset="0"/>
+              <a:buChar char="•"/>
+            </a:pPr>
+            <a:r>
+              <a:rPr lang="en-US" dirty="0" smtClean="0"/>
+              <a:t>Sports page</a:t>
+            </a:r>
+          </a:p>
+          <a:p>
+            <a:pPr marL="1200150" lvl="2" indent="-285750">
+              <a:buFont typeface="Arial" panose="020B0604020202020204" pitchFamily="34" charset="0"/>
+              <a:buChar char="•"/>
+            </a:pPr>
+            <a:r>
+              <a:rPr lang="en-US" dirty="0" smtClean="0"/>
+              <a:t>Home page</a:t>
+            </a:r>
+          </a:p>
+          <a:p>
+            <a:pPr marL="1200150" lvl="2" indent="-285750">
+              <a:buFont typeface="Arial" panose="020B0604020202020204" pitchFamily="34" charset="0"/>
+              <a:buChar char="•"/>
+            </a:pPr>
+            <a:r>
+              <a:rPr lang="en-US" dirty="0"/>
+              <a:t>Info </a:t>
+            </a:r>
+            <a:r>
+              <a:rPr lang="en-US" dirty="0" smtClean="0"/>
+              <a:t>page</a:t>
+            </a:r>
+          </a:p>
+          <a:p>
+            <a:pPr marL="742950" lvl="1" indent="-285750">
+              <a:buFont typeface="Arial" panose="020B0604020202020204" pitchFamily="34" charset="0"/>
+              <a:buChar char="•"/>
+            </a:pPr>
+            <a:endParaRPr lang="en-US" dirty="0" smtClean="0"/>
+          </a:p>
+          <a:p>
+            <a:pPr marL="285750" indent="-285750">
+              <a:buFont typeface="Arial" panose="020B0604020202020204" pitchFamily="34" charset="0"/>
+              <a:buChar char="•"/>
+            </a:pPr>
+            <a:endParaRPr lang="en-US" dirty="0"/>
+          </a:p>
+        </p:txBody>
+      </p:sp>
+      <p:pic>
+        <p:nvPicPr>
+          <p:cNvPr id="13" name="Content Placeholder 12"/>
+          <p:cNvPicPr>
+            <a:picLocks noGrp="1" noChangeAspect="1"/>
+          </p:cNvPicPr>
+          <p:nvPr>
+            <p:ph idx="1"/>
+          </p:nvPr>
+        </p:nvPicPr>
+        <p:blipFill>
+          <a:blip r:embed="rId2">
+            <a:extLst>
+              <a:ext uri="{28A0092B-C50C-407E-A947-70E740481C1C}">
+                <a14:useLocalDpi xmlns:a14="http://schemas.microsoft.com/office/drawing/2010/main" val="0"/>
+              </a:ext>
+            </a:extLst>
+          </a:blip>
+          <a:stretch>
+            <a:fillRect/>
+          </a:stretch>
+        </p:blipFill>
+        <p:spPr>
+          <a:xfrm>
+            <a:off x="838200" y="1690688"/>
+            <a:ext cx="6093777" cy="4351338"/>
+          </a:xfrm>
+        </p:spPr>
+      </p:pic>
+      <p:sp>
+        <p:nvSpPr>
+          <p:cNvPr id="14" name="TextBox 13"/>
+          <p:cNvSpPr txBox="1"/>
+          <p:nvPr/>
+        </p:nvSpPr>
+        <p:spPr>
+          <a:xfrm>
+            <a:off x="838200" y="6363222"/>
+            <a:ext cx="1591358" cy="369332"/>
+          </a:xfrm>
+          <a:prstGeom prst="rect">
+            <a:avLst/>
+          </a:prstGeom>
+          <a:noFill/>
+        </p:spPr>
+        <p:txBody>
+          <a:bodyPr wrap="square" rtlCol="0">
+            <a:spAutoFit/>
+          </a:bodyPr>
+          <a:lstStyle/>
+          <a:p>
+            <a:r>
+              <a:rPr lang="en-US" dirty="0" smtClean="0"/>
+              <a:t>Team Octopus</a:t>
+            </a:r>
+            <a:endParaRPr lang="en-US" dirty="0"/>
+          </a:p>
+        </p:txBody>
+      </p:sp>
+      <p:sp>
+        <p:nvSpPr>
+          <p:cNvPr id="16" name="TextBox 15"/>
+          <p:cNvSpPr txBox="1"/>
+          <p:nvPr/>
+        </p:nvSpPr>
+        <p:spPr>
+          <a:xfrm>
+            <a:off x="4729586" y="6363222"/>
+            <a:ext cx="2732827" cy="369332"/>
+          </a:xfrm>
+          <a:prstGeom prst="rect">
+            <a:avLst/>
+          </a:prstGeom>
+          <a:noFill/>
+        </p:spPr>
+        <p:txBody>
+          <a:bodyPr wrap="square" rtlCol="0">
+            <a:spAutoFit/>
+          </a:bodyPr>
+          <a:lstStyle/>
+          <a:p>
+            <a:r>
+              <a:rPr lang="en-US" dirty="0" smtClean="0"/>
+              <a:t>High-Fidelity Prototype</a:t>
+            </a:r>
+            <a:endParaRPr lang="en-US" dirty="0"/>
+          </a:p>
+        </p:txBody>
+      </p:sp>
+      <p:sp>
+        <p:nvSpPr>
+          <p:cNvPr id="17" name="TextBox 16"/>
+          <p:cNvSpPr txBox="1"/>
+          <p:nvPr/>
+        </p:nvSpPr>
+        <p:spPr>
+          <a:xfrm>
+            <a:off x="8415555" y="6363222"/>
+            <a:ext cx="3062341" cy="369332"/>
+          </a:xfrm>
+          <a:prstGeom prst="rect">
+            <a:avLst/>
+          </a:prstGeom>
+          <a:noFill/>
+        </p:spPr>
+        <p:txBody>
+          <a:bodyPr wrap="square" rtlCol="0">
+            <a:spAutoFit/>
+          </a:bodyPr>
+          <a:lstStyle/>
+          <a:p>
+            <a:r>
+              <a:rPr lang="en-US" dirty="0" smtClean="0"/>
+              <a:t>Team Member: Jack Flowers</a:t>
+            </a:r>
+            <a:endParaRPr lang="en-US" dirty="0"/>
+          </a:p>
+        </p:txBody>
+      </p:sp>
+    </p:spTree>
+    <p:extLst>
+      <p:ext uri="{BB962C8B-B14F-4D97-AF65-F5344CB8AC3E}">
+        <p14:creationId xmlns:p14="http://schemas.microsoft.com/office/powerpoint/2010/main" val="2559821288"/>
+      </p:ext>
+    </p:extLst>
+  </p:cSld>
+  <p:clrMapOvr>
+    <a:masterClrMapping/>
+  </p:clrMapOvr>
+</p:sld>
+</file>
+
+<file path=ppt/slides/slide16.xml><?xml version="1.0" encoding="utf-8"?>
+<p:sld xmlns:a="http://schemas.openxmlformats.org/drawingml/2006/main" xmlns:r="http://schemas.openxmlformats.org/officeDocument/2006/relationships" xmlns:p="http://schemas.openxmlformats.org/presentationml/2006/main">
+  <p:cSld>
+    <p:spTree>
+      <p:nvGrpSpPr>
+        <p:cNvPr id="1" name=""/>
+        <p:cNvGrpSpPr/>
+        <p:nvPr/>
+      </p:nvGrpSpPr>
+      <p:grpSpPr>
+        <a:xfrm>
+          <a:off x="0" y="0"/>
+          <a:ext cx="0" cy="0"/>
+          <a:chOff x="0" y="0"/>
+          <a:chExt cx="0" cy="0"/>
+        </a:xfrm>
+      </p:grpSpPr>
+      <p:sp>
+        <p:nvSpPr>
+          <p:cNvPr id="2" name="Title 1"/>
+          <p:cNvSpPr>
+            <a:spLocks noGrp="1"/>
+          </p:cNvSpPr>
+          <p:nvPr>
+            <p:ph type="title"/>
+          </p:nvPr>
+        </p:nvSpPr>
+        <p:spPr/>
+        <p:txBody>
+          <a:bodyPr/>
+          <a:lstStyle/>
+          <a:p>
+            <a:pPr algn="ctr"/>
+            <a:r>
+              <a:rPr lang="en-US" dirty="0" smtClean="0"/>
+              <a:t>Info Page</a:t>
+            </a:r>
+            <a:endParaRPr lang="en-US" dirty="0"/>
+          </a:p>
+        </p:txBody>
+      </p:sp>
+      <p:pic>
+        <p:nvPicPr>
+          <p:cNvPr id="4" name="Content Placeholder 3"/>
+          <p:cNvPicPr>
+            <a:picLocks noGrp="1" noChangeAspect="1"/>
+          </p:cNvPicPr>
+          <p:nvPr>
+            <p:ph idx="1"/>
+          </p:nvPr>
+        </p:nvPicPr>
+        <p:blipFill>
+          <a:blip r:embed="rId2">
+            <a:extLst>
+              <a:ext uri="{28A0092B-C50C-407E-A947-70E740481C1C}">
+                <a14:useLocalDpi xmlns:a14="http://schemas.microsoft.com/office/drawing/2010/main" val="0"/>
+              </a:ext>
+            </a:extLst>
+          </a:blip>
+          <a:stretch>
+            <a:fillRect/>
+          </a:stretch>
+        </p:blipFill>
+        <p:spPr>
+          <a:xfrm>
+            <a:off x="2717074" y="1825625"/>
+            <a:ext cx="6130836" cy="4351338"/>
+          </a:xfrm>
+        </p:spPr>
+      </p:pic>
+      <p:sp>
+        <p:nvSpPr>
+          <p:cNvPr id="5" name="TextBox 4"/>
+          <p:cNvSpPr txBox="1"/>
+          <p:nvPr/>
+        </p:nvSpPr>
+        <p:spPr>
+          <a:xfrm>
+            <a:off x="838200" y="6363222"/>
+            <a:ext cx="1591358" cy="369332"/>
+          </a:xfrm>
+          <a:prstGeom prst="rect">
+            <a:avLst/>
+          </a:prstGeom>
+          <a:noFill/>
+        </p:spPr>
+        <p:txBody>
+          <a:bodyPr wrap="square" rtlCol="0">
+            <a:spAutoFit/>
+          </a:bodyPr>
+          <a:lstStyle/>
+          <a:p>
+            <a:r>
+              <a:rPr lang="en-US" dirty="0" smtClean="0"/>
+              <a:t>Team Octopus</a:t>
+            </a:r>
+            <a:endParaRPr lang="en-US" dirty="0"/>
+          </a:p>
+        </p:txBody>
+      </p:sp>
+      <p:sp>
+        <p:nvSpPr>
+          <p:cNvPr id="6" name="TextBox 5"/>
+          <p:cNvSpPr txBox="1"/>
+          <p:nvPr/>
+        </p:nvSpPr>
+        <p:spPr>
+          <a:xfrm>
+            <a:off x="4729586" y="6363222"/>
+            <a:ext cx="2732827" cy="369332"/>
+          </a:xfrm>
+          <a:prstGeom prst="rect">
+            <a:avLst/>
+          </a:prstGeom>
+          <a:noFill/>
+        </p:spPr>
+        <p:txBody>
+          <a:bodyPr wrap="square" rtlCol="0">
+            <a:spAutoFit/>
+          </a:bodyPr>
+          <a:lstStyle/>
+          <a:p>
+            <a:r>
+              <a:rPr lang="en-US" dirty="0" smtClean="0"/>
+              <a:t>High-Fidelity Prototype</a:t>
+            </a:r>
+            <a:endParaRPr lang="en-US" dirty="0"/>
+          </a:p>
+        </p:txBody>
+      </p:sp>
+      <p:sp>
+        <p:nvSpPr>
+          <p:cNvPr id="7" name="TextBox 6"/>
+          <p:cNvSpPr txBox="1"/>
+          <p:nvPr/>
+        </p:nvSpPr>
+        <p:spPr>
+          <a:xfrm>
+            <a:off x="8415555" y="6363222"/>
+            <a:ext cx="3062341" cy="369332"/>
+          </a:xfrm>
+          <a:prstGeom prst="rect">
+            <a:avLst/>
+          </a:prstGeom>
+          <a:noFill/>
+        </p:spPr>
+        <p:txBody>
+          <a:bodyPr wrap="square" rtlCol="0">
+            <a:spAutoFit/>
+          </a:bodyPr>
+          <a:lstStyle/>
+          <a:p>
+            <a:r>
+              <a:rPr lang="en-US" dirty="0" smtClean="0"/>
+              <a:t>Team Member: Jack Flowers</a:t>
             </a:r>
             <a:endParaRPr lang="en-US" dirty="0"/>
           </a:p>
@@ -4739,6 +5030,625 @@
   <p:clrMapOvr>
     <a:masterClrMapping/>
   </p:clrMapOvr>
+</p:sld>
+</file>
+
+<file path=ppt/slides/slide17.xml><?xml version="1.0" encoding="utf-8"?>
+<p:sld xmlns:a="http://schemas.openxmlformats.org/drawingml/2006/main" xmlns:r="http://schemas.openxmlformats.org/officeDocument/2006/relationships" xmlns:p="http://schemas.openxmlformats.org/presentationml/2006/main">
+  <p:cSld>
+    <p:spTree>
+      <p:nvGrpSpPr>
+        <p:cNvPr id="1" name=""/>
+        <p:cNvGrpSpPr/>
+        <p:nvPr/>
+      </p:nvGrpSpPr>
+      <p:grpSpPr>
+        <a:xfrm>
+          <a:off x="0" y="0"/>
+          <a:ext cx="0" cy="0"/>
+          <a:chOff x="0" y="0"/>
+          <a:chExt cx="0" cy="0"/>
+        </a:xfrm>
+      </p:grpSpPr>
+      <p:sp>
+        <p:nvSpPr>
+          <p:cNvPr id="2" name="Title 1"/>
+          <p:cNvSpPr>
+            <a:spLocks noGrp="1"/>
+          </p:cNvSpPr>
+          <p:nvPr>
+            <p:ph type="title"/>
+          </p:nvPr>
+        </p:nvSpPr>
+        <p:spPr/>
+        <p:txBody>
+          <a:bodyPr/>
+          <a:lstStyle/>
+          <a:p>
+            <a:r>
+              <a:rPr lang="en-US" dirty="0" smtClean="0"/>
+              <a:t>Fully Functional TV Guide</a:t>
+            </a:r>
+            <a:endParaRPr lang="en-US" dirty="0"/>
+          </a:p>
+        </p:txBody>
+      </p:sp>
+      <p:sp>
+        <p:nvSpPr>
+          <p:cNvPr id="4" name="TextBox 3"/>
+          <p:cNvSpPr txBox="1"/>
+          <p:nvPr/>
+        </p:nvSpPr>
+        <p:spPr>
+          <a:xfrm>
+            <a:off x="838200" y="6363222"/>
+            <a:ext cx="1591358" cy="369332"/>
+          </a:xfrm>
+          <a:prstGeom prst="rect">
+            <a:avLst/>
+          </a:prstGeom>
+          <a:noFill/>
+        </p:spPr>
+        <p:txBody>
+          <a:bodyPr wrap="square" rtlCol="0">
+            <a:spAutoFit/>
+          </a:bodyPr>
+          <a:lstStyle/>
+          <a:p>
+            <a:r>
+              <a:rPr lang="en-US" dirty="0" smtClean="0"/>
+              <a:t>Team Octopus</a:t>
+            </a:r>
+            <a:endParaRPr lang="en-US" dirty="0"/>
+          </a:p>
+        </p:txBody>
+      </p:sp>
+      <p:sp>
+        <p:nvSpPr>
+          <p:cNvPr id="5" name="TextBox 4"/>
+          <p:cNvSpPr txBox="1"/>
+          <p:nvPr/>
+        </p:nvSpPr>
+        <p:spPr>
+          <a:xfrm>
+            <a:off x="4842456" y="6363222"/>
+            <a:ext cx="2343955" cy="369332"/>
+          </a:xfrm>
+          <a:prstGeom prst="rect">
+            <a:avLst/>
+          </a:prstGeom>
+          <a:noFill/>
+        </p:spPr>
+        <p:txBody>
+          <a:bodyPr wrap="square" rtlCol="0">
+            <a:spAutoFit/>
+          </a:bodyPr>
+          <a:lstStyle/>
+          <a:p>
+            <a:r>
+              <a:rPr lang="en-US" dirty="0" smtClean="0"/>
+              <a:t>Final Implementation</a:t>
+            </a:r>
+            <a:endParaRPr lang="en-US" dirty="0"/>
+          </a:p>
+        </p:txBody>
+      </p:sp>
+      <p:sp>
+        <p:nvSpPr>
+          <p:cNvPr id="6" name="TextBox 5"/>
+          <p:cNvSpPr txBox="1"/>
+          <p:nvPr/>
+        </p:nvSpPr>
+        <p:spPr>
+          <a:xfrm>
+            <a:off x="8415556" y="6363222"/>
+            <a:ext cx="2693770" cy="369332"/>
+          </a:xfrm>
+          <a:prstGeom prst="rect">
+            <a:avLst/>
+          </a:prstGeom>
+          <a:noFill/>
+        </p:spPr>
+        <p:txBody>
+          <a:bodyPr wrap="square" rtlCol="0">
+            <a:spAutoFit/>
+          </a:bodyPr>
+          <a:lstStyle/>
+          <a:p>
+            <a:r>
+              <a:rPr lang="en-US" dirty="0" smtClean="0"/>
+              <a:t>Team Member: </a:t>
+            </a:r>
+            <a:r>
+              <a:rPr lang="en-US" dirty="0" smtClean="0"/>
+              <a:t>Jake King</a:t>
+            </a:r>
+            <a:endParaRPr lang="en-US" dirty="0"/>
+          </a:p>
+        </p:txBody>
+      </p:sp>
+      <p:pic>
+        <p:nvPicPr>
+          <p:cNvPr id="9" name="Content Placeholder 8"/>
+          <p:cNvPicPr>
+            <a:picLocks noGrp="1" noChangeAspect="1"/>
+          </p:cNvPicPr>
+          <p:nvPr>
+            <p:ph idx="1"/>
+          </p:nvPr>
+        </p:nvPicPr>
+        <p:blipFill>
+          <a:blip r:embed="rId2">
+            <a:extLst>
+              <a:ext uri="{28A0092B-C50C-407E-A947-70E740481C1C}">
+                <a14:useLocalDpi xmlns:a14="http://schemas.microsoft.com/office/drawing/2010/main" val="0"/>
+              </a:ext>
+            </a:extLst>
+          </a:blip>
+          <a:stretch>
+            <a:fillRect/>
+          </a:stretch>
+        </p:blipFill>
+        <p:spPr>
+          <a:xfrm>
+            <a:off x="838200" y="1898997"/>
+            <a:ext cx="10515600" cy="4204594"/>
+          </a:xfrm>
+        </p:spPr>
+      </p:pic>
+    </p:spTree>
+    <p:extLst>
+      <p:ext uri="{BB962C8B-B14F-4D97-AF65-F5344CB8AC3E}">
+        <p14:creationId xmlns:p14="http://schemas.microsoft.com/office/powerpoint/2010/main" val="3287144805"/>
+      </p:ext>
+    </p:extLst>
+  </p:cSld>
+  <p:clrMapOvr>
+    <a:masterClrMapping/>
+  </p:clrMapOvr>
+  <p:timing>
+    <p:tnLst>
+      <p:par>
+        <p:cTn id="1" dur="indefinite" restart="never" nodeType="tmRoot"/>
+      </p:par>
+    </p:tnLst>
+  </p:timing>
+</p:sld>
+</file>
+
+<file path=ppt/slides/slide18.xml><?xml version="1.0" encoding="utf-8"?>
+<p:sld xmlns:a="http://schemas.openxmlformats.org/drawingml/2006/main" xmlns:r="http://schemas.openxmlformats.org/officeDocument/2006/relationships" xmlns:p="http://schemas.openxmlformats.org/presentationml/2006/main">
+  <p:cSld>
+    <p:spTree>
+      <p:nvGrpSpPr>
+        <p:cNvPr id="1" name=""/>
+        <p:cNvGrpSpPr/>
+        <p:nvPr/>
+      </p:nvGrpSpPr>
+      <p:grpSpPr>
+        <a:xfrm>
+          <a:off x="0" y="0"/>
+          <a:ext cx="0" cy="0"/>
+          <a:chOff x="0" y="0"/>
+          <a:chExt cx="0" cy="0"/>
+        </a:xfrm>
+      </p:grpSpPr>
+      <p:sp>
+        <p:nvSpPr>
+          <p:cNvPr id="2" name="Title 1"/>
+          <p:cNvSpPr>
+            <a:spLocks noGrp="1"/>
+          </p:cNvSpPr>
+          <p:nvPr>
+            <p:ph type="title"/>
+          </p:nvPr>
+        </p:nvSpPr>
+        <p:spPr>
+          <a:xfrm>
+            <a:off x="756633" y="-230188"/>
+            <a:ext cx="10515600" cy="1325563"/>
+          </a:xfrm>
+        </p:spPr>
+        <p:txBody>
+          <a:bodyPr/>
+          <a:lstStyle/>
+          <a:p>
+            <a:r>
+              <a:rPr lang="en-US" dirty="0" smtClean="0"/>
+              <a:t>Login Page / Navigation page</a:t>
+            </a:r>
+            <a:endParaRPr lang="en-US" dirty="0"/>
+          </a:p>
+        </p:txBody>
+      </p:sp>
+      <p:pic>
+        <p:nvPicPr>
+          <p:cNvPr id="7" name="Content Placeholder 6"/>
+          <p:cNvPicPr>
+            <a:picLocks noGrp="1" noChangeAspect="1"/>
+          </p:cNvPicPr>
+          <p:nvPr>
+            <p:ph idx="1"/>
+          </p:nvPr>
+        </p:nvPicPr>
+        <p:blipFill>
+          <a:blip r:embed="rId2">
+            <a:extLst>
+              <a:ext uri="{28A0092B-C50C-407E-A947-70E740481C1C}">
+                <a14:useLocalDpi xmlns:a14="http://schemas.microsoft.com/office/drawing/2010/main" val="0"/>
+              </a:ext>
+            </a:extLst>
+          </a:blip>
+          <a:stretch>
+            <a:fillRect/>
+          </a:stretch>
+        </p:blipFill>
+        <p:spPr>
+          <a:xfrm>
+            <a:off x="989916" y="932883"/>
+            <a:ext cx="8772525" cy="485775"/>
+          </a:xfrm>
+        </p:spPr>
+      </p:pic>
+      <p:sp>
+        <p:nvSpPr>
+          <p:cNvPr id="4" name="TextBox 3"/>
+          <p:cNvSpPr txBox="1"/>
+          <p:nvPr/>
+        </p:nvSpPr>
+        <p:spPr>
+          <a:xfrm>
+            <a:off x="838200" y="6363222"/>
+            <a:ext cx="1591358" cy="369332"/>
+          </a:xfrm>
+          <a:prstGeom prst="rect">
+            <a:avLst/>
+          </a:prstGeom>
+          <a:noFill/>
+        </p:spPr>
+        <p:txBody>
+          <a:bodyPr wrap="square" rtlCol="0">
+            <a:spAutoFit/>
+          </a:bodyPr>
+          <a:lstStyle/>
+          <a:p>
+            <a:r>
+              <a:rPr lang="en-US" dirty="0" smtClean="0"/>
+              <a:t>Team Octopus</a:t>
+            </a:r>
+            <a:endParaRPr lang="en-US" dirty="0"/>
+          </a:p>
+        </p:txBody>
+      </p:sp>
+      <p:sp>
+        <p:nvSpPr>
+          <p:cNvPr id="5" name="TextBox 4"/>
+          <p:cNvSpPr txBox="1"/>
+          <p:nvPr/>
+        </p:nvSpPr>
+        <p:spPr>
+          <a:xfrm>
+            <a:off x="4842456" y="6363222"/>
+            <a:ext cx="2343955" cy="369332"/>
+          </a:xfrm>
+          <a:prstGeom prst="rect">
+            <a:avLst/>
+          </a:prstGeom>
+          <a:noFill/>
+        </p:spPr>
+        <p:txBody>
+          <a:bodyPr wrap="square" rtlCol="0">
+            <a:spAutoFit/>
+          </a:bodyPr>
+          <a:lstStyle/>
+          <a:p>
+            <a:r>
+              <a:rPr lang="en-US" dirty="0" smtClean="0"/>
+              <a:t>Final Implementation</a:t>
+            </a:r>
+            <a:endParaRPr lang="en-US" dirty="0"/>
+          </a:p>
+        </p:txBody>
+      </p:sp>
+      <p:sp>
+        <p:nvSpPr>
+          <p:cNvPr id="6" name="TextBox 5"/>
+          <p:cNvSpPr txBox="1"/>
+          <p:nvPr/>
+        </p:nvSpPr>
+        <p:spPr>
+          <a:xfrm>
+            <a:off x="8415556" y="6363222"/>
+            <a:ext cx="2693770" cy="369332"/>
+          </a:xfrm>
+          <a:prstGeom prst="rect">
+            <a:avLst/>
+          </a:prstGeom>
+          <a:noFill/>
+        </p:spPr>
+        <p:txBody>
+          <a:bodyPr wrap="square" rtlCol="0">
+            <a:spAutoFit/>
+          </a:bodyPr>
+          <a:lstStyle/>
+          <a:p>
+            <a:r>
+              <a:rPr lang="en-US" dirty="0" smtClean="0"/>
+              <a:t>Team Member: </a:t>
+            </a:r>
+            <a:r>
+              <a:rPr lang="en-US" dirty="0" smtClean="0"/>
+              <a:t>Jake King</a:t>
+            </a:r>
+            <a:endParaRPr lang="en-US" dirty="0"/>
+          </a:p>
+        </p:txBody>
+      </p:sp>
+      <p:pic>
+        <p:nvPicPr>
+          <p:cNvPr id="8" name="Picture 7"/>
+          <p:cNvPicPr>
+            <a:picLocks noChangeAspect="1"/>
+          </p:cNvPicPr>
+          <p:nvPr/>
+        </p:nvPicPr>
+        <p:blipFill>
+          <a:blip r:embed="rId3">
+            <a:extLst>
+              <a:ext uri="{28A0092B-C50C-407E-A947-70E740481C1C}">
+                <a14:useLocalDpi xmlns:a14="http://schemas.microsoft.com/office/drawing/2010/main" val="0"/>
+              </a:ext>
+            </a:extLst>
+          </a:blip>
+          <a:stretch>
+            <a:fillRect/>
+          </a:stretch>
+        </p:blipFill>
+        <p:spPr>
+          <a:xfrm>
+            <a:off x="989915" y="5324248"/>
+            <a:ext cx="8772525" cy="447675"/>
+          </a:xfrm>
+          <a:prstGeom prst="rect">
+            <a:avLst/>
+          </a:prstGeom>
+        </p:spPr>
+      </p:pic>
+      <p:pic>
+        <p:nvPicPr>
+          <p:cNvPr id="9" name="Picture 8"/>
+          <p:cNvPicPr>
+            <a:picLocks noChangeAspect="1"/>
+          </p:cNvPicPr>
+          <p:nvPr/>
+        </p:nvPicPr>
+        <p:blipFill>
+          <a:blip r:embed="rId4">
+            <a:extLst>
+              <a:ext uri="{28A0092B-C50C-407E-A947-70E740481C1C}">
+                <a14:useLocalDpi xmlns:a14="http://schemas.microsoft.com/office/drawing/2010/main" val="0"/>
+              </a:ext>
+            </a:extLst>
+          </a:blip>
+          <a:stretch>
+            <a:fillRect/>
+          </a:stretch>
+        </p:blipFill>
+        <p:spPr>
+          <a:xfrm>
+            <a:off x="2491803" y="1624427"/>
+            <a:ext cx="5768749" cy="3494051"/>
+          </a:xfrm>
+          <a:prstGeom prst="rect">
+            <a:avLst/>
+          </a:prstGeom>
+        </p:spPr>
+      </p:pic>
+    </p:spTree>
+    <p:extLst>
+      <p:ext uri="{BB962C8B-B14F-4D97-AF65-F5344CB8AC3E}">
+        <p14:creationId xmlns:p14="http://schemas.microsoft.com/office/powerpoint/2010/main" val="2532751163"/>
+      </p:ext>
+    </p:extLst>
+  </p:cSld>
+  <p:clrMapOvr>
+    <a:masterClrMapping/>
+  </p:clrMapOvr>
+  <p:timing>
+    <p:tnLst>
+      <p:par>
+        <p:cTn id="1" dur="indefinite" restart="never" nodeType="tmRoot"/>
+      </p:par>
+    </p:tnLst>
+  </p:timing>
+</p:sld>
+</file>
+
+<file path=ppt/slides/slide19.xml><?xml version="1.0" encoding="utf-8"?>
+<p:sld xmlns:a="http://schemas.openxmlformats.org/drawingml/2006/main" xmlns:r="http://schemas.openxmlformats.org/officeDocument/2006/relationships" xmlns:p="http://schemas.openxmlformats.org/presentationml/2006/main">
+  <p:cSld>
+    <p:spTree>
+      <p:nvGrpSpPr>
+        <p:cNvPr id="1" name=""/>
+        <p:cNvGrpSpPr/>
+        <p:nvPr/>
+      </p:nvGrpSpPr>
+      <p:grpSpPr>
+        <a:xfrm>
+          <a:off x="0" y="0"/>
+          <a:ext cx="0" cy="0"/>
+          <a:chOff x="0" y="0"/>
+          <a:chExt cx="0" cy="0"/>
+        </a:xfrm>
+      </p:grpSpPr>
+      <p:sp>
+        <p:nvSpPr>
+          <p:cNvPr id="2" name="Title 1"/>
+          <p:cNvSpPr>
+            <a:spLocks noGrp="1"/>
+          </p:cNvSpPr>
+          <p:nvPr>
+            <p:ph type="title"/>
+          </p:nvPr>
+        </p:nvSpPr>
+        <p:spPr>
+          <a:xfrm>
+            <a:off x="838200" y="-297657"/>
+            <a:ext cx="10515600" cy="1325563"/>
+          </a:xfrm>
+        </p:spPr>
+        <p:txBody>
+          <a:bodyPr/>
+          <a:lstStyle/>
+          <a:p>
+            <a:r>
+              <a:rPr lang="en-US" dirty="0" smtClean="0"/>
+              <a:t>My Profile Page</a:t>
+            </a:r>
+            <a:endParaRPr lang="en-US" dirty="0"/>
+          </a:p>
+        </p:txBody>
+      </p:sp>
+      <p:pic>
+        <p:nvPicPr>
+          <p:cNvPr id="7" name="Content Placeholder 6"/>
+          <p:cNvPicPr>
+            <a:picLocks noGrp="1" noChangeAspect="1"/>
+          </p:cNvPicPr>
+          <p:nvPr>
+            <p:ph idx="1"/>
+          </p:nvPr>
+        </p:nvPicPr>
+        <p:blipFill>
+          <a:blip r:embed="rId2">
+            <a:extLst>
+              <a:ext uri="{28A0092B-C50C-407E-A947-70E740481C1C}">
+                <a14:useLocalDpi xmlns:a14="http://schemas.microsoft.com/office/drawing/2010/main" val="0"/>
+              </a:ext>
+            </a:extLst>
+          </a:blip>
+          <a:stretch>
+            <a:fillRect/>
+          </a:stretch>
+        </p:blipFill>
+        <p:spPr>
+          <a:xfrm>
+            <a:off x="402770" y="926306"/>
+            <a:ext cx="11318815" cy="4647180"/>
+          </a:xfrm>
+        </p:spPr>
+      </p:pic>
+      <p:sp>
+        <p:nvSpPr>
+          <p:cNvPr id="4" name="TextBox 3"/>
+          <p:cNvSpPr txBox="1"/>
+          <p:nvPr/>
+        </p:nvSpPr>
+        <p:spPr>
+          <a:xfrm>
+            <a:off x="838200" y="6363222"/>
+            <a:ext cx="1591358" cy="369332"/>
+          </a:xfrm>
+          <a:prstGeom prst="rect">
+            <a:avLst/>
+          </a:prstGeom>
+          <a:noFill/>
+        </p:spPr>
+        <p:txBody>
+          <a:bodyPr wrap="square" rtlCol="0">
+            <a:spAutoFit/>
+          </a:bodyPr>
+          <a:lstStyle/>
+          <a:p>
+            <a:r>
+              <a:rPr lang="en-US" dirty="0" smtClean="0"/>
+              <a:t>Team Octopus</a:t>
+            </a:r>
+            <a:endParaRPr lang="en-US" dirty="0"/>
+          </a:p>
+        </p:txBody>
+      </p:sp>
+      <p:sp>
+        <p:nvSpPr>
+          <p:cNvPr id="5" name="TextBox 4"/>
+          <p:cNvSpPr txBox="1"/>
+          <p:nvPr/>
+        </p:nvSpPr>
+        <p:spPr>
+          <a:xfrm>
+            <a:off x="4842456" y="6363222"/>
+            <a:ext cx="2343955" cy="369332"/>
+          </a:xfrm>
+          <a:prstGeom prst="rect">
+            <a:avLst/>
+          </a:prstGeom>
+          <a:noFill/>
+        </p:spPr>
+        <p:txBody>
+          <a:bodyPr wrap="square" rtlCol="0">
+            <a:spAutoFit/>
+          </a:bodyPr>
+          <a:lstStyle/>
+          <a:p>
+            <a:r>
+              <a:rPr lang="en-US" dirty="0" smtClean="0"/>
+              <a:t>Final Implementation</a:t>
+            </a:r>
+            <a:endParaRPr lang="en-US" dirty="0"/>
+          </a:p>
+        </p:txBody>
+      </p:sp>
+      <p:sp>
+        <p:nvSpPr>
+          <p:cNvPr id="6" name="TextBox 5"/>
+          <p:cNvSpPr txBox="1"/>
+          <p:nvPr/>
+        </p:nvSpPr>
+        <p:spPr>
+          <a:xfrm>
+            <a:off x="8415556" y="6363222"/>
+            <a:ext cx="2693770" cy="369332"/>
+          </a:xfrm>
+          <a:prstGeom prst="rect">
+            <a:avLst/>
+          </a:prstGeom>
+          <a:noFill/>
+        </p:spPr>
+        <p:txBody>
+          <a:bodyPr wrap="square" rtlCol="0">
+            <a:spAutoFit/>
+          </a:bodyPr>
+          <a:lstStyle/>
+          <a:p>
+            <a:r>
+              <a:rPr lang="en-US" dirty="0" smtClean="0"/>
+              <a:t>Team Member: </a:t>
+            </a:r>
+            <a:r>
+              <a:rPr lang="en-US" dirty="0" smtClean="0"/>
+              <a:t>Jake King</a:t>
+            </a:r>
+            <a:endParaRPr lang="en-US" dirty="0"/>
+          </a:p>
+        </p:txBody>
+      </p:sp>
+    </p:spTree>
+    <p:extLst>
+      <p:ext uri="{BB962C8B-B14F-4D97-AF65-F5344CB8AC3E}">
+        <p14:creationId xmlns:p14="http://schemas.microsoft.com/office/powerpoint/2010/main" val="4130102389"/>
+      </p:ext>
+    </p:extLst>
+  </p:cSld>
+  <p:clrMapOvr>
+    <a:masterClrMapping/>
+  </p:clrMapOvr>
+  <p:timing>
+    <p:tnLst>
+      <p:par>
+        <p:cTn id="1" dur="indefinite" restart="never" nodeType="tmRoot"/>
+      </p:par>
+    </p:tnLst>
+  </p:timing>
 </p:sld>
 </file>
 
@@ -4921,6 +5831,1453 @@
 </p:sld>
 </file>
 
+<file path=ppt/slides/slide20.xml><?xml version="1.0" encoding="utf-8"?>
+<p:sld xmlns:a="http://schemas.openxmlformats.org/drawingml/2006/main" xmlns:r="http://schemas.openxmlformats.org/officeDocument/2006/relationships" xmlns:p="http://schemas.openxmlformats.org/presentationml/2006/main">
+  <p:cSld>
+    <p:spTree>
+      <p:nvGrpSpPr>
+        <p:cNvPr id="1" name=""/>
+        <p:cNvGrpSpPr/>
+        <p:nvPr/>
+      </p:nvGrpSpPr>
+      <p:grpSpPr>
+        <a:xfrm>
+          <a:off x="0" y="0"/>
+          <a:ext cx="0" cy="0"/>
+          <a:chOff x="0" y="0"/>
+          <a:chExt cx="0" cy="0"/>
+        </a:xfrm>
+      </p:grpSpPr>
+      <p:sp>
+        <p:nvSpPr>
+          <p:cNvPr id="2" name="Title 1"/>
+          <p:cNvSpPr>
+            <a:spLocks noGrp="1"/>
+          </p:cNvSpPr>
+          <p:nvPr>
+            <p:ph type="title"/>
+          </p:nvPr>
+        </p:nvSpPr>
+        <p:spPr>
+          <a:xfrm>
+            <a:off x="756633" y="-208551"/>
+            <a:ext cx="10515600" cy="1325563"/>
+          </a:xfrm>
+        </p:spPr>
+        <p:txBody>
+          <a:bodyPr/>
+          <a:lstStyle/>
+          <a:p>
+            <a:r>
+              <a:rPr lang="en-US" dirty="0" smtClean="0"/>
+              <a:t>Trending Shows</a:t>
+            </a:r>
+            <a:endParaRPr lang="en-US" dirty="0"/>
+          </a:p>
+        </p:txBody>
+      </p:sp>
+      <p:pic>
+        <p:nvPicPr>
+          <p:cNvPr id="7" name="Content Placeholder 6"/>
+          <p:cNvPicPr>
+            <a:picLocks noGrp="1" noChangeAspect="1"/>
+          </p:cNvPicPr>
+          <p:nvPr>
+            <p:ph idx="1"/>
+          </p:nvPr>
+        </p:nvPicPr>
+        <p:blipFill>
+          <a:blip r:embed="rId2">
+            <a:extLst>
+              <a:ext uri="{28A0092B-C50C-407E-A947-70E740481C1C}">
+                <a14:useLocalDpi xmlns:a14="http://schemas.microsoft.com/office/drawing/2010/main" val="0"/>
+              </a:ext>
+            </a:extLst>
+          </a:blip>
+          <a:stretch>
+            <a:fillRect/>
+          </a:stretch>
+        </p:blipFill>
+        <p:spPr>
+          <a:xfrm>
+            <a:off x="1037726" y="1415303"/>
+            <a:ext cx="2783664" cy="4351338"/>
+          </a:xfrm>
+        </p:spPr>
+      </p:pic>
+      <p:sp>
+        <p:nvSpPr>
+          <p:cNvPr id="4" name="TextBox 3"/>
+          <p:cNvSpPr txBox="1"/>
+          <p:nvPr/>
+        </p:nvSpPr>
+        <p:spPr>
+          <a:xfrm>
+            <a:off x="838200" y="6363222"/>
+            <a:ext cx="1591358" cy="369332"/>
+          </a:xfrm>
+          <a:prstGeom prst="rect">
+            <a:avLst/>
+          </a:prstGeom>
+          <a:noFill/>
+        </p:spPr>
+        <p:txBody>
+          <a:bodyPr wrap="square" rtlCol="0">
+            <a:spAutoFit/>
+          </a:bodyPr>
+          <a:lstStyle/>
+          <a:p>
+            <a:r>
+              <a:rPr lang="en-US" dirty="0" smtClean="0"/>
+              <a:t>Team Octopus</a:t>
+            </a:r>
+            <a:endParaRPr lang="en-US" dirty="0"/>
+          </a:p>
+        </p:txBody>
+      </p:sp>
+      <p:sp>
+        <p:nvSpPr>
+          <p:cNvPr id="5" name="TextBox 4"/>
+          <p:cNvSpPr txBox="1"/>
+          <p:nvPr/>
+        </p:nvSpPr>
+        <p:spPr>
+          <a:xfrm>
+            <a:off x="4842456" y="6363222"/>
+            <a:ext cx="2343955" cy="369332"/>
+          </a:xfrm>
+          <a:prstGeom prst="rect">
+            <a:avLst/>
+          </a:prstGeom>
+          <a:noFill/>
+        </p:spPr>
+        <p:txBody>
+          <a:bodyPr wrap="square" rtlCol="0">
+            <a:spAutoFit/>
+          </a:bodyPr>
+          <a:lstStyle/>
+          <a:p>
+            <a:r>
+              <a:rPr lang="en-US" dirty="0" smtClean="0"/>
+              <a:t>Final Implementation</a:t>
+            </a:r>
+            <a:endParaRPr lang="en-US" dirty="0"/>
+          </a:p>
+        </p:txBody>
+      </p:sp>
+      <p:sp>
+        <p:nvSpPr>
+          <p:cNvPr id="6" name="TextBox 5"/>
+          <p:cNvSpPr txBox="1"/>
+          <p:nvPr/>
+        </p:nvSpPr>
+        <p:spPr>
+          <a:xfrm>
+            <a:off x="8415556" y="6363222"/>
+            <a:ext cx="2693770" cy="369332"/>
+          </a:xfrm>
+          <a:prstGeom prst="rect">
+            <a:avLst/>
+          </a:prstGeom>
+          <a:noFill/>
+        </p:spPr>
+        <p:txBody>
+          <a:bodyPr wrap="square" rtlCol="0">
+            <a:spAutoFit/>
+          </a:bodyPr>
+          <a:lstStyle/>
+          <a:p>
+            <a:r>
+              <a:rPr lang="en-US" dirty="0" smtClean="0"/>
+              <a:t>Team Member: </a:t>
+            </a:r>
+            <a:r>
+              <a:rPr lang="en-US" dirty="0" smtClean="0"/>
+              <a:t>Jake King</a:t>
+            </a:r>
+            <a:endParaRPr lang="en-US" dirty="0"/>
+          </a:p>
+        </p:txBody>
+      </p:sp>
+      <p:pic>
+        <p:nvPicPr>
+          <p:cNvPr id="8" name="Picture 7"/>
+          <p:cNvPicPr>
+            <a:picLocks noChangeAspect="1"/>
+          </p:cNvPicPr>
+          <p:nvPr/>
+        </p:nvPicPr>
+        <p:blipFill>
+          <a:blip r:embed="rId3">
+            <a:extLst>
+              <a:ext uri="{28A0092B-C50C-407E-A947-70E740481C1C}">
+                <a14:useLocalDpi xmlns:a14="http://schemas.microsoft.com/office/drawing/2010/main" val="0"/>
+              </a:ext>
+            </a:extLst>
+          </a:blip>
+          <a:stretch>
+            <a:fillRect/>
+          </a:stretch>
+        </p:blipFill>
+        <p:spPr>
+          <a:xfrm>
+            <a:off x="5790065" y="1126631"/>
+            <a:ext cx="6010049" cy="4928682"/>
+          </a:xfrm>
+          <a:prstGeom prst="rect">
+            <a:avLst/>
+          </a:prstGeom>
+        </p:spPr>
+      </p:pic>
+    </p:spTree>
+    <p:extLst>
+      <p:ext uri="{BB962C8B-B14F-4D97-AF65-F5344CB8AC3E}">
+        <p14:creationId xmlns:p14="http://schemas.microsoft.com/office/powerpoint/2010/main" val="3120119145"/>
+      </p:ext>
+    </p:extLst>
+  </p:cSld>
+  <p:clrMapOvr>
+    <a:masterClrMapping/>
+  </p:clrMapOvr>
+  <p:timing>
+    <p:tnLst>
+      <p:par>
+        <p:cTn id="1" dur="indefinite" restart="never" nodeType="tmRoot"/>
+      </p:par>
+    </p:tnLst>
+  </p:timing>
+</p:sld>
+</file>
+
+<file path=ppt/slides/slide21.xml><?xml version="1.0" encoding="utf-8"?>
+<p:sld xmlns:a="http://schemas.openxmlformats.org/drawingml/2006/main" xmlns:r="http://schemas.openxmlformats.org/officeDocument/2006/relationships" xmlns:p="http://schemas.openxmlformats.org/presentationml/2006/main">
+  <p:cSld>
+    <p:spTree>
+      <p:nvGrpSpPr>
+        <p:cNvPr id="1" name=""/>
+        <p:cNvGrpSpPr/>
+        <p:nvPr/>
+      </p:nvGrpSpPr>
+      <p:grpSpPr>
+        <a:xfrm>
+          <a:off x="0" y="0"/>
+          <a:ext cx="0" cy="0"/>
+          <a:chOff x="0" y="0"/>
+          <a:chExt cx="0" cy="0"/>
+        </a:xfrm>
+      </p:grpSpPr>
+      <p:sp>
+        <p:nvSpPr>
+          <p:cNvPr id="2" name="Title 1"/>
+          <p:cNvSpPr>
+            <a:spLocks noGrp="1"/>
+          </p:cNvSpPr>
+          <p:nvPr>
+            <p:ph type="title"/>
+          </p:nvPr>
+        </p:nvSpPr>
+        <p:spPr/>
+        <p:txBody>
+          <a:bodyPr/>
+          <a:lstStyle/>
+          <a:p>
+            <a:r>
+              <a:rPr lang="en-US" dirty="0" smtClean="0"/>
+              <a:t>Information Page</a:t>
+            </a:r>
+            <a:endParaRPr lang="en-US" dirty="0"/>
+          </a:p>
+        </p:txBody>
+      </p:sp>
+      <p:pic>
+        <p:nvPicPr>
+          <p:cNvPr id="7" name="Content Placeholder 6"/>
+          <p:cNvPicPr>
+            <a:picLocks noGrp="1" noChangeAspect="1"/>
+          </p:cNvPicPr>
+          <p:nvPr>
+            <p:ph idx="1"/>
+          </p:nvPr>
+        </p:nvPicPr>
+        <p:blipFill>
+          <a:blip r:embed="rId2">
+            <a:extLst>
+              <a:ext uri="{28A0092B-C50C-407E-A947-70E740481C1C}">
+                <a14:useLocalDpi xmlns:a14="http://schemas.microsoft.com/office/drawing/2010/main" val="0"/>
+              </a:ext>
+            </a:extLst>
+          </a:blip>
+          <a:stretch>
+            <a:fillRect/>
+          </a:stretch>
+        </p:blipFill>
+        <p:spPr>
+          <a:xfrm>
+            <a:off x="838200" y="1690688"/>
+            <a:ext cx="5867400" cy="3143250"/>
+          </a:xfrm>
+        </p:spPr>
+      </p:pic>
+      <p:sp>
+        <p:nvSpPr>
+          <p:cNvPr id="4" name="TextBox 3"/>
+          <p:cNvSpPr txBox="1"/>
+          <p:nvPr/>
+        </p:nvSpPr>
+        <p:spPr>
+          <a:xfrm>
+            <a:off x="838200" y="6363222"/>
+            <a:ext cx="1591358" cy="369332"/>
+          </a:xfrm>
+          <a:prstGeom prst="rect">
+            <a:avLst/>
+          </a:prstGeom>
+          <a:noFill/>
+        </p:spPr>
+        <p:txBody>
+          <a:bodyPr wrap="square" rtlCol="0">
+            <a:spAutoFit/>
+          </a:bodyPr>
+          <a:lstStyle/>
+          <a:p>
+            <a:r>
+              <a:rPr lang="en-US" dirty="0" smtClean="0"/>
+              <a:t>Team Octopus</a:t>
+            </a:r>
+            <a:endParaRPr lang="en-US" dirty="0"/>
+          </a:p>
+        </p:txBody>
+      </p:sp>
+      <p:sp>
+        <p:nvSpPr>
+          <p:cNvPr id="5" name="TextBox 4"/>
+          <p:cNvSpPr txBox="1"/>
+          <p:nvPr/>
+        </p:nvSpPr>
+        <p:spPr>
+          <a:xfrm>
+            <a:off x="4842456" y="6363222"/>
+            <a:ext cx="2343955" cy="369332"/>
+          </a:xfrm>
+          <a:prstGeom prst="rect">
+            <a:avLst/>
+          </a:prstGeom>
+          <a:noFill/>
+        </p:spPr>
+        <p:txBody>
+          <a:bodyPr wrap="square" rtlCol="0">
+            <a:spAutoFit/>
+          </a:bodyPr>
+          <a:lstStyle/>
+          <a:p>
+            <a:r>
+              <a:rPr lang="en-US" dirty="0" smtClean="0"/>
+              <a:t>Final Implementation</a:t>
+            </a:r>
+            <a:endParaRPr lang="en-US" dirty="0"/>
+          </a:p>
+        </p:txBody>
+      </p:sp>
+      <p:sp>
+        <p:nvSpPr>
+          <p:cNvPr id="6" name="TextBox 5"/>
+          <p:cNvSpPr txBox="1"/>
+          <p:nvPr/>
+        </p:nvSpPr>
+        <p:spPr>
+          <a:xfrm>
+            <a:off x="8415556" y="6363222"/>
+            <a:ext cx="2693770" cy="369332"/>
+          </a:xfrm>
+          <a:prstGeom prst="rect">
+            <a:avLst/>
+          </a:prstGeom>
+          <a:noFill/>
+        </p:spPr>
+        <p:txBody>
+          <a:bodyPr wrap="square" rtlCol="0">
+            <a:spAutoFit/>
+          </a:bodyPr>
+          <a:lstStyle/>
+          <a:p>
+            <a:r>
+              <a:rPr lang="en-US" dirty="0" smtClean="0"/>
+              <a:t>Team Member: </a:t>
+            </a:r>
+            <a:r>
+              <a:rPr lang="en-US" dirty="0" smtClean="0"/>
+              <a:t>Jake King</a:t>
+            </a:r>
+            <a:endParaRPr lang="en-US" dirty="0"/>
+          </a:p>
+        </p:txBody>
+      </p:sp>
+      <p:pic>
+        <p:nvPicPr>
+          <p:cNvPr id="8" name="Picture 7"/>
+          <p:cNvPicPr>
+            <a:picLocks noChangeAspect="1"/>
+          </p:cNvPicPr>
+          <p:nvPr/>
+        </p:nvPicPr>
+        <p:blipFill>
+          <a:blip r:embed="rId3">
+            <a:extLst>
+              <a:ext uri="{28A0092B-C50C-407E-A947-70E740481C1C}">
+                <a14:useLocalDpi xmlns:a14="http://schemas.microsoft.com/office/drawing/2010/main" val="0"/>
+              </a:ext>
+            </a:extLst>
+          </a:blip>
+          <a:stretch>
+            <a:fillRect/>
+          </a:stretch>
+        </p:blipFill>
+        <p:spPr>
+          <a:xfrm>
+            <a:off x="8415556" y="1451428"/>
+            <a:ext cx="2917917" cy="4209143"/>
+          </a:xfrm>
+          <a:prstGeom prst="rect">
+            <a:avLst/>
+          </a:prstGeom>
+        </p:spPr>
+      </p:pic>
+    </p:spTree>
+    <p:extLst>
+      <p:ext uri="{BB962C8B-B14F-4D97-AF65-F5344CB8AC3E}">
+        <p14:creationId xmlns:p14="http://schemas.microsoft.com/office/powerpoint/2010/main" val="2860029646"/>
+      </p:ext>
+    </p:extLst>
+  </p:cSld>
+  <p:clrMapOvr>
+    <a:masterClrMapping/>
+  </p:clrMapOvr>
+  <p:timing>
+    <p:tnLst>
+      <p:par>
+        <p:cTn id="1" dur="indefinite" restart="never" nodeType="tmRoot"/>
+      </p:par>
+    </p:tnLst>
+  </p:timing>
+</p:sld>
+</file>
+
+<file path=ppt/slides/slide22.xml><?xml version="1.0" encoding="utf-8"?>
+<p:sld xmlns:a="http://schemas.openxmlformats.org/drawingml/2006/main" xmlns:r="http://schemas.openxmlformats.org/officeDocument/2006/relationships" xmlns:p="http://schemas.openxmlformats.org/presentationml/2006/main">
+  <p:cSld>
+    <p:spTree>
+      <p:nvGrpSpPr>
+        <p:cNvPr id="1" name=""/>
+        <p:cNvGrpSpPr/>
+        <p:nvPr/>
+      </p:nvGrpSpPr>
+      <p:grpSpPr>
+        <a:xfrm>
+          <a:off x="0" y="0"/>
+          <a:ext cx="0" cy="0"/>
+          <a:chOff x="0" y="0"/>
+          <a:chExt cx="0" cy="0"/>
+        </a:xfrm>
+      </p:grpSpPr>
+      <p:sp>
+        <p:nvSpPr>
+          <p:cNvPr id="2" name="Title 1"/>
+          <p:cNvSpPr>
+            <a:spLocks noGrp="1"/>
+          </p:cNvSpPr>
+          <p:nvPr>
+            <p:ph type="title"/>
+          </p:nvPr>
+        </p:nvSpPr>
+        <p:spPr>
+          <a:xfrm>
+            <a:off x="593726" y="-257994"/>
+            <a:ext cx="10515600" cy="1325563"/>
+          </a:xfrm>
+        </p:spPr>
+        <p:txBody>
+          <a:bodyPr/>
+          <a:lstStyle/>
+          <a:p>
+            <a:r>
+              <a:rPr lang="en-US" dirty="0" smtClean="0"/>
+              <a:t>Favorites list</a:t>
+            </a:r>
+            <a:endParaRPr lang="en-US" dirty="0"/>
+          </a:p>
+        </p:txBody>
+      </p:sp>
+      <p:pic>
+        <p:nvPicPr>
+          <p:cNvPr id="7" name="Content Placeholder 6"/>
+          <p:cNvPicPr>
+            <a:picLocks noGrp="1" noChangeAspect="1"/>
+          </p:cNvPicPr>
+          <p:nvPr>
+            <p:ph idx="1"/>
+          </p:nvPr>
+        </p:nvPicPr>
+        <p:blipFill>
+          <a:blip r:embed="rId2">
+            <a:extLst>
+              <a:ext uri="{28A0092B-C50C-407E-A947-70E740481C1C}">
+                <a14:useLocalDpi xmlns:a14="http://schemas.microsoft.com/office/drawing/2010/main" val="0"/>
+              </a:ext>
+            </a:extLst>
+          </a:blip>
+          <a:stretch>
+            <a:fillRect/>
+          </a:stretch>
+        </p:blipFill>
+        <p:spPr>
+          <a:xfrm>
+            <a:off x="1005570" y="1269206"/>
+            <a:ext cx="2847975" cy="790575"/>
+          </a:xfrm>
+        </p:spPr>
+      </p:pic>
+      <p:sp>
+        <p:nvSpPr>
+          <p:cNvPr id="4" name="TextBox 3"/>
+          <p:cNvSpPr txBox="1"/>
+          <p:nvPr/>
+        </p:nvSpPr>
+        <p:spPr>
+          <a:xfrm>
+            <a:off x="838200" y="6363222"/>
+            <a:ext cx="1591358" cy="369332"/>
+          </a:xfrm>
+          <a:prstGeom prst="rect">
+            <a:avLst/>
+          </a:prstGeom>
+          <a:noFill/>
+        </p:spPr>
+        <p:txBody>
+          <a:bodyPr wrap="square" rtlCol="0">
+            <a:spAutoFit/>
+          </a:bodyPr>
+          <a:lstStyle/>
+          <a:p>
+            <a:r>
+              <a:rPr lang="en-US" dirty="0" smtClean="0"/>
+              <a:t>Team Octopus</a:t>
+            </a:r>
+            <a:endParaRPr lang="en-US" dirty="0"/>
+          </a:p>
+        </p:txBody>
+      </p:sp>
+      <p:sp>
+        <p:nvSpPr>
+          <p:cNvPr id="5" name="TextBox 4"/>
+          <p:cNvSpPr txBox="1"/>
+          <p:nvPr/>
+        </p:nvSpPr>
+        <p:spPr>
+          <a:xfrm>
+            <a:off x="4842456" y="6363222"/>
+            <a:ext cx="2343955" cy="369332"/>
+          </a:xfrm>
+          <a:prstGeom prst="rect">
+            <a:avLst/>
+          </a:prstGeom>
+          <a:noFill/>
+        </p:spPr>
+        <p:txBody>
+          <a:bodyPr wrap="square" rtlCol="0">
+            <a:spAutoFit/>
+          </a:bodyPr>
+          <a:lstStyle/>
+          <a:p>
+            <a:r>
+              <a:rPr lang="en-US" dirty="0" smtClean="0"/>
+              <a:t>Final Implementation</a:t>
+            </a:r>
+            <a:endParaRPr lang="en-US" dirty="0"/>
+          </a:p>
+        </p:txBody>
+      </p:sp>
+      <p:sp>
+        <p:nvSpPr>
+          <p:cNvPr id="6" name="TextBox 5"/>
+          <p:cNvSpPr txBox="1"/>
+          <p:nvPr/>
+        </p:nvSpPr>
+        <p:spPr>
+          <a:xfrm>
+            <a:off x="8415556" y="6363222"/>
+            <a:ext cx="2693770" cy="369332"/>
+          </a:xfrm>
+          <a:prstGeom prst="rect">
+            <a:avLst/>
+          </a:prstGeom>
+          <a:noFill/>
+        </p:spPr>
+        <p:txBody>
+          <a:bodyPr wrap="square" rtlCol="0">
+            <a:spAutoFit/>
+          </a:bodyPr>
+          <a:lstStyle/>
+          <a:p>
+            <a:r>
+              <a:rPr lang="en-US" dirty="0" smtClean="0"/>
+              <a:t>Team Member: </a:t>
+            </a:r>
+            <a:r>
+              <a:rPr lang="en-US" dirty="0" smtClean="0"/>
+              <a:t>Jake King</a:t>
+            </a:r>
+            <a:endParaRPr lang="en-US" dirty="0"/>
+          </a:p>
+        </p:txBody>
+      </p:sp>
+      <p:pic>
+        <p:nvPicPr>
+          <p:cNvPr id="8" name="Picture 7"/>
+          <p:cNvPicPr>
+            <a:picLocks noChangeAspect="1"/>
+          </p:cNvPicPr>
+          <p:nvPr/>
+        </p:nvPicPr>
+        <p:blipFill>
+          <a:blip r:embed="rId3">
+            <a:extLst>
+              <a:ext uri="{28A0092B-C50C-407E-A947-70E740481C1C}">
+                <a14:useLocalDpi xmlns:a14="http://schemas.microsoft.com/office/drawing/2010/main" val="0"/>
+              </a:ext>
+            </a:extLst>
+          </a:blip>
+          <a:stretch>
+            <a:fillRect/>
+          </a:stretch>
+        </p:blipFill>
+        <p:spPr>
+          <a:xfrm>
+            <a:off x="5543096" y="988218"/>
+            <a:ext cx="2266950" cy="1352550"/>
+          </a:xfrm>
+          <a:prstGeom prst="rect">
+            <a:avLst/>
+          </a:prstGeom>
+        </p:spPr>
+      </p:pic>
+      <p:sp>
+        <p:nvSpPr>
+          <p:cNvPr id="9" name="Right Arrow 8"/>
+          <p:cNvSpPr/>
+          <p:nvPr/>
+        </p:nvSpPr>
+        <p:spPr>
+          <a:xfrm>
+            <a:off x="4005943" y="1269206"/>
+            <a:ext cx="1190171" cy="790575"/>
+          </a:xfrm>
+          <a:prstGeom prst="rightArrow">
+            <a:avLst/>
+          </a:prstGeom>
+        </p:spPr>
+        <p:style>
+          <a:lnRef idx="2">
+            <a:schemeClr val="accent4">
+              <a:shade val="50000"/>
+            </a:schemeClr>
+          </a:lnRef>
+          <a:fillRef idx="1">
+            <a:schemeClr val="accent4"/>
+          </a:fillRef>
+          <a:effectRef idx="0">
+            <a:schemeClr val="accent4"/>
+          </a:effectRef>
+          <a:fontRef idx="minor">
+            <a:schemeClr val="lt1"/>
+          </a:fontRef>
+        </p:style>
+        <p:txBody>
+          <a:bodyPr rtlCol="0" anchor="ctr"/>
+          <a:lstStyle/>
+          <a:p>
+            <a:pPr algn="ctr"/>
+            <a:endParaRPr lang="en-US"/>
+          </a:p>
+        </p:txBody>
+      </p:sp>
+      <p:pic>
+        <p:nvPicPr>
+          <p:cNvPr id="10" name="Picture 9"/>
+          <p:cNvPicPr>
+            <a:picLocks noChangeAspect="1"/>
+          </p:cNvPicPr>
+          <p:nvPr/>
+        </p:nvPicPr>
+        <p:blipFill>
+          <a:blip r:embed="rId4">
+            <a:extLst>
+              <a:ext uri="{28A0092B-C50C-407E-A947-70E740481C1C}">
+                <a14:useLocalDpi xmlns:a14="http://schemas.microsoft.com/office/drawing/2010/main" val="0"/>
+              </a:ext>
+            </a:extLst>
+          </a:blip>
+          <a:stretch>
+            <a:fillRect/>
+          </a:stretch>
+        </p:blipFill>
+        <p:spPr>
+          <a:xfrm>
+            <a:off x="8415556" y="1124380"/>
+            <a:ext cx="3493122" cy="1080226"/>
+          </a:xfrm>
+          <a:prstGeom prst="rect">
+            <a:avLst/>
+          </a:prstGeom>
+        </p:spPr>
+      </p:pic>
+      <p:pic>
+        <p:nvPicPr>
+          <p:cNvPr id="11" name="Picture 10"/>
+          <p:cNvPicPr>
+            <a:picLocks noChangeAspect="1"/>
+          </p:cNvPicPr>
+          <p:nvPr/>
+        </p:nvPicPr>
+        <p:blipFill>
+          <a:blip r:embed="rId5">
+            <a:extLst>
+              <a:ext uri="{28A0092B-C50C-407E-A947-70E740481C1C}">
+                <a14:useLocalDpi xmlns:a14="http://schemas.microsoft.com/office/drawing/2010/main" val="0"/>
+              </a:ext>
+            </a:extLst>
+          </a:blip>
+          <a:stretch>
+            <a:fillRect/>
+          </a:stretch>
+        </p:blipFill>
+        <p:spPr>
+          <a:xfrm>
+            <a:off x="327606" y="3614690"/>
+            <a:ext cx="5372100" cy="609600"/>
+          </a:xfrm>
+          <a:prstGeom prst="rect">
+            <a:avLst/>
+          </a:prstGeom>
+        </p:spPr>
+      </p:pic>
+      <p:sp>
+        <p:nvSpPr>
+          <p:cNvPr id="12" name="Rectangle 11"/>
+          <p:cNvSpPr/>
+          <p:nvPr/>
+        </p:nvSpPr>
+        <p:spPr>
+          <a:xfrm>
+            <a:off x="6485969" y="3428665"/>
+            <a:ext cx="1019831" cy="923330"/>
+          </a:xfrm>
+          <a:prstGeom prst="rect">
+            <a:avLst/>
+          </a:prstGeom>
+          <a:noFill/>
+        </p:spPr>
+        <p:txBody>
+          <a:bodyPr wrap="none" lIns="91440" tIns="45720" rIns="91440" bIns="45720">
+            <a:spAutoFit/>
+          </a:bodyPr>
+          <a:lstStyle/>
+          <a:p>
+            <a:pPr algn="ctr"/>
+            <a:r>
+              <a:rPr lang="en-US" sz="5400" b="0" cap="none" spc="0" dirty="0" smtClean="0">
+                <a:ln w="0"/>
+                <a:solidFill>
+                  <a:schemeClr val="tx1"/>
+                </a:solidFill>
+                <a:effectLst>
+                  <a:outerShdw blurRad="38100" dist="19050" dir="2700000" algn="tl" rotWithShape="0">
+                    <a:schemeClr val="dk1">
+                      <a:alpha val="40000"/>
+                    </a:schemeClr>
+                  </a:outerShdw>
+                </a:effectLst>
+              </a:rPr>
+              <a:t>OR</a:t>
+            </a:r>
+            <a:endParaRPr lang="en-US" sz="5400" b="0" cap="none" spc="0" dirty="0">
+              <a:ln w="0"/>
+              <a:solidFill>
+                <a:schemeClr val="tx1"/>
+              </a:solidFill>
+              <a:effectLst>
+                <a:outerShdw blurRad="38100" dist="19050" dir="2700000" algn="tl" rotWithShape="0">
+                  <a:schemeClr val="dk1">
+                    <a:alpha val="40000"/>
+                  </a:schemeClr>
+                </a:outerShdw>
+              </a:effectLst>
+            </a:endParaRPr>
+          </a:p>
+        </p:txBody>
+      </p:sp>
+      <p:pic>
+        <p:nvPicPr>
+          <p:cNvPr id="13" name="Picture 12"/>
+          <p:cNvPicPr>
+            <a:picLocks noChangeAspect="1"/>
+          </p:cNvPicPr>
+          <p:nvPr/>
+        </p:nvPicPr>
+        <p:blipFill>
+          <a:blip r:embed="rId6">
+            <a:extLst>
+              <a:ext uri="{28A0092B-C50C-407E-A947-70E740481C1C}">
+                <a14:useLocalDpi xmlns:a14="http://schemas.microsoft.com/office/drawing/2010/main" val="0"/>
+              </a:ext>
+            </a:extLst>
+          </a:blip>
+          <a:stretch>
+            <a:fillRect/>
+          </a:stretch>
+        </p:blipFill>
+        <p:spPr>
+          <a:xfrm>
+            <a:off x="8415556" y="3464764"/>
+            <a:ext cx="3162300" cy="819150"/>
+          </a:xfrm>
+          <a:prstGeom prst="rect">
+            <a:avLst/>
+          </a:prstGeom>
+        </p:spPr>
+      </p:pic>
+      <p:pic>
+        <p:nvPicPr>
+          <p:cNvPr id="14" name="Picture 13"/>
+          <p:cNvPicPr>
+            <a:picLocks noChangeAspect="1"/>
+          </p:cNvPicPr>
+          <p:nvPr/>
+        </p:nvPicPr>
+        <p:blipFill>
+          <a:blip r:embed="rId7">
+            <a:extLst>
+              <a:ext uri="{28A0092B-C50C-407E-A947-70E740481C1C}">
+                <a14:useLocalDpi xmlns:a14="http://schemas.microsoft.com/office/drawing/2010/main" val="0"/>
+              </a:ext>
+            </a:extLst>
+          </a:blip>
+          <a:stretch>
+            <a:fillRect/>
+          </a:stretch>
+        </p:blipFill>
+        <p:spPr>
+          <a:xfrm>
+            <a:off x="5871934" y="4641442"/>
+            <a:ext cx="2247900" cy="1333500"/>
+          </a:xfrm>
+          <a:prstGeom prst="rect">
+            <a:avLst/>
+          </a:prstGeom>
+        </p:spPr>
+      </p:pic>
+      <p:sp>
+        <p:nvSpPr>
+          <p:cNvPr id="15" name="Right Arrow 14"/>
+          <p:cNvSpPr/>
+          <p:nvPr/>
+        </p:nvSpPr>
+        <p:spPr>
+          <a:xfrm>
+            <a:off x="3695828" y="4912904"/>
+            <a:ext cx="1190171" cy="790575"/>
+          </a:xfrm>
+          <a:prstGeom prst="rightArrow">
+            <a:avLst/>
+          </a:prstGeom>
+        </p:spPr>
+        <p:style>
+          <a:lnRef idx="2">
+            <a:schemeClr val="accent4">
+              <a:shade val="50000"/>
+            </a:schemeClr>
+          </a:lnRef>
+          <a:fillRef idx="1">
+            <a:schemeClr val="accent4"/>
+          </a:fillRef>
+          <a:effectRef idx="0">
+            <a:schemeClr val="accent4"/>
+          </a:effectRef>
+          <a:fontRef idx="minor">
+            <a:schemeClr val="lt1"/>
+          </a:fontRef>
+        </p:style>
+        <p:txBody>
+          <a:bodyPr rtlCol="0" anchor="ctr"/>
+          <a:lstStyle/>
+          <a:p>
+            <a:pPr algn="ctr"/>
+            <a:endParaRPr lang="en-US"/>
+          </a:p>
+        </p:txBody>
+      </p:sp>
+    </p:spTree>
+    <p:extLst>
+      <p:ext uri="{BB962C8B-B14F-4D97-AF65-F5344CB8AC3E}">
+        <p14:creationId xmlns:p14="http://schemas.microsoft.com/office/powerpoint/2010/main" val="2503597185"/>
+      </p:ext>
+    </p:extLst>
+  </p:cSld>
+  <p:clrMapOvr>
+    <a:masterClrMapping/>
+  </p:clrMapOvr>
+  <p:timing>
+    <p:tnLst>
+      <p:par>
+        <p:cTn id="1" dur="indefinite" restart="never" nodeType="tmRoot">
+          <p:childTnLst>
+            <p:seq concurrent="1" nextAc="seek">
+              <p:cTn id="2" dur="indefinite" nodeType="mainSeq">
+                <p:childTnLst>
+                  <p:par>
+                    <p:cTn id="3" fill="hold">
+                      <p:stCondLst>
+                        <p:cond delay="indefinite"/>
+                      </p:stCondLst>
+                      <p:childTnLst>
+                        <p:par>
+                          <p:cTn id="4" fill="hold">
+                            <p:stCondLst>
+                              <p:cond delay="0"/>
+                            </p:stCondLst>
+                            <p:childTnLst>
+                              <p:par>
+                                <p:cTn id="5" presetID="1" presetClass="entr" presetSubtype="0" fill="hold" nodeType="clickEffect">
+                                  <p:stCondLst>
+                                    <p:cond delay="0"/>
+                                  </p:stCondLst>
+                                  <p:childTnLst>
+                                    <p:set>
+                                      <p:cBhvr>
+                                        <p:cTn id="6" dur="1" fill="hold">
+                                          <p:stCondLst>
+                                            <p:cond delay="0"/>
+                                          </p:stCondLst>
+                                        </p:cTn>
+                                        <p:tgtEl>
+                                          <p:spTgt spid="7"/>
+                                        </p:tgtEl>
+                                        <p:attrNameLst>
+                                          <p:attrName>style.visibility</p:attrName>
+                                        </p:attrNameLst>
+                                      </p:cBhvr>
+                                      <p:to>
+                                        <p:strVal val="visible"/>
+                                      </p:to>
+                                    </p:set>
+                                  </p:childTnLst>
+                                </p:cTn>
+                              </p:par>
+                              <p:par>
+                                <p:cTn id="7" presetID="1" presetClass="entr" presetSubtype="0" fill="hold" nodeType="withEffect">
+                                  <p:stCondLst>
+                                    <p:cond delay="0"/>
+                                  </p:stCondLst>
+                                  <p:childTnLst>
+                                    <p:set>
+                                      <p:cBhvr>
+                                        <p:cTn id="8" dur="1" fill="hold">
+                                          <p:stCondLst>
+                                            <p:cond delay="0"/>
+                                          </p:stCondLst>
+                                        </p:cTn>
+                                        <p:tgtEl>
+                                          <p:spTgt spid="8"/>
+                                        </p:tgtEl>
+                                        <p:attrNameLst>
+                                          <p:attrName>style.visibility</p:attrName>
+                                        </p:attrNameLst>
+                                      </p:cBhvr>
+                                      <p:to>
+                                        <p:strVal val="visible"/>
+                                      </p:to>
+                                    </p:set>
+                                  </p:childTnLst>
+                                </p:cTn>
+                              </p:par>
+                              <p:par>
+                                <p:cTn id="9" presetID="1" presetClass="entr" presetSubtype="0" fill="hold" grpId="0" nodeType="withEffect">
+                                  <p:stCondLst>
+                                    <p:cond delay="0"/>
+                                  </p:stCondLst>
+                                  <p:childTnLst>
+                                    <p:set>
+                                      <p:cBhvr>
+                                        <p:cTn id="10" dur="1" fill="hold">
+                                          <p:stCondLst>
+                                            <p:cond delay="0"/>
+                                          </p:stCondLst>
+                                        </p:cTn>
+                                        <p:tgtEl>
+                                          <p:spTgt spid="9"/>
+                                        </p:tgtEl>
+                                        <p:attrNameLst>
+                                          <p:attrName>style.visibility</p:attrName>
+                                        </p:attrNameLst>
+                                      </p:cBhvr>
+                                      <p:to>
+                                        <p:strVal val="visible"/>
+                                      </p:to>
+                                    </p:set>
+                                  </p:childTnLst>
+                                </p:cTn>
+                              </p:par>
+                              <p:par>
+                                <p:cTn id="11" presetID="1" presetClass="entr" presetSubtype="0" fill="hold" nodeType="withEffect">
+                                  <p:stCondLst>
+                                    <p:cond delay="0"/>
+                                  </p:stCondLst>
+                                  <p:childTnLst>
+                                    <p:set>
+                                      <p:cBhvr>
+                                        <p:cTn id="12" dur="1" fill="hold">
+                                          <p:stCondLst>
+                                            <p:cond delay="0"/>
+                                          </p:stCondLst>
+                                        </p:cTn>
+                                        <p:tgtEl>
+                                          <p:spTgt spid="10"/>
+                                        </p:tgtEl>
+                                        <p:attrNameLst>
+                                          <p:attrName>style.visibility</p:attrName>
+                                        </p:attrNameLst>
+                                      </p:cBhvr>
+                                      <p:to>
+                                        <p:strVal val="visible"/>
+                                      </p:to>
+                                    </p:set>
+                                  </p:childTnLst>
+                                </p:cTn>
+                              </p:par>
+                            </p:childTnLst>
+                          </p:cTn>
+                        </p:par>
+                      </p:childTnLst>
+                    </p:cTn>
+                  </p:par>
+                  <p:par>
+                    <p:cTn id="13" fill="hold">
+                      <p:stCondLst>
+                        <p:cond delay="indefinite"/>
+                      </p:stCondLst>
+                      <p:childTnLst>
+                        <p:par>
+                          <p:cTn id="14" fill="hold">
+                            <p:stCondLst>
+                              <p:cond delay="0"/>
+                            </p:stCondLst>
+                            <p:childTnLst>
+                              <p:par>
+                                <p:cTn id="15" presetID="1" presetClass="entr" presetSubtype="0" fill="hold" nodeType="clickEffect">
+                                  <p:stCondLst>
+                                    <p:cond delay="0"/>
+                                  </p:stCondLst>
+                                  <p:childTnLst>
+                                    <p:set>
+                                      <p:cBhvr>
+                                        <p:cTn id="16" dur="1" fill="hold">
+                                          <p:stCondLst>
+                                            <p:cond delay="0"/>
+                                          </p:stCondLst>
+                                        </p:cTn>
+                                        <p:tgtEl>
+                                          <p:spTgt spid="11"/>
+                                        </p:tgtEl>
+                                        <p:attrNameLst>
+                                          <p:attrName>style.visibility</p:attrName>
+                                        </p:attrNameLst>
+                                      </p:cBhvr>
+                                      <p:to>
+                                        <p:strVal val="visible"/>
+                                      </p:to>
+                                    </p:set>
+                                  </p:childTnLst>
+                                </p:cTn>
+                              </p:par>
+                              <p:par>
+                                <p:cTn id="17" presetID="1" presetClass="entr" presetSubtype="0" fill="hold" grpId="0" nodeType="withEffect">
+                                  <p:stCondLst>
+                                    <p:cond delay="0"/>
+                                  </p:stCondLst>
+                                  <p:childTnLst>
+                                    <p:set>
+                                      <p:cBhvr>
+                                        <p:cTn id="18" dur="1" fill="hold">
+                                          <p:stCondLst>
+                                            <p:cond delay="0"/>
+                                          </p:stCondLst>
+                                        </p:cTn>
+                                        <p:tgtEl>
+                                          <p:spTgt spid="12"/>
+                                        </p:tgtEl>
+                                        <p:attrNameLst>
+                                          <p:attrName>style.visibility</p:attrName>
+                                        </p:attrNameLst>
+                                      </p:cBhvr>
+                                      <p:to>
+                                        <p:strVal val="visible"/>
+                                      </p:to>
+                                    </p:set>
+                                  </p:childTnLst>
+                                </p:cTn>
+                              </p:par>
+                              <p:par>
+                                <p:cTn id="19" presetID="1" presetClass="entr" presetSubtype="0" fill="hold" nodeType="withEffect">
+                                  <p:stCondLst>
+                                    <p:cond delay="0"/>
+                                  </p:stCondLst>
+                                  <p:childTnLst>
+                                    <p:set>
+                                      <p:cBhvr>
+                                        <p:cTn id="20" dur="1" fill="hold">
+                                          <p:stCondLst>
+                                            <p:cond delay="0"/>
+                                          </p:stCondLst>
+                                        </p:cTn>
+                                        <p:tgtEl>
+                                          <p:spTgt spid="13"/>
+                                        </p:tgtEl>
+                                        <p:attrNameLst>
+                                          <p:attrName>style.visibility</p:attrName>
+                                        </p:attrNameLst>
+                                      </p:cBhvr>
+                                      <p:to>
+                                        <p:strVal val="visible"/>
+                                      </p:to>
+                                    </p:set>
+                                  </p:childTnLst>
+                                </p:cTn>
+                              </p:par>
+                            </p:childTnLst>
+                          </p:cTn>
+                        </p:par>
+                      </p:childTnLst>
+                    </p:cTn>
+                  </p:par>
+                  <p:par>
+                    <p:cTn id="21" fill="hold">
+                      <p:stCondLst>
+                        <p:cond delay="indefinite"/>
+                      </p:stCondLst>
+                      <p:childTnLst>
+                        <p:par>
+                          <p:cTn id="22" fill="hold">
+                            <p:stCondLst>
+                              <p:cond delay="0"/>
+                            </p:stCondLst>
+                            <p:childTnLst>
+                              <p:par>
+                                <p:cTn id="23" presetID="1" presetClass="entr" presetSubtype="0" fill="hold" nodeType="clickEffect">
+                                  <p:stCondLst>
+                                    <p:cond delay="0"/>
+                                  </p:stCondLst>
+                                  <p:childTnLst>
+                                    <p:set>
+                                      <p:cBhvr>
+                                        <p:cTn id="24" dur="1" fill="hold">
+                                          <p:stCondLst>
+                                            <p:cond delay="0"/>
+                                          </p:stCondLst>
+                                        </p:cTn>
+                                        <p:tgtEl>
+                                          <p:spTgt spid="14"/>
+                                        </p:tgtEl>
+                                        <p:attrNameLst>
+                                          <p:attrName>style.visibility</p:attrName>
+                                        </p:attrNameLst>
+                                      </p:cBhvr>
+                                      <p:to>
+                                        <p:strVal val="visible"/>
+                                      </p:to>
+                                    </p:set>
+                                  </p:childTnLst>
+                                </p:cTn>
+                              </p:par>
+                              <p:par>
+                                <p:cTn id="25" presetID="1" presetClass="entr" presetSubtype="0" fill="hold" grpId="0" nodeType="withEffect">
+                                  <p:stCondLst>
+                                    <p:cond delay="0"/>
+                                  </p:stCondLst>
+                                  <p:childTnLst>
+                                    <p:set>
+                                      <p:cBhvr>
+                                        <p:cTn id="26" dur="1" fill="hold">
+                                          <p:stCondLst>
+                                            <p:cond delay="0"/>
+                                          </p:stCondLst>
+                                        </p:cTn>
+                                        <p:tgtEl>
+                                          <p:spTgt spid="15"/>
+                                        </p:tgtEl>
+                                        <p:attrNameLst>
+                                          <p:attrName>style.visibility</p:attrName>
+                                        </p:attrNameLst>
+                                      </p:cBhvr>
+                                      <p:to>
+                                        <p:strVal val="visible"/>
+                                      </p:to>
+                                    </p:set>
+                                  </p:childTnLst>
+                                </p:cTn>
+                              </p:par>
+                            </p:childTnLst>
+                          </p:cTn>
+                        </p:par>
+                      </p:childTnLst>
+                    </p:cTn>
+                  </p:par>
+                </p:childTnLst>
+              </p:cTn>
+              <p:prevCondLst>
+                <p:cond evt="onPrev" delay="0">
+                  <p:tgtEl>
+                    <p:sldTgt/>
+                  </p:tgtEl>
+                </p:cond>
+              </p:prevCondLst>
+              <p:nextCondLst>
+                <p:cond evt="onNext" delay="0">
+                  <p:tgtEl>
+                    <p:sldTgt/>
+                  </p:tgtEl>
+                </p:cond>
+              </p:nextCondLst>
+            </p:seq>
+          </p:childTnLst>
+        </p:cTn>
+      </p:par>
+    </p:tnLst>
+    <p:bldLst>
+      <p:bldP spid="9" grpId="0" animBg="1"/>
+      <p:bldP spid="12" grpId="0"/>
+      <p:bldP spid="15" grpId="0" animBg="1"/>
+    </p:bldLst>
+  </p:timing>
+</p:sld>
+</file>
+
+<file path=ppt/slides/slide23.xml><?xml version="1.0" encoding="utf-8"?>
+<p:sld xmlns:a="http://schemas.openxmlformats.org/drawingml/2006/main" xmlns:r="http://schemas.openxmlformats.org/officeDocument/2006/relationships" xmlns:p="http://schemas.openxmlformats.org/presentationml/2006/main">
+  <p:cSld>
+    <p:spTree>
+      <p:nvGrpSpPr>
+        <p:cNvPr id="1" name=""/>
+        <p:cNvGrpSpPr/>
+        <p:nvPr/>
+      </p:nvGrpSpPr>
+      <p:grpSpPr>
+        <a:xfrm>
+          <a:off x="0" y="0"/>
+          <a:ext cx="0" cy="0"/>
+          <a:chOff x="0" y="0"/>
+          <a:chExt cx="0" cy="0"/>
+        </a:xfrm>
+      </p:grpSpPr>
+      <p:sp>
+        <p:nvSpPr>
+          <p:cNvPr id="2" name="Title 1"/>
+          <p:cNvSpPr>
+            <a:spLocks noGrp="1"/>
+          </p:cNvSpPr>
+          <p:nvPr>
+            <p:ph type="title"/>
+          </p:nvPr>
+        </p:nvSpPr>
+        <p:spPr>
+          <a:xfrm>
+            <a:off x="460829" y="-272779"/>
+            <a:ext cx="10515600" cy="1325563"/>
+          </a:xfrm>
+        </p:spPr>
+        <p:txBody>
+          <a:bodyPr/>
+          <a:lstStyle/>
+          <a:p>
+            <a:r>
+              <a:rPr lang="en-US" dirty="0" smtClean="0"/>
+              <a:t>Sports Page</a:t>
+            </a:r>
+            <a:endParaRPr lang="en-US" dirty="0"/>
+          </a:p>
+        </p:txBody>
+      </p:sp>
+      <p:pic>
+        <p:nvPicPr>
+          <p:cNvPr id="7" name="Content Placeholder 6"/>
+          <p:cNvPicPr>
+            <a:picLocks noGrp="1" noChangeAspect="1"/>
+          </p:cNvPicPr>
+          <p:nvPr>
+            <p:ph idx="1"/>
+          </p:nvPr>
+        </p:nvPicPr>
+        <p:blipFill>
+          <a:blip r:embed="rId2">
+            <a:extLst>
+              <a:ext uri="{28A0092B-C50C-407E-A947-70E740481C1C}">
+                <a14:useLocalDpi xmlns:a14="http://schemas.microsoft.com/office/drawing/2010/main" val="0"/>
+              </a:ext>
+            </a:extLst>
+          </a:blip>
+          <a:stretch>
+            <a:fillRect/>
+          </a:stretch>
+        </p:blipFill>
+        <p:spPr>
+          <a:xfrm>
+            <a:off x="319980" y="852033"/>
+            <a:ext cx="6866431" cy="4351338"/>
+          </a:xfrm>
+        </p:spPr>
+      </p:pic>
+      <p:sp>
+        <p:nvSpPr>
+          <p:cNvPr id="4" name="TextBox 3"/>
+          <p:cNvSpPr txBox="1"/>
+          <p:nvPr/>
+        </p:nvSpPr>
+        <p:spPr>
+          <a:xfrm>
+            <a:off x="838200" y="6363222"/>
+            <a:ext cx="1591358" cy="369332"/>
+          </a:xfrm>
+          <a:prstGeom prst="rect">
+            <a:avLst/>
+          </a:prstGeom>
+          <a:noFill/>
+        </p:spPr>
+        <p:txBody>
+          <a:bodyPr wrap="square" rtlCol="0">
+            <a:spAutoFit/>
+          </a:bodyPr>
+          <a:lstStyle/>
+          <a:p>
+            <a:r>
+              <a:rPr lang="en-US" dirty="0" smtClean="0"/>
+              <a:t>Team Octopus</a:t>
+            </a:r>
+            <a:endParaRPr lang="en-US" dirty="0"/>
+          </a:p>
+        </p:txBody>
+      </p:sp>
+      <p:sp>
+        <p:nvSpPr>
+          <p:cNvPr id="5" name="TextBox 4"/>
+          <p:cNvSpPr txBox="1"/>
+          <p:nvPr/>
+        </p:nvSpPr>
+        <p:spPr>
+          <a:xfrm>
+            <a:off x="4842456" y="6363222"/>
+            <a:ext cx="2343955" cy="369332"/>
+          </a:xfrm>
+          <a:prstGeom prst="rect">
+            <a:avLst/>
+          </a:prstGeom>
+          <a:noFill/>
+        </p:spPr>
+        <p:txBody>
+          <a:bodyPr wrap="square" rtlCol="0">
+            <a:spAutoFit/>
+          </a:bodyPr>
+          <a:lstStyle/>
+          <a:p>
+            <a:r>
+              <a:rPr lang="en-US" dirty="0" smtClean="0"/>
+              <a:t>Final Implementation</a:t>
+            </a:r>
+            <a:endParaRPr lang="en-US" dirty="0"/>
+          </a:p>
+        </p:txBody>
+      </p:sp>
+      <p:sp>
+        <p:nvSpPr>
+          <p:cNvPr id="6" name="TextBox 5"/>
+          <p:cNvSpPr txBox="1"/>
+          <p:nvPr/>
+        </p:nvSpPr>
+        <p:spPr>
+          <a:xfrm>
+            <a:off x="8415556" y="6363222"/>
+            <a:ext cx="2693770" cy="369332"/>
+          </a:xfrm>
+          <a:prstGeom prst="rect">
+            <a:avLst/>
+          </a:prstGeom>
+          <a:noFill/>
+        </p:spPr>
+        <p:txBody>
+          <a:bodyPr wrap="square" rtlCol="0">
+            <a:spAutoFit/>
+          </a:bodyPr>
+          <a:lstStyle/>
+          <a:p>
+            <a:r>
+              <a:rPr lang="en-US" dirty="0" smtClean="0"/>
+              <a:t>Team Member: </a:t>
+            </a:r>
+            <a:r>
+              <a:rPr lang="en-US" dirty="0" smtClean="0"/>
+              <a:t>Jake King</a:t>
+            </a:r>
+            <a:endParaRPr lang="en-US" dirty="0"/>
+          </a:p>
+        </p:txBody>
+      </p:sp>
+      <p:pic>
+        <p:nvPicPr>
+          <p:cNvPr id="8" name="Picture 7"/>
+          <p:cNvPicPr>
+            <a:picLocks noChangeAspect="1"/>
+          </p:cNvPicPr>
+          <p:nvPr/>
+        </p:nvPicPr>
+        <p:blipFill>
+          <a:blip r:embed="rId3">
+            <a:extLst>
+              <a:ext uri="{28A0092B-C50C-407E-A947-70E740481C1C}">
+                <a14:useLocalDpi xmlns:a14="http://schemas.microsoft.com/office/drawing/2010/main" val="0"/>
+              </a:ext>
+            </a:extLst>
+          </a:blip>
+          <a:stretch>
+            <a:fillRect/>
+          </a:stretch>
+        </p:blipFill>
+        <p:spPr>
+          <a:xfrm>
+            <a:off x="7603745" y="1293245"/>
+            <a:ext cx="4317392" cy="3468914"/>
+          </a:xfrm>
+          <a:prstGeom prst="rect">
+            <a:avLst/>
+          </a:prstGeom>
+        </p:spPr>
+      </p:pic>
+    </p:spTree>
+    <p:extLst>
+      <p:ext uri="{BB962C8B-B14F-4D97-AF65-F5344CB8AC3E}">
+        <p14:creationId xmlns:p14="http://schemas.microsoft.com/office/powerpoint/2010/main" val="3175419541"/>
+      </p:ext>
+    </p:extLst>
+  </p:cSld>
+  <p:clrMapOvr>
+    <a:masterClrMapping/>
+  </p:clrMapOvr>
+  <p:timing>
+    <p:tnLst>
+      <p:par>
+        <p:cTn id="1" dur="indefinite" restart="never" nodeType="tmRoot"/>
+      </p:par>
+    </p:tnLst>
+  </p:timing>
+</p:sld>
+</file>
+
 <file path=ppt/slides/slide3.xml><?xml version="1.0" encoding="utf-8"?>
 <p:sld xmlns:a="http://schemas.openxmlformats.org/drawingml/2006/main" xmlns:r="http://schemas.openxmlformats.org/officeDocument/2006/relationships" xmlns:p="http://schemas.openxmlformats.org/presentationml/2006/main">
   <p:cSld>
@@ -4953,10 +7310,9 @@
           <a:bodyPr/>
           <a:lstStyle/>
           <a:p>
-            <a:pPr algn="ctr"/>
-            <a:r>
-              <a:rPr lang="en-US" dirty="0" smtClean="0"/>
-              <a:t>Snapshots</a:t>
+            <a:r>
+              <a:rPr lang="en-US" dirty="0" smtClean="0"/>
+              <a:t>Contextual Inquiry: Added Features</a:t>
             </a:r>
             <a:endParaRPr lang="en-US" dirty="0"/>
           </a:p>
@@ -4977,6 +7333,22 @@
           <a:bodyPr/>
           <a:lstStyle/>
           <a:p>
+            <a:r>
+              <a:rPr lang="en-US" dirty="0" smtClean="0"/>
+              <a:t>We added sports, after I pointed out that is why I use TV Guide and our interviews suggested people would want it</a:t>
+            </a:r>
+          </a:p>
+          <a:p>
+            <a:r>
+              <a:rPr lang="en-US" dirty="0" smtClean="0"/>
+              <a:t>We added the social media aspect to it, so people could comment on videos</a:t>
+            </a:r>
+          </a:p>
+          <a:p>
+            <a:r>
+              <a:rPr lang="en-US" dirty="0" smtClean="0"/>
+              <a:t>We also added a top shows page, to show which shows were trending</a:t>
+            </a:r>
             <a:endParaRPr lang="en-US" dirty="0"/>
           </a:p>
         </p:txBody>
@@ -5019,8 +7391,8 @@
         </p:nvSpPr>
         <p:spPr>
           <a:xfrm>
-            <a:off x="5087470" y="6363222"/>
-            <a:ext cx="2308413" cy="369332"/>
+            <a:off x="5154705" y="6363222"/>
+            <a:ext cx="2057464" cy="369332"/>
           </a:xfrm>
           <a:prstGeom prst="rect">
             <a:avLst/>
@@ -5034,8 +7406,8 @@
           <a:lstStyle/>
           <a:p>
             <a:r>
-              <a:rPr lang="en-US" smtClean="0"/>
-              <a:t>Low-Fidelity Prototype</a:t>
+              <a:rPr lang="en-US" dirty="0" smtClean="0"/>
+              <a:t>Contextual Inquiry</a:t>
             </a:r>
             <a:endParaRPr lang="en-US" dirty="0"/>
           </a:p>
@@ -5064,23 +7436,34 @@
           <a:lstStyle/>
           <a:p>
             <a:r>
-              <a:rPr lang="en-US" smtClean="0"/>
-              <a:t>Team Member: Alex Will</a:t>
-            </a:r>
-            <a:endParaRPr lang="en-US"/>
+              <a:rPr lang="en-US" dirty="0" smtClean="0"/>
+              <a:t>Team Member: </a:t>
+            </a:r>
+            <a:r>
+              <a:rPr lang="en-US" dirty="0" smtClean="0"/>
+              <a:t>Jake King</a:t>
+            </a:r>
+            <a:endParaRPr lang="en-US" dirty="0"/>
           </a:p>
         </p:txBody>
       </p:sp>
     </p:spTree>
     <p:extLst>
       <p:ext uri="{BB962C8B-B14F-4D97-AF65-F5344CB8AC3E}">
-        <p14:creationId xmlns:p14="http://schemas.microsoft.com/office/powerpoint/2010/main" val="1845651501"/>
+        <p14:creationId xmlns:p14="http://schemas.microsoft.com/office/powerpoint/2010/main" val="318196044"/>
       </p:ext>
     </p:extLst>
   </p:cSld>
   <p:clrMapOvr>
     <a:masterClrMapping/>
   </p:clrMapOvr>
+  <p:timing>
+    <p:tnLst>
+      <p:par>
+        <p:cTn id="1" dur="indefinite" restart="never" nodeType="tmRoot"/>
+      </p:par>
+    </p:tnLst>
+  </p:timing>
 </p:sld>
 </file>
 
@@ -5116,11 +7499,6 @@
           <a:bodyPr/>
           <a:lstStyle/>
           <a:p>
-            <a:pPr algn="ctr"/>
-            <a:r>
-              <a:rPr lang="en-US" dirty="0" smtClean="0"/>
-              <a:t>Questions</a:t>
-            </a:r>
             <a:endParaRPr lang="en-US" dirty="0"/>
           </a:p>
         </p:txBody>
@@ -5182,8 +7560,8 @@
         </p:nvSpPr>
         <p:spPr>
           <a:xfrm>
-            <a:off x="5087470" y="6363222"/>
-            <a:ext cx="2308413" cy="369332"/>
+            <a:off x="5154705" y="6363222"/>
+            <a:ext cx="2031706" cy="369332"/>
           </a:xfrm>
           <a:prstGeom prst="rect">
             <a:avLst/>
@@ -5197,8 +7575,8 @@
           <a:lstStyle/>
           <a:p>
             <a:r>
-              <a:rPr lang="en-US" smtClean="0"/>
-              <a:t>Low-Fidelity Prototype</a:t>
+              <a:rPr lang="en-US" dirty="0" smtClean="0"/>
+              <a:t>Contextual Inquiry</a:t>
             </a:r>
             <a:endParaRPr lang="en-US" dirty="0"/>
           </a:p>
@@ -5227,23 +7605,34 @@
           <a:lstStyle/>
           <a:p>
             <a:r>
-              <a:rPr lang="en-US" smtClean="0"/>
-              <a:t>Team Member: Alex Will</a:t>
-            </a:r>
-            <a:endParaRPr lang="en-US"/>
+              <a:rPr lang="en-US" dirty="0" smtClean="0"/>
+              <a:t>Team Member: </a:t>
+            </a:r>
+            <a:r>
+              <a:rPr lang="en-US" dirty="0" smtClean="0"/>
+              <a:t>Jake King</a:t>
+            </a:r>
+            <a:endParaRPr lang="en-US" dirty="0"/>
           </a:p>
         </p:txBody>
       </p:sp>
     </p:spTree>
     <p:extLst>
       <p:ext uri="{BB962C8B-B14F-4D97-AF65-F5344CB8AC3E}">
-        <p14:creationId xmlns:p14="http://schemas.microsoft.com/office/powerpoint/2010/main" val="635308162"/>
+        <p14:creationId xmlns:p14="http://schemas.microsoft.com/office/powerpoint/2010/main" val="3925706349"/>
       </p:ext>
     </p:extLst>
   </p:cSld>
   <p:clrMapOvr>
     <a:masterClrMapping/>
   </p:clrMapOvr>
+  <p:timing>
+    <p:tnLst>
+      <p:par>
+        <p:cTn id="1" dur="indefinite" restart="never" nodeType="tmRoot"/>
+      </p:par>
+    </p:tnLst>
+  </p:timing>
 </p:sld>
 </file>
 
@@ -5282,7 +7671,7 @@
             <a:pPr algn="ctr"/>
             <a:r>
               <a:rPr lang="en-US" dirty="0" smtClean="0"/>
-              <a:t>Improvements</a:t>
+              <a:t>Snapshots</a:t>
             </a:r>
             <a:endParaRPr lang="en-US" dirty="0"/>
           </a:p>
@@ -5303,7 +7692,7 @@
           <a:bodyPr/>
           <a:lstStyle/>
           <a:p>
-            <a:endParaRPr lang="en-US"/>
+            <a:endParaRPr lang="en-US" dirty="0"/>
           </a:p>
         </p:txBody>
       </p:sp>
@@ -5360,7 +7749,7 @@
           <a:lstStyle/>
           <a:p>
             <a:r>
-              <a:rPr lang="en-US" dirty="0" smtClean="0"/>
+              <a:rPr lang="en-US" smtClean="0"/>
               <a:t>Low-Fidelity Prototype</a:t>
             </a:r>
             <a:endParaRPr lang="en-US" dirty="0"/>
@@ -5390,17 +7779,17 @@
           <a:lstStyle/>
           <a:p>
             <a:r>
-              <a:rPr lang="en-US" dirty="0" smtClean="0"/>
+              <a:rPr lang="en-US" smtClean="0"/>
               <a:t>Team Member: Alex Will</a:t>
             </a:r>
-            <a:endParaRPr lang="en-US" dirty="0"/>
+            <a:endParaRPr lang="en-US"/>
           </a:p>
         </p:txBody>
       </p:sp>
     </p:spTree>
     <p:extLst>
       <p:ext uri="{BB962C8B-B14F-4D97-AF65-F5344CB8AC3E}">
-        <p14:creationId xmlns:p14="http://schemas.microsoft.com/office/powerpoint/2010/main" val="209706283"/>
+        <p14:creationId xmlns:p14="http://schemas.microsoft.com/office/powerpoint/2010/main" val="1845651501"/>
       </p:ext>
     </p:extLst>
   </p:cSld>
@@ -5445,7 +7834,7 @@
             <a:pPr algn="ctr"/>
             <a:r>
               <a:rPr lang="en-US" dirty="0" smtClean="0"/>
-              <a:t>Affinity Diagram</a:t>
+              <a:t>Questions</a:t>
             </a:r>
             <a:endParaRPr lang="en-US" dirty="0"/>
           </a:p>
@@ -5508,8 +7897,8 @@
         </p:nvSpPr>
         <p:spPr>
           <a:xfrm>
-            <a:off x="4385181" y="6363222"/>
-            <a:ext cx="3421637" cy="369332"/>
+            <a:off x="5087470" y="6363222"/>
+            <a:ext cx="2308413" cy="369332"/>
           </a:xfrm>
           <a:prstGeom prst="rect">
             <a:avLst/>
@@ -5523,8 +7912,8 @@
           <a:lstStyle/>
           <a:p>
             <a:r>
-              <a:rPr lang="en-US" dirty="0" smtClean="0"/>
-              <a:t>Work Models &amp; Affinity Diagram</a:t>
+              <a:rPr lang="en-US" smtClean="0"/>
+              <a:t>Low-Fidelity Prototype</a:t>
             </a:r>
             <a:endParaRPr lang="en-US" dirty="0"/>
           </a:p>
@@ -5538,8 +7927,8 @@
         </p:nvSpPr>
         <p:spPr>
           <a:xfrm>
-            <a:off x="8415555" y="6363222"/>
-            <a:ext cx="3062341" cy="369332"/>
+            <a:off x="8415556" y="6363222"/>
+            <a:ext cx="2693770" cy="369332"/>
           </a:xfrm>
           <a:prstGeom prst="rect">
             <a:avLst/>
@@ -5553,21 +7942,17 @@
           <a:lstStyle/>
           <a:p>
             <a:r>
-              <a:rPr lang="en-US" dirty="0" smtClean="0"/>
-              <a:t>Team Member: </a:t>
-            </a:r>
-            <a:r>
-              <a:rPr lang="en-US" dirty="0" smtClean="0"/>
-              <a:t>Jack Flowers</a:t>
-            </a:r>
-            <a:endParaRPr lang="en-US" dirty="0"/>
+              <a:rPr lang="en-US" smtClean="0"/>
+              <a:t>Team Member: Alex Will</a:t>
+            </a:r>
+            <a:endParaRPr lang="en-US"/>
           </a:p>
         </p:txBody>
       </p:sp>
     </p:spTree>
     <p:extLst>
       <p:ext uri="{BB962C8B-B14F-4D97-AF65-F5344CB8AC3E}">
-        <p14:creationId xmlns:p14="http://schemas.microsoft.com/office/powerpoint/2010/main" val="3477196545"/>
+        <p14:creationId xmlns:p14="http://schemas.microsoft.com/office/powerpoint/2010/main" val="635308162"/>
       </p:ext>
     </p:extLst>
   </p:cSld>
@@ -5612,7 +7997,7 @@
             <a:pPr algn="ctr"/>
             <a:r>
               <a:rPr lang="en-US" dirty="0" smtClean="0"/>
-              <a:t>Flow Model</a:t>
+              <a:t>Improvements</a:t>
             </a:r>
             <a:endParaRPr lang="en-US" dirty="0"/>
           </a:p>
@@ -5633,7 +8018,7 @@
           <a:bodyPr/>
           <a:lstStyle/>
           <a:p>
-            <a:endParaRPr lang="en-US" dirty="0"/>
+            <a:endParaRPr lang="en-US"/>
           </a:p>
         </p:txBody>
       </p:sp>
@@ -5675,8 +8060,8 @@
         </p:nvSpPr>
         <p:spPr>
           <a:xfrm>
-            <a:off x="4385181" y="6363222"/>
-            <a:ext cx="3421637" cy="369332"/>
+            <a:off x="5087470" y="6363222"/>
+            <a:ext cx="2308413" cy="369332"/>
           </a:xfrm>
           <a:prstGeom prst="rect">
             <a:avLst/>
@@ -5691,7 +8076,7 @@
           <a:p>
             <a:r>
               <a:rPr lang="en-US" dirty="0" smtClean="0"/>
-              <a:t>Work Models &amp; Affinity Diagram</a:t>
+              <a:t>Low-Fidelity Prototype</a:t>
             </a:r>
             <a:endParaRPr lang="en-US" dirty="0"/>
           </a:p>
@@ -5705,8 +8090,8 @@
         </p:nvSpPr>
         <p:spPr>
           <a:xfrm>
-            <a:off x="8415555" y="6363222"/>
-            <a:ext cx="3062341" cy="369332"/>
+            <a:off x="8415556" y="6363222"/>
+            <a:ext cx="2693770" cy="369332"/>
           </a:xfrm>
           <a:prstGeom prst="rect">
             <a:avLst/>
@@ -5721,11 +8106,7 @@
           <a:p>
             <a:r>
               <a:rPr lang="en-US" dirty="0" smtClean="0"/>
-              <a:t>Team Member: </a:t>
-            </a:r>
-            <a:r>
-              <a:rPr lang="en-US" dirty="0" smtClean="0"/>
-              <a:t>Jack Flowers</a:t>
+              <a:t>Team Member: Alex Will</a:t>
             </a:r>
             <a:endParaRPr lang="en-US" dirty="0"/>
           </a:p>
@@ -5734,7 +8115,7 @@
     </p:spTree>
     <p:extLst>
       <p:ext uri="{BB962C8B-B14F-4D97-AF65-F5344CB8AC3E}">
-        <p14:creationId xmlns:p14="http://schemas.microsoft.com/office/powerpoint/2010/main" val="2873540795"/>
+        <p14:creationId xmlns:p14="http://schemas.microsoft.com/office/powerpoint/2010/main" val="209706283"/>
       </p:ext>
     </p:extLst>
   </p:cSld>
@@ -5779,7 +8160,7 @@
             <a:pPr algn="ctr"/>
             <a:r>
               <a:rPr lang="en-US" dirty="0" smtClean="0"/>
-              <a:t>Cultural Model</a:t>
+              <a:t>Affinity Diagram</a:t>
             </a:r>
             <a:endParaRPr lang="en-US" dirty="0"/>
           </a:p>
@@ -5888,11 +8269,7 @@
           <a:p>
             <a:r>
               <a:rPr lang="en-US" dirty="0" smtClean="0"/>
-              <a:t>Team Member: </a:t>
-            </a:r>
-            <a:r>
-              <a:rPr lang="en-US" dirty="0" smtClean="0"/>
-              <a:t>Jack Flowers</a:t>
+              <a:t>Team Member: Jack Flowers</a:t>
             </a:r>
             <a:endParaRPr lang="en-US" dirty="0"/>
           </a:p>
@@ -5901,7 +8278,7 @@
     </p:spTree>
     <p:extLst>
       <p:ext uri="{BB962C8B-B14F-4D97-AF65-F5344CB8AC3E}">
-        <p14:creationId xmlns:p14="http://schemas.microsoft.com/office/powerpoint/2010/main" val="413125061"/>
+        <p14:creationId xmlns:p14="http://schemas.microsoft.com/office/powerpoint/2010/main" val="3477196545"/>
       </p:ext>
     </p:extLst>
   </p:cSld>
@@ -5946,7 +8323,7 @@
             <a:pPr algn="ctr"/>
             <a:r>
               <a:rPr lang="en-US" dirty="0" smtClean="0"/>
-              <a:t>Sequence Model</a:t>
+              <a:t>Flow Model</a:t>
             </a:r>
             <a:endParaRPr lang="en-US" dirty="0"/>
           </a:p>
@@ -6055,11 +8432,7 @@
           <a:p>
             <a:r>
               <a:rPr lang="en-US" dirty="0" smtClean="0"/>
-              <a:t>Team Member: </a:t>
-            </a:r>
-            <a:r>
-              <a:rPr lang="en-US" dirty="0" smtClean="0"/>
-              <a:t>Jack Flowers</a:t>
+              <a:t>Team Member: Jack Flowers</a:t>
             </a:r>
             <a:endParaRPr lang="en-US" dirty="0"/>
           </a:p>
@@ -6068,7 +8441,7 @@
     </p:spTree>
     <p:extLst>
       <p:ext uri="{BB962C8B-B14F-4D97-AF65-F5344CB8AC3E}">
-        <p14:creationId xmlns:p14="http://schemas.microsoft.com/office/powerpoint/2010/main" val="3858493607"/>
+        <p14:creationId xmlns:p14="http://schemas.microsoft.com/office/powerpoint/2010/main" val="2873540795"/>
       </p:ext>
     </p:extLst>
   </p:cSld>

--- a/TeamOctopus/phase6/team_Octopus_Presentation.pptx
+++ b/TeamOctopus/phase6/team_Octopus_Presentation.pptx
@@ -219,7 +219,7 @@
           <a:p>
             <a:fld id="{75AA5801-58E2-1A47-AB77-D5E8F4F0FF0A}" type="datetimeFigureOut">
               <a:rPr lang="en-US" smtClean="0"/>
-              <a:t>11/30/2015</a:t>
+              <a:t>11/30/15</a:t>
             </a:fld>
             <a:endParaRPr lang="en-US"/>
           </a:p>
@@ -571,6 +571,90 @@
 </p:notes>
 </file>
 
+<file path=ppt/notesSlides/notesSlide2.xml><?xml version="1.0" encoding="utf-8"?>
+<p:notes xmlns:a="http://schemas.openxmlformats.org/drawingml/2006/main" xmlns:r="http://schemas.openxmlformats.org/officeDocument/2006/relationships" xmlns:p="http://schemas.openxmlformats.org/presentationml/2006/main">
+  <p:cSld>
+    <p:spTree>
+      <p:nvGrpSpPr>
+        <p:cNvPr id="1" name=""/>
+        <p:cNvGrpSpPr/>
+        <p:nvPr/>
+      </p:nvGrpSpPr>
+      <p:grpSpPr>
+        <a:xfrm>
+          <a:off x="0" y="0"/>
+          <a:ext cx="0" cy="0"/>
+          <a:chOff x="0" y="0"/>
+          <a:chExt cx="0" cy="0"/>
+        </a:xfrm>
+      </p:grpSpPr>
+      <p:sp>
+        <p:nvSpPr>
+          <p:cNvPr id="2" name="Slide Image Placeholder 1"/>
+          <p:cNvSpPr>
+            <a:spLocks noGrp="1" noRot="1" noChangeAspect="1"/>
+          </p:cNvSpPr>
+          <p:nvPr>
+            <p:ph type="sldImg"/>
+          </p:nvPr>
+        </p:nvSpPr>
+        <p:spPr/>
+      </p:sp>
+      <p:sp>
+        <p:nvSpPr>
+          <p:cNvPr id="3" name="Notes Placeholder 2"/>
+          <p:cNvSpPr>
+            <a:spLocks noGrp="1"/>
+          </p:cNvSpPr>
+          <p:nvPr>
+            <p:ph type="body" idx="1"/>
+          </p:nvPr>
+        </p:nvSpPr>
+        <p:spPr/>
+        <p:txBody>
+          <a:bodyPr/>
+          <a:lstStyle/>
+          <a:p>
+            <a:endParaRPr lang="en-US" dirty="0"/>
+          </a:p>
+        </p:txBody>
+      </p:sp>
+      <p:sp>
+        <p:nvSpPr>
+          <p:cNvPr id="4" name="Slide Number Placeholder 3"/>
+          <p:cNvSpPr>
+            <a:spLocks noGrp="1"/>
+          </p:cNvSpPr>
+          <p:nvPr>
+            <p:ph type="sldNum" sz="quarter" idx="10"/>
+          </p:nvPr>
+        </p:nvSpPr>
+        <p:spPr/>
+        <p:txBody>
+          <a:bodyPr/>
+          <a:lstStyle/>
+          <a:p>
+            <a:fld id="{9DF5C36C-50A0-F54B-8871-D24D3577CCCC}" type="slidenum">
+              <a:rPr lang="en-US" smtClean="0"/>
+              <a:t>6</a:t>
+            </a:fld>
+            <a:endParaRPr lang="en-US"/>
+          </a:p>
+        </p:txBody>
+      </p:sp>
+    </p:spTree>
+    <p:extLst>
+      <p:ext uri="{BB962C8B-B14F-4D97-AF65-F5344CB8AC3E}">
+        <p14:creationId xmlns:p14="http://schemas.microsoft.com/office/powerpoint/2010/main" val="381516715"/>
+      </p:ext>
+    </p:extLst>
+  </p:cSld>
+  <p:clrMapOvr>
+    <a:masterClrMapping/>
+  </p:clrMapOvr>
+</p:notes>
+</file>
+
 <file path=ppt/slideLayouts/slideLayout1.xml><?xml version="1.0" encoding="utf-8"?>
 <p:sldLayout xmlns:a="http://schemas.openxmlformats.org/drawingml/2006/main" xmlns:r="http://schemas.openxmlformats.org/officeDocument/2006/relationships" xmlns:p="http://schemas.openxmlformats.org/presentationml/2006/main" type="title" preserve="1">
   <p:cSld name="Title Slide">
@@ -702,7 +786,7 @@
           <a:p>
             <a:fld id="{5EA88037-1F7C-7846-8515-279FA3F1A194}" type="datetimeFigureOut">
               <a:rPr lang="en-US" smtClean="0"/>
-              <a:t>11/30/2015</a:t>
+              <a:t>11/30/15</a:t>
             </a:fld>
             <a:endParaRPr lang="en-US"/>
           </a:p>
@@ -872,7 +956,7 @@
           <a:p>
             <a:fld id="{5EA88037-1F7C-7846-8515-279FA3F1A194}" type="datetimeFigureOut">
               <a:rPr lang="en-US" smtClean="0"/>
-              <a:t>11/30/2015</a:t>
+              <a:t>11/30/15</a:t>
             </a:fld>
             <a:endParaRPr lang="en-US"/>
           </a:p>
@@ -1052,7 +1136,7 @@
           <a:p>
             <a:fld id="{5EA88037-1F7C-7846-8515-279FA3F1A194}" type="datetimeFigureOut">
               <a:rPr lang="en-US" smtClean="0"/>
-              <a:t>11/30/2015</a:t>
+              <a:t>11/30/15</a:t>
             </a:fld>
             <a:endParaRPr lang="en-US"/>
           </a:p>
@@ -1222,7 +1306,7 @@
           <a:p>
             <a:fld id="{5EA88037-1F7C-7846-8515-279FA3F1A194}" type="datetimeFigureOut">
               <a:rPr lang="en-US" smtClean="0"/>
-              <a:t>11/30/2015</a:t>
+              <a:t>11/30/15</a:t>
             </a:fld>
             <a:endParaRPr lang="en-US"/>
           </a:p>
@@ -1468,7 +1552,7 @@
           <a:p>
             <a:fld id="{5EA88037-1F7C-7846-8515-279FA3F1A194}" type="datetimeFigureOut">
               <a:rPr lang="en-US" smtClean="0"/>
-              <a:t>11/30/2015</a:t>
+              <a:t>11/30/15</a:t>
             </a:fld>
             <a:endParaRPr lang="en-US"/>
           </a:p>
@@ -1700,7 +1784,7 @@
           <a:p>
             <a:fld id="{5EA88037-1F7C-7846-8515-279FA3F1A194}" type="datetimeFigureOut">
               <a:rPr lang="en-US" smtClean="0"/>
-              <a:t>11/30/2015</a:t>
+              <a:t>11/30/15</a:t>
             </a:fld>
             <a:endParaRPr lang="en-US"/>
           </a:p>
@@ -2067,7 +2151,7 @@
           <a:p>
             <a:fld id="{5EA88037-1F7C-7846-8515-279FA3F1A194}" type="datetimeFigureOut">
               <a:rPr lang="en-US" smtClean="0"/>
-              <a:t>11/30/2015</a:t>
+              <a:t>11/30/15</a:t>
             </a:fld>
             <a:endParaRPr lang="en-US"/>
           </a:p>
@@ -2185,7 +2269,7 @@
           <a:p>
             <a:fld id="{5EA88037-1F7C-7846-8515-279FA3F1A194}" type="datetimeFigureOut">
               <a:rPr lang="en-US" smtClean="0"/>
-              <a:t>11/30/2015</a:t>
+              <a:t>11/30/15</a:t>
             </a:fld>
             <a:endParaRPr lang="en-US"/>
           </a:p>
@@ -2280,7 +2364,7 @@
           <a:p>
             <a:fld id="{5EA88037-1F7C-7846-8515-279FA3F1A194}" type="datetimeFigureOut">
               <a:rPr lang="en-US" smtClean="0"/>
-              <a:t>11/30/2015</a:t>
+              <a:t>11/30/15</a:t>
             </a:fld>
             <a:endParaRPr lang="en-US"/>
           </a:p>
@@ -2557,7 +2641,7 @@
           <a:p>
             <a:fld id="{5EA88037-1F7C-7846-8515-279FA3F1A194}" type="datetimeFigureOut">
               <a:rPr lang="en-US" smtClean="0"/>
-              <a:t>11/30/2015</a:t>
+              <a:t>11/30/15</a:t>
             </a:fld>
             <a:endParaRPr lang="en-US"/>
           </a:p>
@@ -2810,7 +2894,7 @@
           <a:p>
             <a:fld id="{5EA88037-1F7C-7846-8515-279FA3F1A194}" type="datetimeFigureOut">
               <a:rPr lang="en-US" smtClean="0"/>
-              <a:t>11/30/2015</a:t>
+              <a:t>11/30/15</a:t>
             </a:fld>
             <a:endParaRPr lang="en-US"/>
           </a:p>
@@ -3052,7 +3136,7 @@
           <a:p>
             <a:fld id="{5EA88037-1F7C-7846-8515-279FA3F1A194}" type="datetimeFigureOut">
               <a:rPr lang="en-US" smtClean="0"/>
-              <a:t>11/30/2015</a:t>
+              <a:t>11/30/15</a:t>
             </a:fld>
             <a:endParaRPr lang="en-US"/>
           </a:p>
@@ -5157,11 +5241,7 @@
           <a:p>
             <a:r>
               <a:rPr lang="en-US" dirty="0" smtClean="0"/>
-              <a:t>Team Member: </a:t>
-            </a:r>
-            <a:r>
-              <a:rPr lang="en-US" dirty="0" smtClean="0"/>
-              <a:t>Jake King</a:t>
+              <a:t>Team Member: Jake King</a:t>
             </a:r>
             <a:endParaRPr lang="en-US" dirty="0"/>
           </a:p>
@@ -5374,11 +5454,7 @@
           <a:p>
             <a:r>
               <a:rPr lang="en-US" dirty="0" smtClean="0"/>
-              <a:t>Team Member: </a:t>
-            </a:r>
-            <a:r>
-              <a:rPr lang="en-US" dirty="0" smtClean="0"/>
-              <a:t>Jake King</a:t>
+              <a:t>Team Member: Jake King</a:t>
             </a:r>
             <a:endParaRPr lang="en-US" dirty="0"/>
           </a:p>
@@ -5622,11 +5698,7 @@
           <a:p>
             <a:r>
               <a:rPr lang="en-US" dirty="0" smtClean="0"/>
-              <a:t>Team Member: </a:t>
-            </a:r>
-            <a:r>
-              <a:rPr lang="en-US" dirty="0" smtClean="0"/>
-              <a:t>Jake King</a:t>
+              <a:t>Team Member: Jake King</a:t>
             </a:r>
             <a:endParaRPr lang="en-US" dirty="0"/>
           </a:p>
@@ -5989,11 +6061,7 @@
           <a:p>
             <a:r>
               <a:rPr lang="en-US" dirty="0" smtClean="0"/>
-              <a:t>Team Member: </a:t>
-            </a:r>
-            <a:r>
-              <a:rPr lang="en-US" dirty="0" smtClean="0"/>
-              <a:t>Jake King</a:t>
+              <a:t>Team Member: Jake King</a:t>
             </a:r>
             <a:endParaRPr lang="en-US" dirty="0"/>
           </a:p>
@@ -6202,11 +6270,7 @@
           <a:p>
             <a:r>
               <a:rPr lang="en-US" dirty="0" smtClean="0"/>
-              <a:t>Team Member: </a:t>
-            </a:r>
-            <a:r>
-              <a:rPr lang="en-US" dirty="0" smtClean="0"/>
-              <a:t>Jake King</a:t>
+              <a:t>Team Member: Jake King</a:t>
             </a:r>
             <a:endParaRPr lang="en-US" dirty="0"/>
           </a:p>
@@ -6420,11 +6484,7 @@
           <a:p>
             <a:r>
               <a:rPr lang="en-US" dirty="0" smtClean="0"/>
-              <a:t>Team Member: </a:t>
-            </a:r>
-            <a:r>
-              <a:rPr lang="en-US" dirty="0" smtClean="0"/>
-              <a:t>Jake King</a:t>
+              <a:t>Team Member: Jake King</a:t>
             </a:r>
             <a:endParaRPr lang="en-US" dirty="0"/>
           </a:p>
@@ -7218,11 +7278,7 @@
           <a:p>
             <a:r>
               <a:rPr lang="en-US" dirty="0" smtClean="0"/>
-              <a:t>Team Member: </a:t>
-            </a:r>
-            <a:r>
-              <a:rPr lang="en-US" dirty="0" smtClean="0"/>
-              <a:t>Jake King</a:t>
+              <a:t>Team Member: Jake King</a:t>
             </a:r>
             <a:endParaRPr lang="en-US" dirty="0"/>
           </a:p>
@@ -7437,11 +7493,7 @@
           <a:p>
             <a:r>
               <a:rPr lang="en-US" dirty="0" smtClean="0"/>
-              <a:t>Team Member: </a:t>
-            </a:r>
-            <a:r>
-              <a:rPr lang="en-US" dirty="0" smtClean="0"/>
-              <a:t>Jake King</a:t>
+              <a:t>Team Member: Jake King</a:t>
             </a:r>
             <a:endParaRPr lang="en-US" dirty="0"/>
           </a:p>
@@ -7606,11 +7658,7 @@
           <a:p>
             <a:r>
               <a:rPr lang="en-US" dirty="0" smtClean="0"/>
-              <a:t>Team Member: </a:t>
-            </a:r>
-            <a:r>
-              <a:rPr lang="en-US" dirty="0" smtClean="0"/>
-              <a:t>Jake King</a:t>
+              <a:t>Team Member: Jake King</a:t>
             </a:r>
             <a:endParaRPr lang="en-US" dirty="0"/>
           </a:p>
@@ -7663,7 +7711,12 @@
             <p:ph type="title"/>
           </p:nvPr>
         </p:nvSpPr>
-        <p:spPr/>
+        <p:spPr>
+          <a:xfrm>
+            <a:off x="838200" y="365125"/>
+            <a:ext cx="10515600" cy="900149"/>
+          </a:xfrm>
+        </p:spPr>
         <p:txBody>
           <a:bodyPr/>
           <a:lstStyle/>
@@ -7677,25 +7730,35 @@
           </a:p>
         </p:txBody>
       </p:sp>
-      <p:sp>
-        <p:nvSpPr>
-          <p:cNvPr id="3" name="Content Placeholder 2"/>
-          <p:cNvSpPr>
-            <a:spLocks noGrp="1"/>
-          </p:cNvSpPr>
+      <p:pic>
+        <p:nvPicPr>
+          <p:cNvPr id="7" name="Content Placeholder 6"/>
+          <p:cNvPicPr>
+            <a:picLocks noGrp="1" noChangeAspect="1"/>
+          </p:cNvPicPr>
           <p:nvPr>
             <p:ph idx="1"/>
           </p:nvPr>
-        </p:nvSpPr>
-        <p:spPr/>
-        <p:txBody>
-          <a:bodyPr/>
-          <a:lstStyle/>
-          <a:p>
-            <a:endParaRPr lang="en-US" dirty="0"/>
-          </a:p>
-        </p:txBody>
-      </p:sp>
+        </p:nvPicPr>
+        <p:blipFill>
+          <a:blip r:embed="rId2">
+            <a:extLst>
+              <a:ext uri="{28A0092B-C50C-407E-A947-70E740481C1C}">
+                <a14:useLocalDpi xmlns:a14="http://schemas.microsoft.com/office/drawing/2010/main" val="0"/>
+              </a:ext>
+            </a:extLst>
+          </a:blip>
+          <a:stretch>
+            <a:fillRect/>
+          </a:stretch>
+        </p:blipFill>
+        <p:spPr>
+          <a:xfrm>
+            <a:off x="160881" y="1265274"/>
+            <a:ext cx="3321664" cy="4351338"/>
+          </a:xfrm>
+        </p:spPr>
+      </p:pic>
       <p:sp>
         <p:nvSpPr>
           <p:cNvPr id="4" name="TextBox 3"/>
@@ -7786,6 +7849,66 @@
           </a:p>
         </p:txBody>
       </p:sp>
+      <p:pic>
+        <p:nvPicPr>
+          <p:cNvPr id="8" name="Picture 7"/>
+          <p:cNvPicPr>
+            <a:picLocks noChangeAspect="1"/>
+          </p:cNvPicPr>
+          <p:nvPr/>
+        </p:nvPicPr>
+        <p:blipFill>
+          <a:blip r:embed="rId3">
+            <a:extLst>
+              <a:ext uri="{28A0092B-C50C-407E-A947-70E740481C1C}">
+                <a14:useLocalDpi xmlns:a14="http://schemas.microsoft.com/office/drawing/2010/main" val="0"/>
+              </a:ext>
+            </a:extLst>
+          </a:blip>
+          <a:stretch>
+            <a:fillRect/>
+          </a:stretch>
+        </p:blipFill>
+        <p:spPr>
+          <a:xfrm>
+            <a:off x="3999553" y="1250144"/>
+            <a:ext cx="3612536" cy="4381599"/>
+          </a:xfrm>
+          <a:prstGeom prst="rect">
+            <a:avLst/>
+          </a:prstGeom>
+        </p:spPr>
+      </p:pic>
+      <p:pic>
+        <p:nvPicPr>
+          <p:cNvPr id="9" name="Picture 8"/>
+          <p:cNvPicPr>
+            <a:picLocks noChangeAspect="1"/>
+          </p:cNvPicPr>
+          <p:nvPr/>
+        </p:nvPicPr>
+        <p:blipFill>
+          <a:blip r:embed="rId4">
+            <a:extLst>
+              <a:ext uri="{28A0092B-C50C-407E-A947-70E740481C1C}">
+                <a14:useLocalDpi xmlns:a14="http://schemas.microsoft.com/office/drawing/2010/main" val="0"/>
+              </a:ext>
+            </a:extLst>
+          </a:blip>
+          <a:stretch>
+            <a:fillRect/>
+          </a:stretch>
+        </p:blipFill>
+        <p:spPr>
+          <a:xfrm>
+            <a:off x="8129097" y="1238329"/>
+            <a:ext cx="3630512" cy="4378283"/>
+          </a:xfrm>
+          <a:prstGeom prst="rect">
+            <a:avLst/>
+          </a:prstGeom>
+        </p:spPr>
+      </p:pic>
     </p:spTree>
     <p:extLst>
       <p:ext uri="{BB962C8B-B14F-4D97-AF65-F5344CB8AC3E}">
@@ -7850,11 +7973,26 @@
             <p:ph idx="1"/>
           </p:nvPr>
         </p:nvSpPr>
-        <p:spPr/>
+        <p:spPr>
+          <a:xfrm>
+            <a:off x="838200" y="1825625"/>
+            <a:ext cx="3495261" cy="4351338"/>
+          </a:xfrm>
+        </p:spPr>
         <p:txBody>
           <a:bodyPr/>
           <a:lstStyle/>
           <a:p>
+            <a:r>
+              <a:rPr lang="en-US" dirty="0" smtClean="0"/>
+              <a:t>Focused on layout and features.</a:t>
+            </a:r>
+          </a:p>
+          <a:p>
+            <a:r>
+              <a:rPr lang="en-US" dirty="0" smtClean="0"/>
+              <a:t>Compared different pages for preference. </a:t>
+            </a:r>
             <a:endParaRPr lang="en-US" dirty="0"/>
           </a:p>
         </p:txBody>
@@ -7949,6 +8087,66 @@
           </a:p>
         </p:txBody>
       </p:sp>
+      <p:pic>
+        <p:nvPicPr>
+          <p:cNvPr id="7" name="Picture 6"/>
+          <p:cNvPicPr>
+            <a:picLocks noChangeAspect="1"/>
+          </p:cNvPicPr>
+          <p:nvPr/>
+        </p:nvPicPr>
+        <p:blipFill>
+          <a:blip r:embed="rId3">
+            <a:extLst>
+              <a:ext uri="{28A0092B-C50C-407E-A947-70E740481C1C}">
+                <a14:useLocalDpi xmlns:a14="http://schemas.microsoft.com/office/drawing/2010/main" val="0"/>
+              </a:ext>
+            </a:extLst>
+          </a:blip>
+          <a:stretch>
+            <a:fillRect/>
+          </a:stretch>
+        </p:blipFill>
+        <p:spPr>
+          <a:xfrm>
+            <a:off x="5087470" y="1614133"/>
+            <a:ext cx="3453591" cy="3938528"/>
+          </a:xfrm>
+          <a:prstGeom prst="rect">
+            <a:avLst/>
+          </a:prstGeom>
+        </p:spPr>
+      </p:pic>
+      <p:pic>
+        <p:nvPicPr>
+          <p:cNvPr id="8" name="Content Placeholder 9"/>
+          <p:cNvPicPr>
+            <a:picLocks noChangeAspect="1"/>
+          </p:cNvPicPr>
+          <p:nvPr/>
+        </p:nvPicPr>
+        <p:blipFill>
+          <a:blip r:embed="rId4">
+            <a:extLst>
+              <a:ext uri="{28A0092B-C50C-407E-A947-70E740481C1C}">
+                <a14:useLocalDpi xmlns:a14="http://schemas.microsoft.com/office/drawing/2010/main" val="0"/>
+              </a:ext>
+            </a:extLst>
+          </a:blip>
+          <a:stretch>
+            <a:fillRect/>
+          </a:stretch>
+        </p:blipFill>
+        <p:spPr>
+          <a:xfrm>
+            <a:off x="8666209" y="1625906"/>
+            <a:ext cx="3438525" cy="3991537"/>
+          </a:xfrm>
+          <a:prstGeom prst="rect">
+            <a:avLst/>
+          </a:prstGeom>
+        </p:spPr>
+      </p:pic>
     </p:spTree>
     <p:extLst>
       <p:ext uri="{BB962C8B-B14F-4D97-AF65-F5344CB8AC3E}">
@@ -8005,25 +8203,6 @@
       </p:sp>
       <p:sp>
         <p:nvSpPr>
-          <p:cNvPr id="3" name="Content Placeholder 2"/>
-          <p:cNvSpPr>
-            <a:spLocks noGrp="1"/>
-          </p:cNvSpPr>
-          <p:nvPr>
-            <p:ph idx="1"/>
-          </p:nvPr>
-        </p:nvSpPr>
-        <p:spPr/>
-        <p:txBody>
-          <a:bodyPr/>
-          <a:lstStyle/>
-          <a:p>
-            <a:endParaRPr lang="en-US"/>
-          </a:p>
-        </p:txBody>
-      </p:sp>
-      <p:sp>
-        <p:nvSpPr>
           <p:cNvPr id="4" name="TextBox 3"/>
           <p:cNvSpPr txBox="1"/>
           <p:nvPr/>
@@ -8112,6 +8291,65 @@
           </a:p>
         </p:txBody>
       </p:sp>
+      <p:pic>
+        <p:nvPicPr>
+          <p:cNvPr id="15" name="Content Placeholder 14"/>
+          <p:cNvPicPr>
+            <a:picLocks noGrp="1" noChangeAspect="1"/>
+          </p:cNvPicPr>
+          <p:nvPr>
+            <p:ph idx="1"/>
+          </p:nvPr>
+        </p:nvPicPr>
+        <p:blipFill>
+          <a:blip r:embed="rId2">
+            <a:extLst>
+              <a:ext uri="{28A0092B-C50C-407E-A947-70E740481C1C}">
+                <a14:useLocalDpi xmlns:a14="http://schemas.microsoft.com/office/drawing/2010/main" val="0"/>
+              </a:ext>
+            </a:extLst>
+          </a:blip>
+          <a:stretch>
+            <a:fillRect/>
+          </a:stretch>
+        </p:blipFill>
+        <p:spPr>
+          <a:xfrm>
+            <a:off x="838200" y="1374212"/>
+            <a:ext cx="4249270" cy="4829818"/>
+          </a:xfrm>
+        </p:spPr>
+      </p:pic>
+      <p:pic>
+        <p:nvPicPr>
+          <p:cNvPr id="16" name="Picture 15"/>
+          <p:cNvPicPr>
+            <a:picLocks noChangeAspect="1"/>
+          </p:cNvPicPr>
+          <p:nvPr/>
+        </p:nvPicPr>
+        <p:blipFill>
+          <a:blip r:embed="rId3">
+            <a:extLst>
+              <a:ext uri="{28A0092B-C50C-407E-A947-70E740481C1C}">
+                <a14:useLocalDpi xmlns:a14="http://schemas.microsoft.com/office/drawing/2010/main" val="0"/>
+              </a:ext>
+            </a:extLst>
+          </a:blip>
+          <a:stretch>
+            <a:fillRect/>
+          </a:stretch>
+        </p:blipFill>
+        <p:spPr>
+          <a:xfrm>
+            <a:off x="6768718" y="1374212"/>
+            <a:ext cx="4213287" cy="4918969"/>
+          </a:xfrm>
+          <a:prstGeom prst="rect">
+            <a:avLst/>
+          </a:prstGeom>
+        </p:spPr>
+      </p:pic>
     </p:spTree>
     <p:extLst>
       <p:ext uri="{BB962C8B-B14F-4D97-AF65-F5344CB8AC3E}">

--- a/TeamOctopus/phase6/team_Octopus_Presentation.pptx
+++ b/TeamOctopus/phase6/team_Octopus_Presentation.pptx
@@ -219,7 +219,7 @@
           <a:p>
             <a:fld id="{75AA5801-58E2-1A47-AB77-D5E8F4F0FF0A}" type="datetimeFigureOut">
               <a:rPr lang="en-US" smtClean="0"/>
-              <a:t>11/30/15</a:t>
+              <a:t>11/30/2015</a:t>
             </a:fld>
             <a:endParaRPr lang="en-US"/>
           </a:p>
@@ -786,7 +786,7 @@
           <a:p>
             <a:fld id="{5EA88037-1F7C-7846-8515-279FA3F1A194}" type="datetimeFigureOut">
               <a:rPr lang="en-US" smtClean="0"/>
-              <a:t>11/30/15</a:t>
+              <a:t>11/30/2015</a:t>
             </a:fld>
             <a:endParaRPr lang="en-US"/>
           </a:p>
@@ -956,7 +956,7 @@
           <a:p>
             <a:fld id="{5EA88037-1F7C-7846-8515-279FA3F1A194}" type="datetimeFigureOut">
               <a:rPr lang="en-US" smtClean="0"/>
-              <a:t>11/30/15</a:t>
+              <a:t>11/30/2015</a:t>
             </a:fld>
             <a:endParaRPr lang="en-US"/>
           </a:p>
@@ -1136,7 +1136,7 @@
           <a:p>
             <a:fld id="{5EA88037-1F7C-7846-8515-279FA3F1A194}" type="datetimeFigureOut">
               <a:rPr lang="en-US" smtClean="0"/>
-              <a:t>11/30/15</a:t>
+              <a:t>11/30/2015</a:t>
             </a:fld>
             <a:endParaRPr lang="en-US"/>
           </a:p>
@@ -1306,7 +1306,7 @@
           <a:p>
             <a:fld id="{5EA88037-1F7C-7846-8515-279FA3F1A194}" type="datetimeFigureOut">
               <a:rPr lang="en-US" smtClean="0"/>
-              <a:t>11/30/15</a:t>
+              <a:t>11/30/2015</a:t>
             </a:fld>
             <a:endParaRPr lang="en-US"/>
           </a:p>
@@ -1552,7 +1552,7 @@
           <a:p>
             <a:fld id="{5EA88037-1F7C-7846-8515-279FA3F1A194}" type="datetimeFigureOut">
               <a:rPr lang="en-US" smtClean="0"/>
-              <a:t>11/30/15</a:t>
+              <a:t>11/30/2015</a:t>
             </a:fld>
             <a:endParaRPr lang="en-US"/>
           </a:p>
@@ -1784,7 +1784,7 @@
           <a:p>
             <a:fld id="{5EA88037-1F7C-7846-8515-279FA3F1A194}" type="datetimeFigureOut">
               <a:rPr lang="en-US" smtClean="0"/>
-              <a:t>11/30/15</a:t>
+              <a:t>11/30/2015</a:t>
             </a:fld>
             <a:endParaRPr lang="en-US"/>
           </a:p>
@@ -2151,7 +2151,7 @@
           <a:p>
             <a:fld id="{5EA88037-1F7C-7846-8515-279FA3F1A194}" type="datetimeFigureOut">
               <a:rPr lang="en-US" smtClean="0"/>
-              <a:t>11/30/15</a:t>
+              <a:t>11/30/2015</a:t>
             </a:fld>
             <a:endParaRPr lang="en-US"/>
           </a:p>
@@ -2269,7 +2269,7 @@
           <a:p>
             <a:fld id="{5EA88037-1F7C-7846-8515-279FA3F1A194}" type="datetimeFigureOut">
               <a:rPr lang="en-US" smtClean="0"/>
-              <a:t>11/30/15</a:t>
+              <a:t>11/30/2015</a:t>
             </a:fld>
             <a:endParaRPr lang="en-US"/>
           </a:p>
@@ -2364,7 +2364,7 @@
           <a:p>
             <a:fld id="{5EA88037-1F7C-7846-8515-279FA3F1A194}" type="datetimeFigureOut">
               <a:rPr lang="en-US" smtClean="0"/>
-              <a:t>11/30/15</a:t>
+              <a:t>11/30/2015</a:t>
             </a:fld>
             <a:endParaRPr lang="en-US"/>
           </a:p>
@@ -2641,7 +2641,7 @@
           <a:p>
             <a:fld id="{5EA88037-1F7C-7846-8515-279FA3F1A194}" type="datetimeFigureOut">
               <a:rPr lang="en-US" smtClean="0"/>
-              <a:t>11/30/15</a:t>
+              <a:t>11/30/2015</a:t>
             </a:fld>
             <a:endParaRPr lang="en-US"/>
           </a:p>
@@ -2894,7 +2894,7 @@
           <a:p>
             <a:fld id="{5EA88037-1F7C-7846-8515-279FA3F1A194}" type="datetimeFigureOut">
               <a:rPr lang="en-US" smtClean="0"/>
-              <a:t>11/30/15</a:t>
+              <a:t>11/30/2015</a:t>
             </a:fld>
             <a:endParaRPr lang="en-US"/>
           </a:p>
@@ -3136,7 +3136,7 @@
           <a:p>
             <a:fld id="{5EA88037-1F7C-7846-8515-279FA3F1A194}" type="datetimeFigureOut">
               <a:rPr lang="en-US" smtClean="0"/>
-              <a:t>11/30/15</a:t>
+              <a:t>11/30/2015</a:t>
             </a:fld>
             <a:endParaRPr lang="en-US"/>
           </a:p>
@@ -5150,8 +5150,12 @@
           <a:lstStyle/>
           <a:p>
             <a:r>
-              <a:rPr lang="en-US" dirty="0" smtClean="0"/>
-              <a:t>Fully Functional TV Guide</a:t>
+              <a:rPr lang="en-US" smtClean="0"/>
+              <a:t>TV </a:t>
+            </a:r>
+            <a:r>
+              <a:rPr lang="en-US" dirty="0" smtClean="0"/>
+              <a:t>Guide</a:t>
             </a:r>
             <a:endParaRPr lang="en-US" dirty="0"/>
           </a:p>
